--- a/caractéristiques_techniques.pptx
+++ b/caractéristiques_techniques.pptx
@@ -7,6 +7,10 @@
   <p:sldIdLst>
     <p:sldId id="256" r:id="rId2"/>
     <p:sldId id="257" r:id="rId3"/>
+    <p:sldId id="259" r:id="rId4"/>
+    <p:sldId id="260" r:id="rId5"/>
+    <p:sldId id="261" r:id="rId6"/>
+    <p:sldId id="258" r:id="rId7"/>
   </p:sldIdLst>
   <p:sldSz cx="12192000" cy="6858000"/>
   <p:notesSz cx="6858000" cy="9144000"/>
@@ -105,6 +109,11 @@
       </a:defRPr>
     </a:lvl9pPr>
   </p:defaultTextStyle>
+  <p:extLst>
+    <p:ext uri="{EFAFB233-063F-42B5-8137-9DF3F51BA10A}">
+      <p15:sldGuideLst xmlns:p15="http://schemas.microsoft.com/office/powerpoint/2012/main"/>
+    </p:ext>
+  </p:extLst>
 </p:presentation>
 </file>
 
@@ -255,7 +264,7 @@
           <a:p>
             <a:fld id="{9BC60C10-E03E-48A1-B538-E36935D0E394}" type="datetimeFigureOut">
               <a:rPr lang="fr-FR" smtClean="0"/>
-              <a:t>06/07/2023</a:t>
+              <a:t>07/07/2023</a:t>
             </a:fld>
             <a:endParaRPr lang="fr-FR"/>
           </a:p>
@@ -453,7 +462,7 @@
           <a:p>
             <a:fld id="{9BC60C10-E03E-48A1-B538-E36935D0E394}" type="datetimeFigureOut">
               <a:rPr lang="fr-FR" smtClean="0"/>
-              <a:t>06/07/2023</a:t>
+              <a:t>07/07/2023</a:t>
             </a:fld>
             <a:endParaRPr lang="fr-FR"/>
           </a:p>
@@ -661,7 +670,7 @@
           <a:p>
             <a:fld id="{9BC60C10-E03E-48A1-B538-E36935D0E394}" type="datetimeFigureOut">
               <a:rPr lang="fr-FR" smtClean="0"/>
-              <a:t>06/07/2023</a:t>
+              <a:t>07/07/2023</a:t>
             </a:fld>
             <a:endParaRPr lang="fr-FR"/>
           </a:p>
@@ -859,7 +868,7 @@
           <a:p>
             <a:fld id="{9BC60C10-E03E-48A1-B538-E36935D0E394}" type="datetimeFigureOut">
               <a:rPr lang="fr-FR" smtClean="0"/>
-              <a:t>06/07/2023</a:t>
+              <a:t>07/07/2023</a:t>
             </a:fld>
             <a:endParaRPr lang="fr-FR"/>
           </a:p>
@@ -1134,7 +1143,7 @@
           <a:p>
             <a:fld id="{9BC60C10-E03E-48A1-B538-E36935D0E394}" type="datetimeFigureOut">
               <a:rPr lang="fr-FR" smtClean="0"/>
-              <a:t>06/07/2023</a:t>
+              <a:t>07/07/2023</a:t>
             </a:fld>
             <a:endParaRPr lang="fr-FR"/>
           </a:p>
@@ -1399,7 +1408,7 @@
           <a:p>
             <a:fld id="{9BC60C10-E03E-48A1-B538-E36935D0E394}" type="datetimeFigureOut">
               <a:rPr lang="fr-FR" smtClean="0"/>
-              <a:t>06/07/2023</a:t>
+              <a:t>07/07/2023</a:t>
             </a:fld>
             <a:endParaRPr lang="fr-FR"/>
           </a:p>
@@ -1811,7 +1820,7 @@
           <a:p>
             <a:fld id="{9BC60C10-E03E-48A1-B538-E36935D0E394}" type="datetimeFigureOut">
               <a:rPr lang="fr-FR" smtClean="0"/>
-              <a:t>06/07/2023</a:t>
+              <a:t>07/07/2023</a:t>
             </a:fld>
             <a:endParaRPr lang="fr-FR"/>
           </a:p>
@@ -1952,7 +1961,7 @@
           <a:p>
             <a:fld id="{9BC60C10-E03E-48A1-B538-E36935D0E394}" type="datetimeFigureOut">
               <a:rPr lang="fr-FR" smtClean="0"/>
-              <a:t>06/07/2023</a:t>
+              <a:t>07/07/2023</a:t>
             </a:fld>
             <a:endParaRPr lang="fr-FR"/>
           </a:p>
@@ -2065,7 +2074,7 @@
           <a:p>
             <a:fld id="{9BC60C10-E03E-48A1-B538-E36935D0E394}" type="datetimeFigureOut">
               <a:rPr lang="fr-FR" smtClean="0"/>
-              <a:t>06/07/2023</a:t>
+              <a:t>07/07/2023</a:t>
             </a:fld>
             <a:endParaRPr lang="fr-FR"/>
           </a:p>
@@ -2376,7 +2385,7 @@
           <a:p>
             <a:fld id="{9BC60C10-E03E-48A1-B538-E36935D0E394}" type="datetimeFigureOut">
               <a:rPr lang="fr-FR" smtClean="0"/>
-              <a:t>06/07/2023</a:t>
+              <a:t>07/07/2023</a:t>
             </a:fld>
             <a:endParaRPr lang="fr-FR"/>
           </a:p>
@@ -2664,7 +2673,7 @@
           <a:p>
             <a:fld id="{9BC60C10-E03E-48A1-B538-E36935D0E394}" type="datetimeFigureOut">
               <a:rPr lang="fr-FR" smtClean="0"/>
-              <a:t>06/07/2023</a:t>
+              <a:t>07/07/2023</a:t>
             </a:fld>
             <a:endParaRPr lang="fr-FR"/>
           </a:p>
@@ -2905,7 +2914,7 @@
           <a:p>
             <a:fld id="{9BC60C10-E03E-48A1-B538-E36935D0E394}" type="datetimeFigureOut">
               <a:rPr lang="fr-FR" smtClean="0"/>
-              <a:t>06/07/2023</a:t>
+              <a:t>07/07/2023</a:t>
             </a:fld>
             <a:endParaRPr lang="fr-FR"/>
           </a:p>
@@ -3409,31 +3418,6 @@
       </p:grpSpPr>
       <p:sp>
         <p:nvSpPr>
-          <p:cNvPr id="2" name="Titre 1">
-            <a:extLst>
-              <a:ext uri="{FF2B5EF4-FFF2-40B4-BE49-F238E27FC236}">
-                <a16:creationId xmlns:a16="http://schemas.microsoft.com/office/drawing/2014/main" id="{50856028-B3C3-0380-C856-8586E3393B6D}"/>
-              </a:ext>
-            </a:extLst>
-          </p:cNvPr>
-          <p:cNvSpPr>
-            <a:spLocks noGrp="1"/>
-          </p:cNvSpPr>
-          <p:nvPr>
-            <p:ph type="title"/>
-          </p:nvPr>
-        </p:nvSpPr>
-        <p:spPr/>
-        <p:txBody>
-          <a:bodyPr/>
-          <a:lstStyle/>
-          <a:p>
-            <a:endParaRPr lang="fr-FR"/>
-          </a:p>
-        </p:txBody>
-      </p:sp>
-      <p:sp>
-        <p:nvSpPr>
           <p:cNvPr id="3" name="Espace réservé du contenu 2">
             <a:extLst>
               <a:ext uri="{FF2B5EF4-FFF2-40B4-BE49-F238E27FC236}">
@@ -3448,12 +3432,145 @@
             <p:ph idx="1"/>
           </p:nvPr>
         </p:nvSpPr>
-        <p:spPr/>
-        <p:txBody>
-          <a:bodyPr/>
-          <a:lstStyle/>
-          <a:p>
-            <a:endParaRPr lang="fr-FR"/>
+        <p:spPr>
+          <a:xfrm>
+            <a:off x="758301" y="369687"/>
+            <a:ext cx="10515600" cy="4351338"/>
+          </a:xfrm>
+        </p:spPr>
+        <p:txBody>
+          <a:bodyPr>
+            <a:normAutofit/>
+          </a:bodyPr>
+          <a:lstStyle/>
+          <a:p>
+            <a:pPr marL="0" indent="0">
+              <a:buNone/>
+            </a:pPr>
+            <a:r>
+              <a:rPr lang="fr-FR" sz="1600" u="sng" dirty="0"/>
+              <a:t>Les Classes</a:t>
+            </a:r>
+          </a:p>
+          <a:p>
+            <a:pPr marL="0" indent="0">
+              <a:buNone/>
+            </a:pPr>
+            <a:r>
+              <a:rPr lang="fr-FR" sz="1600" dirty="0"/>
+              <a:t>Game &gt; gestion de la partie, crée des objets Round jusqu’à la fin de la partie,</a:t>
+            </a:r>
+          </a:p>
+          <a:p>
+            <a:pPr marL="0" indent="0">
+              <a:buNone/>
+            </a:pPr>
+            <a:r>
+              <a:rPr lang="fr-FR" sz="1600" dirty="0"/>
+              <a:t>Round &gt; gestion d’un round, crée des objets </a:t>
+            </a:r>
+            <a:r>
+              <a:rPr lang="fr-FR" sz="1600" dirty="0" err="1"/>
+              <a:t>Step</a:t>
+            </a:r>
+            <a:r>
+              <a:rPr lang="fr-FR" sz="1600" dirty="0"/>
+              <a:t> jusqu’à la fin d’un round</a:t>
+            </a:r>
+          </a:p>
+          <a:p>
+            <a:pPr marL="0" indent="0">
+              <a:buNone/>
+            </a:pPr>
+            <a:r>
+              <a:rPr lang="fr-FR" sz="1600" dirty="0" err="1"/>
+              <a:t>Step</a:t>
+            </a:r>
+            <a:r>
+              <a:rPr lang="fr-FR" sz="1600" dirty="0"/>
+              <a:t> &gt; phase de jeu, </a:t>
+            </a:r>
+            <a:r>
+              <a:rPr lang="fr-FR" sz="1600" dirty="0" err="1"/>
+              <a:t>definie</a:t>
+            </a:r>
+            <a:r>
+              <a:rPr lang="fr-FR" sz="1600" dirty="0"/>
+              <a:t> comme [tour préliminaire, flop, </a:t>
+            </a:r>
+            <a:r>
+              <a:rPr lang="fr-FR" sz="1600" dirty="0" err="1"/>
+              <a:t>turn</a:t>
+            </a:r>
+            <a:r>
+              <a:rPr lang="fr-FR" sz="1600" dirty="0"/>
+              <a:t>, river] instancie des envois de paquets et autres fonctions.</a:t>
+            </a:r>
+          </a:p>
+          <a:p>
+            <a:pPr marL="0" indent="0">
+              <a:buNone/>
+            </a:pPr>
+            <a:r>
+              <a:rPr lang="fr-FR" sz="1600" dirty="0"/>
+              <a:t>Player&gt; objet créé par la fonction main à la connexion d’une machine</a:t>
+            </a:r>
+          </a:p>
+          <a:p>
+            <a:pPr marL="0" indent="0">
+              <a:buNone/>
+            </a:pPr>
+            <a:r>
+              <a:rPr lang="fr-FR" sz="1600" dirty="0" err="1"/>
+              <a:t>Card</a:t>
+            </a:r>
+            <a:r>
+              <a:rPr lang="fr-FR" sz="1600" dirty="0"/>
+              <a:t> &gt; objet constant représentant une carte</a:t>
+            </a:r>
+          </a:p>
+          <a:p>
+            <a:pPr marL="0" indent="0">
+              <a:buNone/>
+            </a:pPr>
+            <a:r>
+              <a:rPr lang="fr-FR" sz="1600" dirty="0"/>
+              <a:t>Hand &gt; objet représentant une main constituée de cartes</a:t>
+            </a:r>
+          </a:p>
+          <a:p>
+            <a:pPr marL="0" indent="0">
+              <a:buNone/>
+            </a:pPr>
+            <a:r>
+              <a:rPr lang="fr-FR" sz="1600" dirty="0"/>
+              <a:t>Deck &gt; objet représentant un </a:t>
+            </a:r>
+            <a:r>
+              <a:rPr lang="fr-FR" sz="1600" dirty="0" err="1"/>
+              <a:t>packet</a:t>
+            </a:r>
+            <a:r>
+              <a:rPr lang="fr-FR" sz="1600" dirty="0"/>
+              <a:t> de 52 cartes classique</a:t>
+            </a:r>
+          </a:p>
+          <a:p>
+            <a:pPr marL="0" indent="0">
+              <a:buNone/>
+            </a:pPr>
+            <a:r>
+              <a:rPr lang="fr-FR" sz="1600" dirty="0"/>
+              <a:t>Lobby &gt; objet représentant un lobby avant une </a:t>
+            </a:r>
+            <a:r>
+              <a:rPr lang="fr-FR" sz="1600" dirty="0" err="1"/>
+              <a:t>game</a:t>
+            </a:r>
+            <a:r>
+              <a:rPr lang="fr-FR" sz="1600" dirty="0"/>
+              <a:t>, instancié par main.</a:t>
+            </a:r>
           </a:p>
         </p:txBody>
       </p:sp>
@@ -3461,6 +3578,723 @@
     <p:extLst>
       <p:ext uri="{BB962C8B-B14F-4D97-AF65-F5344CB8AC3E}">
         <p14:creationId xmlns:p14="http://schemas.microsoft.com/office/powerpoint/2010/main" val="307857995"/>
+      </p:ext>
+    </p:extLst>
+  </p:cSld>
+  <p:clrMapOvr>
+    <a:masterClrMapping/>
+  </p:clrMapOvr>
+</p:sld>
+</file>
+
+<file path=ppt/slides/slide3.xml><?xml version="1.0" encoding="utf-8"?>
+<p:sld xmlns:a="http://schemas.openxmlformats.org/drawingml/2006/main" xmlns:r="http://schemas.openxmlformats.org/officeDocument/2006/relationships" xmlns:p="http://schemas.openxmlformats.org/presentationml/2006/main">
+  <p:cSld>
+    <p:spTree>
+      <p:nvGrpSpPr>
+        <p:cNvPr id="1" name=""/>
+        <p:cNvGrpSpPr/>
+        <p:nvPr/>
+      </p:nvGrpSpPr>
+      <p:grpSpPr>
+        <a:xfrm>
+          <a:off x="0" y="0"/>
+          <a:ext cx="0" cy="0"/>
+          <a:chOff x="0" y="0"/>
+          <a:chExt cx="0" cy="0"/>
+        </a:xfrm>
+      </p:grpSpPr>
+      <p:sp>
+        <p:nvSpPr>
+          <p:cNvPr id="3" name="Espace réservé du contenu 2">
+            <a:extLst>
+              <a:ext uri="{FF2B5EF4-FFF2-40B4-BE49-F238E27FC236}">
+                <a16:creationId xmlns:a16="http://schemas.microsoft.com/office/drawing/2014/main" id="{B631B836-07E9-4B6D-BBAF-1E48BE6C36FB}"/>
+              </a:ext>
+            </a:extLst>
+          </p:cNvPr>
+          <p:cNvSpPr>
+            <a:spLocks noGrp="1"/>
+          </p:cNvSpPr>
+          <p:nvPr>
+            <p:ph idx="1"/>
+          </p:nvPr>
+        </p:nvSpPr>
+        <p:spPr>
+          <a:xfrm>
+            <a:off x="749423" y="440708"/>
+            <a:ext cx="10515600" cy="4351338"/>
+          </a:xfrm>
+        </p:spPr>
+        <p:txBody>
+          <a:bodyPr>
+            <a:normAutofit/>
+          </a:bodyPr>
+          <a:lstStyle/>
+          <a:p>
+            <a:r>
+              <a:rPr lang="fr-FR" sz="1600" u="sng" dirty="0"/>
+              <a:t>Class Player :</a:t>
+            </a:r>
+          </a:p>
+          <a:p>
+            <a:pPr marL="0" indent="0">
+              <a:buNone/>
+            </a:pPr>
+            <a:r>
+              <a:rPr lang="fr-FR" sz="1600" u="sng" dirty="0"/>
+              <a:t>Attributs</a:t>
+            </a:r>
+            <a:r>
+              <a:rPr lang="fr-FR" sz="1600" dirty="0"/>
+              <a:t> :</a:t>
+            </a:r>
+          </a:p>
+          <a:p>
+            <a:pPr marL="0" indent="0">
+              <a:buNone/>
+            </a:pPr>
+            <a:r>
+              <a:rPr lang="fr-FR" sz="1600" dirty="0"/>
+              <a:t>self.id	   : </a:t>
+            </a:r>
+            <a:r>
+              <a:rPr lang="fr-FR" sz="1600" dirty="0" err="1"/>
+              <a:t>int</a:t>
+            </a:r>
+            <a:endParaRPr lang="fr-FR" sz="1600" dirty="0"/>
+          </a:p>
+          <a:p>
+            <a:pPr marL="0" indent="0">
+              <a:buNone/>
+            </a:pPr>
+            <a:r>
+              <a:rPr lang="fr-FR" sz="1600" dirty="0" err="1"/>
+              <a:t>self.conn</a:t>
+            </a:r>
+            <a:r>
+              <a:rPr lang="fr-FR" sz="1600" dirty="0"/>
+              <a:t>       : socket</a:t>
+            </a:r>
+          </a:p>
+          <a:p>
+            <a:pPr marL="0" indent="0">
+              <a:buNone/>
+            </a:pPr>
+            <a:r>
+              <a:rPr lang="fr-FR" sz="1600" dirty="0"/>
+              <a:t>self.pseudo   : </a:t>
+            </a:r>
+            <a:r>
+              <a:rPr lang="fr-FR" sz="1600" dirty="0" err="1"/>
+              <a:t>str</a:t>
+            </a:r>
+            <a:endParaRPr lang="fr-FR" sz="1600" dirty="0"/>
+          </a:p>
+          <a:p>
+            <a:pPr marL="0" indent="0">
+              <a:buNone/>
+            </a:pPr>
+            <a:r>
+              <a:rPr lang="fr-FR" sz="1600" dirty="0"/>
+              <a:t>self.is_alive   : </a:t>
+            </a:r>
+            <a:r>
+              <a:rPr lang="fr-FR" sz="1600" dirty="0" err="1"/>
+              <a:t>bool</a:t>
+            </a:r>
+            <a:endParaRPr lang="fr-FR" sz="1600" dirty="0"/>
+          </a:p>
+          <a:p>
+            <a:pPr marL="0" indent="0">
+              <a:buNone/>
+            </a:pPr>
+            <a:r>
+              <a:rPr lang="fr-FR" sz="1600" dirty="0" err="1"/>
+              <a:t>self.chips</a:t>
+            </a:r>
+            <a:r>
+              <a:rPr lang="fr-FR" sz="1600" dirty="0"/>
+              <a:t>       : </a:t>
+            </a:r>
+            <a:r>
+              <a:rPr lang="fr-FR" sz="1600" dirty="0" err="1"/>
+              <a:t>int</a:t>
+            </a:r>
+            <a:endParaRPr lang="fr-FR" sz="1600" dirty="0"/>
+          </a:p>
+          <a:p>
+            <a:pPr marL="0" indent="0">
+              <a:buNone/>
+            </a:pPr>
+            <a:r>
+              <a:rPr lang="fr-FR" sz="1600" dirty="0" err="1"/>
+              <a:t>self.hand</a:t>
+            </a:r>
+            <a:r>
+              <a:rPr lang="fr-FR" sz="1600" dirty="0"/>
+              <a:t>       : Hand</a:t>
+            </a:r>
+          </a:p>
+          <a:p>
+            <a:pPr marL="0" indent="0">
+              <a:buNone/>
+            </a:pPr>
+            <a:endParaRPr lang="fr-FR" sz="1600" dirty="0"/>
+          </a:p>
+        </p:txBody>
+      </p:sp>
+    </p:spTree>
+    <p:extLst>
+      <p:ext uri="{BB962C8B-B14F-4D97-AF65-F5344CB8AC3E}">
+        <p14:creationId xmlns:p14="http://schemas.microsoft.com/office/powerpoint/2010/main" val="2502632550"/>
+      </p:ext>
+    </p:extLst>
+  </p:cSld>
+  <p:clrMapOvr>
+    <a:masterClrMapping/>
+  </p:clrMapOvr>
+</p:sld>
+</file>
+
+<file path=ppt/slides/slide4.xml><?xml version="1.0" encoding="utf-8"?>
+<p:sld xmlns:a="http://schemas.openxmlformats.org/drawingml/2006/main" xmlns:r="http://schemas.openxmlformats.org/officeDocument/2006/relationships" xmlns:p="http://schemas.openxmlformats.org/presentationml/2006/main">
+  <p:cSld>
+    <p:spTree>
+      <p:nvGrpSpPr>
+        <p:cNvPr id="1" name=""/>
+        <p:cNvGrpSpPr/>
+        <p:nvPr/>
+      </p:nvGrpSpPr>
+      <p:grpSpPr>
+        <a:xfrm>
+          <a:off x="0" y="0"/>
+          <a:ext cx="0" cy="0"/>
+          <a:chOff x="0" y="0"/>
+          <a:chExt cx="0" cy="0"/>
+        </a:xfrm>
+      </p:grpSpPr>
+      <p:sp>
+        <p:nvSpPr>
+          <p:cNvPr id="3" name="Espace réservé du contenu 2">
+            <a:extLst>
+              <a:ext uri="{FF2B5EF4-FFF2-40B4-BE49-F238E27FC236}">
+                <a16:creationId xmlns:a16="http://schemas.microsoft.com/office/drawing/2014/main" id="{7BD1CE48-7BD0-8890-B1CB-F50856133CF0}"/>
+              </a:ext>
+            </a:extLst>
+          </p:cNvPr>
+          <p:cNvSpPr>
+            <a:spLocks noGrp="1"/>
+          </p:cNvSpPr>
+          <p:nvPr>
+            <p:ph idx="1"/>
+          </p:nvPr>
+        </p:nvSpPr>
+        <p:spPr>
+          <a:xfrm>
+            <a:off x="740546" y="245400"/>
+            <a:ext cx="10515600" cy="4351338"/>
+          </a:xfrm>
+        </p:spPr>
+        <p:txBody>
+          <a:bodyPr>
+            <a:normAutofit/>
+          </a:bodyPr>
+          <a:lstStyle/>
+          <a:p>
+            <a:r>
+              <a:rPr lang="fr-FR" sz="1600" u="sng" dirty="0"/>
+              <a:t>Class </a:t>
+            </a:r>
+            <a:r>
+              <a:rPr lang="fr-FR" sz="1600" u="sng" dirty="0" err="1"/>
+              <a:t>Card</a:t>
+            </a:r>
+            <a:r>
+              <a:rPr lang="fr-FR" sz="1600" u="sng" dirty="0"/>
+              <a:t> :</a:t>
+            </a:r>
+          </a:p>
+          <a:p>
+            <a:pPr marL="0" indent="0">
+              <a:buNone/>
+            </a:pPr>
+            <a:r>
+              <a:rPr lang="fr-FR" sz="1600" u="sng" dirty="0"/>
+              <a:t>Attributs :</a:t>
+            </a:r>
+          </a:p>
+          <a:p>
+            <a:pPr marL="0" indent="0">
+              <a:buNone/>
+            </a:pPr>
+            <a:r>
+              <a:rPr lang="fr-FR" sz="1600" dirty="0" err="1"/>
+              <a:t>self.suit</a:t>
+            </a:r>
+            <a:r>
+              <a:rPr lang="fr-FR" sz="1600" dirty="0"/>
+              <a:t> (</a:t>
+            </a:r>
+            <a:r>
+              <a:rPr lang="en-US" sz="1100" b="0" i="0" dirty="0">
+                <a:solidFill>
+                  <a:srgbClr val="040C28"/>
+                </a:solidFill>
+                <a:effectLst/>
+                <a:latin typeface="Google Sans"/>
+              </a:rPr>
+              <a:t>spade”, “club”, “heart” or “diamond”</a:t>
+            </a:r>
+            <a:r>
+              <a:rPr lang="fr-FR" sz="1600" dirty="0"/>
+              <a:t>)</a:t>
+            </a:r>
+            <a:r>
+              <a:rPr lang="fr-FR" sz="1200" dirty="0"/>
+              <a:t> </a:t>
+            </a:r>
+            <a:r>
+              <a:rPr lang="fr-FR" sz="1600" dirty="0"/>
+              <a:t>: </a:t>
+            </a:r>
+            <a:r>
+              <a:rPr lang="fr-FR" sz="1600" dirty="0" err="1"/>
+              <a:t>str</a:t>
+            </a:r>
+            <a:r>
+              <a:rPr lang="fr-FR" sz="1600" dirty="0"/>
+              <a:t> 		 </a:t>
+            </a:r>
+            <a:r>
+              <a:rPr lang="fr-FR" sz="1200" dirty="0"/>
+              <a:t>//pique </a:t>
+            </a:r>
+            <a:r>
+              <a:rPr lang="fr-FR" sz="1200" dirty="0" err="1"/>
+              <a:t>trefle</a:t>
+            </a:r>
+            <a:r>
+              <a:rPr lang="fr-FR" sz="1200" dirty="0"/>
+              <a:t> cœur carreau </a:t>
+            </a:r>
+            <a:endParaRPr lang="fr-FR" sz="1600" dirty="0"/>
+          </a:p>
+          <a:p>
+            <a:pPr marL="0" indent="0">
+              <a:buNone/>
+            </a:pPr>
+            <a:r>
+              <a:rPr lang="fr-FR" sz="1600" err="1"/>
+              <a:t>self</a:t>
+            </a:r>
+            <a:r>
+              <a:rPr lang="fr-FR" sz="1600"/>
+              <a:t>.rank</a:t>
+            </a:r>
+            <a:r>
+              <a:rPr lang="fr-FR" sz="1200"/>
+              <a:t>(«</a:t>
+            </a:r>
+            <a:r>
+              <a:rPr lang="fr-FR" sz="1200" dirty="0"/>
+              <a:t>ace,2,3,4,5,6,7,8,9,10,jack,queen,king  ») </a:t>
+            </a:r>
+            <a:r>
+              <a:rPr lang="fr-FR" sz="1600" dirty="0"/>
+              <a:t> : </a:t>
+            </a:r>
+            <a:r>
+              <a:rPr lang="fr-FR" sz="1600" dirty="0" err="1"/>
+              <a:t>str</a:t>
+            </a:r>
+            <a:endParaRPr lang="fr-FR" sz="1600" dirty="0"/>
+          </a:p>
+          <a:p>
+            <a:pPr marL="0" indent="0">
+              <a:buNone/>
+            </a:pPr>
+            <a:endParaRPr lang="fr-FR" sz="1600" dirty="0"/>
+          </a:p>
+        </p:txBody>
+      </p:sp>
+    </p:spTree>
+    <p:extLst>
+      <p:ext uri="{BB962C8B-B14F-4D97-AF65-F5344CB8AC3E}">
+        <p14:creationId xmlns:p14="http://schemas.microsoft.com/office/powerpoint/2010/main" val="1981188414"/>
+      </p:ext>
+    </p:extLst>
+  </p:cSld>
+  <p:clrMapOvr>
+    <a:masterClrMapping/>
+  </p:clrMapOvr>
+</p:sld>
+</file>
+
+<file path=ppt/slides/slide5.xml><?xml version="1.0" encoding="utf-8"?>
+<p:sld xmlns:a="http://schemas.openxmlformats.org/drawingml/2006/main" xmlns:r="http://schemas.openxmlformats.org/officeDocument/2006/relationships" xmlns:p="http://schemas.openxmlformats.org/presentationml/2006/main">
+  <p:cSld>
+    <p:spTree>
+      <p:nvGrpSpPr>
+        <p:cNvPr id="1" name=""/>
+        <p:cNvGrpSpPr/>
+        <p:nvPr/>
+      </p:nvGrpSpPr>
+      <p:grpSpPr>
+        <a:xfrm>
+          <a:off x="0" y="0"/>
+          <a:ext cx="0" cy="0"/>
+          <a:chOff x="0" y="0"/>
+          <a:chExt cx="0" cy="0"/>
+        </a:xfrm>
+      </p:grpSpPr>
+      <p:sp>
+        <p:nvSpPr>
+          <p:cNvPr id="3" name="Espace réservé du contenu 2">
+            <a:extLst>
+              <a:ext uri="{FF2B5EF4-FFF2-40B4-BE49-F238E27FC236}">
+                <a16:creationId xmlns:a16="http://schemas.microsoft.com/office/drawing/2014/main" id="{483B8BF8-EC2B-FBF2-6E50-0B1D17D14A7F}"/>
+              </a:ext>
+            </a:extLst>
+          </p:cNvPr>
+          <p:cNvSpPr>
+            <a:spLocks noGrp="1"/>
+          </p:cNvSpPr>
+          <p:nvPr>
+            <p:ph idx="1"/>
+          </p:nvPr>
+        </p:nvSpPr>
+        <p:spPr>
+          <a:xfrm>
+            <a:off x="767178" y="396320"/>
+            <a:ext cx="10515600" cy="4351338"/>
+          </a:xfrm>
+        </p:spPr>
+        <p:txBody>
+          <a:bodyPr>
+            <a:normAutofit/>
+          </a:bodyPr>
+          <a:lstStyle/>
+          <a:p>
+            <a:r>
+              <a:rPr lang="fr-FR" sz="1600" u="sng" dirty="0"/>
+              <a:t>Class Deck :</a:t>
+            </a:r>
+          </a:p>
+          <a:p>
+            <a:pPr marL="0" indent="0">
+              <a:buNone/>
+            </a:pPr>
+            <a:r>
+              <a:rPr lang="fr-FR" sz="1600" u="sng" dirty="0"/>
+              <a:t>Attributs :</a:t>
+            </a:r>
+          </a:p>
+          <a:p>
+            <a:pPr marL="0" indent="0">
+              <a:buNone/>
+            </a:pPr>
+            <a:r>
+              <a:rPr lang="fr-FR" sz="1600" dirty="0" err="1"/>
+              <a:t>self.deck</a:t>
+            </a:r>
+            <a:r>
+              <a:rPr lang="fr-FR" sz="1600" dirty="0"/>
+              <a:t> : </a:t>
+            </a:r>
+            <a:r>
+              <a:rPr lang="fr-FR" sz="1600" dirty="0" err="1"/>
+              <a:t>list</a:t>
+            </a:r>
+            <a:r>
+              <a:rPr lang="fr-FR" sz="1600" dirty="0"/>
+              <a:t>[</a:t>
+            </a:r>
+            <a:r>
+              <a:rPr lang="fr-FR" sz="1600" dirty="0" err="1"/>
+              <a:t>Card</a:t>
+            </a:r>
+            <a:r>
+              <a:rPr lang="fr-FR" sz="1600" dirty="0"/>
+              <a:t>]</a:t>
+            </a:r>
+          </a:p>
+          <a:p>
+            <a:pPr marL="0" indent="0">
+              <a:buNone/>
+            </a:pPr>
+            <a:endParaRPr lang="fr-FR" sz="1600" dirty="0"/>
+          </a:p>
+          <a:p>
+            <a:pPr marL="0" indent="0">
+              <a:buNone/>
+            </a:pPr>
+            <a:endParaRPr lang="fr-FR" sz="1600" dirty="0"/>
+          </a:p>
+          <a:p>
+            <a:pPr marL="0" indent="0">
+              <a:buNone/>
+            </a:pPr>
+            <a:r>
+              <a:rPr lang="fr-FR" sz="1600" u="sng" dirty="0" err="1"/>
+              <a:t>Methodes</a:t>
+            </a:r>
+            <a:r>
+              <a:rPr lang="fr-FR" sz="1600" u="sng" dirty="0"/>
+              <a:t> :</a:t>
+            </a:r>
+          </a:p>
+          <a:p>
+            <a:pPr marL="0" indent="0">
+              <a:buNone/>
+            </a:pPr>
+            <a:r>
+              <a:rPr lang="fr-FR" sz="1600" dirty="0"/>
+              <a:t>__init__()</a:t>
+            </a:r>
+          </a:p>
+          <a:p>
+            <a:pPr marL="0" indent="0">
+              <a:buNone/>
+            </a:pPr>
+            <a:r>
+              <a:rPr lang="fr-FR" sz="1600" dirty="0"/>
+              <a:t>__</a:t>
+            </a:r>
+            <a:r>
+              <a:rPr lang="fr-FR" sz="1600" dirty="0" err="1"/>
+              <a:t>str</a:t>
+            </a:r>
+            <a:r>
+              <a:rPr lang="fr-FR" sz="1600" dirty="0"/>
+              <a:t>__()</a:t>
+            </a:r>
+          </a:p>
+          <a:p>
+            <a:pPr marL="0" indent="0">
+              <a:buNone/>
+            </a:pPr>
+            <a:r>
+              <a:rPr lang="fr-FR" sz="1600" dirty="0" err="1"/>
+              <a:t>self.shuffle</a:t>
+            </a:r>
+            <a:r>
+              <a:rPr lang="fr-FR" sz="1600" dirty="0"/>
+              <a:t>()</a:t>
+            </a:r>
+          </a:p>
+          <a:p>
+            <a:pPr marL="0" indent="0">
+              <a:buNone/>
+            </a:pPr>
+            <a:r>
+              <a:rPr lang="fr-FR" sz="1600" dirty="0" err="1"/>
+              <a:t>self.draw</a:t>
+            </a:r>
+            <a:r>
+              <a:rPr lang="fr-FR" sz="1600" dirty="0"/>
+              <a:t>()</a:t>
+            </a:r>
+          </a:p>
+          <a:p>
+            <a:pPr marL="0" indent="0">
+              <a:buNone/>
+            </a:pPr>
+            <a:endParaRPr lang="fr-FR" sz="1600" u="sng" dirty="0"/>
+          </a:p>
+          <a:p>
+            <a:pPr marL="0" indent="0">
+              <a:buNone/>
+            </a:pPr>
+            <a:endParaRPr lang="fr-FR" sz="1600" u="sng" dirty="0"/>
+          </a:p>
+        </p:txBody>
+      </p:sp>
+    </p:spTree>
+    <p:extLst>
+      <p:ext uri="{BB962C8B-B14F-4D97-AF65-F5344CB8AC3E}">
+        <p14:creationId xmlns:p14="http://schemas.microsoft.com/office/powerpoint/2010/main" val="3462411619"/>
+      </p:ext>
+    </p:extLst>
+  </p:cSld>
+  <p:clrMapOvr>
+    <a:masterClrMapping/>
+  </p:clrMapOvr>
+</p:sld>
+</file>
+
+<file path=ppt/slides/slide6.xml><?xml version="1.0" encoding="utf-8"?>
+<p:sld xmlns:a="http://schemas.openxmlformats.org/drawingml/2006/main" xmlns:r="http://schemas.openxmlformats.org/officeDocument/2006/relationships" xmlns:p="http://schemas.openxmlformats.org/presentationml/2006/main">
+  <p:cSld>
+    <p:spTree>
+      <p:nvGrpSpPr>
+        <p:cNvPr id="1" name=""/>
+        <p:cNvGrpSpPr/>
+        <p:nvPr/>
+      </p:nvGrpSpPr>
+      <p:grpSpPr>
+        <a:xfrm>
+          <a:off x="0" y="0"/>
+          <a:ext cx="0" cy="0"/>
+          <a:chOff x="0" y="0"/>
+          <a:chExt cx="0" cy="0"/>
+        </a:xfrm>
+      </p:grpSpPr>
+      <p:sp>
+        <p:nvSpPr>
+          <p:cNvPr id="3" name="Espace réservé du contenu 2">
+            <a:extLst>
+              <a:ext uri="{FF2B5EF4-FFF2-40B4-BE49-F238E27FC236}">
+                <a16:creationId xmlns:a16="http://schemas.microsoft.com/office/drawing/2014/main" id="{3EA9A80A-D63D-B11D-F5DD-77DC9E69E1DB}"/>
+              </a:ext>
+            </a:extLst>
+          </p:cNvPr>
+          <p:cNvSpPr>
+            <a:spLocks noGrp="1"/>
+          </p:cNvSpPr>
+          <p:nvPr>
+            <p:ph idx="1"/>
+          </p:nvPr>
+        </p:nvSpPr>
+        <p:spPr>
+          <a:xfrm>
+            <a:off x="669524" y="591629"/>
+            <a:ext cx="10515600" cy="4351338"/>
+          </a:xfrm>
+        </p:spPr>
+        <p:txBody>
+          <a:bodyPr>
+            <a:normAutofit/>
+          </a:bodyPr>
+          <a:lstStyle/>
+          <a:p>
+            <a:r>
+              <a:rPr lang="fr-FR" sz="1600" u="sng" dirty="0"/>
+              <a:t>Fonctions</a:t>
+            </a:r>
+          </a:p>
+          <a:p>
+            <a:pPr marL="0" indent="0">
+              <a:buNone/>
+            </a:pPr>
+            <a:r>
+              <a:rPr lang="fr-FR" sz="1600" dirty="0"/>
+              <a:t>main() &gt; </a:t>
+            </a:r>
+            <a:r>
+              <a:rPr lang="fr-FR" sz="1600" dirty="0" err="1"/>
+              <a:t>void</a:t>
+            </a:r>
+            <a:endParaRPr lang="fr-FR" sz="1600" dirty="0"/>
+          </a:p>
+          <a:p>
+            <a:pPr marL="0" indent="0">
+              <a:buNone/>
+            </a:pPr>
+            <a:r>
+              <a:rPr lang="fr-FR" sz="1600" dirty="0" err="1"/>
+              <a:t>Is_lobby_full</a:t>
+            </a:r>
+            <a:r>
+              <a:rPr lang="fr-FR" sz="1600" dirty="0"/>
+              <a:t>() &gt; </a:t>
+            </a:r>
+            <a:r>
+              <a:rPr lang="fr-FR" sz="1600" dirty="0" err="1"/>
+              <a:t>bool</a:t>
+            </a:r>
+            <a:endParaRPr lang="fr-FR" sz="1600" dirty="0"/>
+          </a:p>
+          <a:p>
+            <a:pPr marL="0" indent="0">
+              <a:buNone/>
+            </a:pPr>
+            <a:r>
+              <a:rPr lang="fr-FR" sz="1600" dirty="0" err="1"/>
+              <a:t>separe_entete</a:t>
+            </a:r>
+            <a:r>
+              <a:rPr lang="fr-FR" sz="1600" dirty="0"/>
+              <a:t>(</a:t>
+            </a:r>
+            <a:r>
+              <a:rPr lang="fr-FR" sz="1600" dirty="0" err="1"/>
+              <a:t>packet</a:t>
+            </a:r>
+            <a:r>
+              <a:rPr lang="fr-FR" sz="1600" dirty="0"/>
+              <a:t> : </a:t>
+            </a:r>
+            <a:r>
+              <a:rPr lang="fr-FR" sz="1600" dirty="0" err="1"/>
+              <a:t>str</a:t>
+            </a:r>
+            <a:r>
+              <a:rPr lang="fr-FR" sz="1600" dirty="0"/>
+              <a:t>) &gt; tuple (</a:t>
+            </a:r>
+            <a:r>
+              <a:rPr lang="fr-FR" sz="1600" dirty="0" err="1"/>
+              <a:t>entete,args</a:t>
+            </a:r>
+            <a:r>
+              <a:rPr lang="fr-FR" sz="1600" dirty="0"/>
+              <a:t>)</a:t>
+            </a:r>
+          </a:p>
+          <a:p>
+            <a:pPr marL="0" indent="0">
+              <a:buNone/>
+            </a:pPr>
+            <a:r>
+              <a:rPr lang="fr-FR" sz="1600" dirty="0" err="1"/>
+              <a:t>start_game</a:t>
+            </a:r>
+            <a:r>
+              <a:rPr lang="fr-FR" sz="1600" dirty="0"/>
+              <a:t>(</a:t>
+            </a:r>
+            <a:r>
+              <a:rPr lang="fr-FR" sz="1600" dirty="0" err="1"/>
+              <a:t>players</a:t>
+            </a:r>
+            <a:r>
+              <a:rPr lang="fr-FR" sz="1600" dirty="0"/>
+              <a:t> : </a:t>
+            </a:r>
+            <a:r>
+              <a:rPr lang="fr-FR" sz="1600" dirty="0" err="1"/>
+              <a:t>list</a:t>
+            </a:r>
+            <a:r>
+              <a:rPr lang="fr-FR" sz="1600" dirty="0"/>
+              <a:t>) &gt; </a:t>
+            </a:r>
+            <a:r>
+              <a:rPr lang="fr-FR" sz="1600" dirty="0" err="1"/>
+              <a:t>void</a:t>
+            </a:r>
+            <a:endParaRPr lang="fr-FR" sz="1600" dirty="0"/>
+          </a:p>
+          <a:p>
+            <a:pPr marL="0" indent="0">
+              <a:buNone/>
+            </a:pPr>
+            <a:r>
+              <a:rPr lang="fr-FR" sz="1600" dirty="0" err="1"/>
+              <a:t>send_packet</a:t>
+            </a:r>
+            <a:r>
+              <a:rPr lang="fr-FR" sz="1600" dirty="0"/>
+              <a:t>()</a:t>
+            </a:r>
+          </a:p>
+        </p:txBody>
+      </p:sp>
+    </p:spTree>
+    <p:extLst>
+      <p:ext uri="{BB962C8B-B14F-4D97-AF65-F5344CB8AC3E}">
+        <p14:creationId xmlns:p14="http://schemas.microsoft.com/office/powerpoint/2010/main" val="2104535492"/>
       </p:ext>
     </p:extLst>
   </p:cSld>

--- a/caractéristiques_techniques.pptx
+++ b/caractéristiques_techniques.pptx
@@ -264,7 +264,7 @@
           <a:p>
             <a:fld id="{9BC60C10-E03E-48A1-B538-E36935D0E394}" type="datetimeFigureOut">
               <a:rPr lang="fr-FR" smtClean="0"/>
-              <a:t>07/07/2023</a:t>
+              <a:t>09/07/2023</a:t>
             </a:fld>
             <a:endParaRPr lang="fr-FR"/>
           </a:p>
@@ -462,7 +462,7 @@
           <a:p>
             <a:fld id="{9BC60C10-E03E-48A1-B538-E36935D0E394}" type="datetimeFigureOut">
               <a:rPr lang="fr-FR" smtClean="0"/>
-              <a:t>07/07/2023</a:t>
+              <a:t>09/07/2023</a:t>
             </a:fld>
             <a:endParaRPr lang="fr-FR"/>
           </a:p>
@@ -670,7 +670,7 @@
           <a:p>
             <a:fld id="{9BC60C10-E03E-48A1-B538-E36935D0E394}" type="datetimeFigureOut">
               <a:rPr lang="fr-FR" smtClean="0"/>
-              <a:t>07/07/2023</a:t>
+              <a:t>09/07/2023</a:t>
             </a:fld>
             <a:endParaRPr lang="fr-FR"/>
           </a:p>
@@ -868,7 +868,7 @@
           <a:p>
             <a:fld id="{9BC60C10-E03E-48A1-B538-E36935D0E394}" type="datetimeFigureOut">
               <a:rPr lang="fr-FR" smtClean="0"/>
-              <a:t>07/07/2023</a:t>
+              <a:t>09/07/2023</a:t>
             </a:fld>
             <a:endParaRPr lang="fr-FR"/>
           </a:p>
@@ -1143,7 +1143,7 @@
           <a:p>
             <a:fld id="{9BC60C10-E03E-48A1-B538-E36935D0E394}" type="datetimeFigureOut">
               <a:rPr lang="fr-FR" smtClean="0"/>
-              <a:t>07/07/2023</a:t>
+              <a:t>09/07/2023</a:t>
             </a:fld>
             <a:endParaRPr lang="fr-FR"/>
           </a:p>
@@ -1408,7 +1408,7 @@
           <a:p>
             <a:fld id="{9BC60C10-E03E-48A1-B538-E36935D0E394}" type="datetimeFigureOut">
               <a:rPr lang="fr-FR" smtClean="0"/>
-              <a:t>07/07/2023</a:t>
+              <a:t>09/07/2023</a:t>
             </a:fld>
             <a:endParaRPr lang="fr-FR"/>
           </a:p>
@@ -1820,7 +1820,7 @@
           <a:p>
             <a:fld id="{9BC60C10-E03E-48A1-B538-E36935D0E394}" type="datetimeFigureOut">
               <a:rPr lang="fr-FR" smtClean="0"/>
-              <a:t>07/07/2023</a:t>
+              <a:t>09/07/2023</a:t>
             </a:fld>
             <a:endParaRPr lang="fr-FR"/>
           </a:p>
@@ -1961,7 +1961,7 @@
           <a:p>
             <a:fld id="{9BC60C10-E03E-48A1-B538-E36935D0E394}" type="datetimeFigureOut">
               <a:rPr lang="fr-FR" smtClean="0"/>
-              <a:t>07/07/2023</a:t>
+              <a:t>09/07/2023</a:t>
             </a:fld>
             <a:endParaRPr lang="fr-FR"/>
           </a:p>
@@ -2074,7 +2074,7 @@
           <a:p>
             <a:fld id="{9BC60C10-E03E-48A1-B538-E36935D0E394}" type="datetimeFigureOut">
               <a:rPr lang="fr-FR" smtClean="0"/>
-              <a:t>07/07/2023</a:t>
+              <a:t>09/07/2023</a:t>
             </a:fld>
             <a:endParaRPr lang="fr-FR"/>
           </a:p>
@@ -2385,7 +2385,7 @@
           <a:p>
             <a:fld id="{9BC60C10-E03E-48A1-B538-E36935D0E394}" type="datetimeFigureOut">
               <a:rPr lang="fr-FR" smtClean="0"/>
-              <a:t>07/07/2023</a:t>
+              <a:t>09/07/2023</a:t>
             </a:fld>
             <a:endParaRPr lang="fr-FR"/>
           </a:p>
@@ -2673,7 +2673,7 @@
           <a:p>
             <a:fld id="{9BC60C10-E03E-48A1-B538-E36935D0E394}" type="datetimeFigureOut">
               <a:rPr lang="fr-FR" smtClean="0"/>
-              <a:t>07/07/2023</a:t>
+              <a:t>09/07/2023</a:t>
             </a:fld>
             <a:endParaRPr lang="fr-FR"/>
           </a:p>
@@ -2914,7 +2914,7 @@
           <a:p>
             <a:fld id="{9BC60C10-E03E-48A1-B538-E36935D0E394}" type="datetimeFigureOut">
               <a:rPr lang="fr-FR" smtClean="0"/>
-              <a:t>07/07/2023</a:t>
+              <a:t>09/07/2023</a:t>
             </a:fld>
             <a:endParaRPr lang="fr-FR"/>
           </a:p>
@@ -3885,20 +3885,12 @@
               <a:buNone/>
             </a:pPr>
             <a:r>
-              <a:rPr lang="fr-FR" sz="1600" err="1"/>
-              <a:t>self</a:t>
-            </a:r>
-            <a:r>
-              <a:rPr lang="fr-FR" sz="1600"/>
-              <a:t>.rank</a:t>
-            </a:r>
-            <a:r>
-              <a:rPr lang="fr-FR" sz="1200"/>
-              <a:t>(«</a:t>
+              <a:rPr lang="fr-FR" sz="1600" dirty="0" err="1"/>
+              <a:t>self.rank</a:t>
             </a:r>
             <a:r>
               <a:rPr lang="fr-FR" sz="1200" dirty="0"/>
-              <a:t>ace,2,3,4,5,6,7,8,9,10,jack,queen,king  ») </a:t>
+              <a:t>(«ace,2,3,4,5,6,7,8,9,10,jack,queen,king  ») </a:t>
             </a:r>
             <a:r>
               <a:rPr lang="fr-FR" sz="1600" dirty="0"/>
@@ -4286,8 +4278,178 @@
             </a:r>
             <a:r>
               <a:rPr lang="fr-FR" sz="1600" dirty="0"/>
-              <a:t>()</a:t>
-            </a:r>
+              <a:t>(</a:t>
+            </a:r>
+            <a:r>
+              <a:rPr lang="fr-FR" sz="1600" dirty="0" err="1"/>
+              <a:t>packet</a:t>
+            </a:r>
+            <a:r>
+              <a:rPr lang="fr-FR" sz="1600" dirty="0"/>
+              <a:t> : </a:t>
+            </a:r>
+            <a:r>
+              <a:rPr lang="fr-FR" sz="1600" dirty="0" err="1"/>
+              <a:t>str</a:t>
+            </a:r>
+            <a:r>
+              <a:rPr lang="fr-FR" sz="1600" dirty="0"/>
+              <a:t>, </a:t>
+            </a:r>
+            <a:r>
+              <a:rPr lang="fr-FR" sz="1600" dirty="0" err="1"/>
+              <a:t>player</a:t>
+            </a:r>
+            <a:r>
+              <a:rPr lang="fr-FR" sz="1600" dirty="0"/>
+              <a:t> : Player) &gt; </a:t>
+            </a:r>
+            <a:r>
+              <a:rPr lang="fr-FR" sz="1600" dirty="0" err="1"/>
+              <a:t>void</a:t>
+            </a:r>
+            <a:endParaRPr lang="fr-FR" sz="1600" dirty="0"/>
+          </a:p>
+          <a:p>
+            <a:pPr marL="0" indent="0">
+              <a:buNone/>
+            </a:pPr>
+            <a:r>
+              <a:rPr lang="fr-FR" sz="1600" dirty="0" err="1"/>
+              <a:t>recieve_packet</a:t>
+            </a:r>
+            <a:r>
+              <a:rPr lang="fr-FR" sz="1600" dirty="0"/>
+              <a:t>(</a:t>
+            </a:r>
+            <a:r>
+              <a:rPr lang="fr-FR" sz="1600" dirty="0" err="1"/>
+              <a:t>player</a:t>
+            </a:r>
+            <a:r>
+              <a:rPr lang="fr-FR" sz="1600" dirty="0"/>
+              <a:t> : Player)&gt;</a:t>
+            </a:r>
+            <a:r>
+              <a:rPr lang="fr-FR" sz="1600" dirty="0" err="1"/>
+              <a:t>void</a:t>
+            </a:r>
+            <a:endParaRPr lang="fr-FR" sz="1600" dirty="0"/>
+          </a:p>
+          <a:p>
+            <a:pPr marL="0" indent="0">
+              <a:buNone/>
+            </a:pPr>
+            <a:r>
+              <a:rPr lang="fr-FR" sz="1600" dirty="0" err="1"/>
+              <a:t>manage_packet</a:t>
+            </a:r>
+            <a:r>
+              <a:rPr lang="fr-FR" sz="1600" dirty="0"/>
+              <a:t>(</a:t>
+            </a:r>
+            <a:r>
+              <a:rPr lang="fr-FR" sz="1600" dirty="0" err="1"/>
+              <a:t>packet</a:t>
+            </a:r>
+            <a:r>
+              <a:rPr lang="fr-FR" sz="1600" dirty="0"/>
+              <a:t> : </a:t>
+            </a:r>
+            <a:r>
+              <a:rPr lang="fr-FR" sz="1600" dirty="0" err="1"/>
+              <a:t>str</a:t>
+            </a:r>
+            <a:r>
+              <a:rPr lang="fr-FR" sz="1600" dirty="0"/>
+              <a:t>)&gt; </a:t>
+            </a:r>
+            <a:r>
+              <a:rPr lang="fr-FR" sz="1600" dirty="0" err="1"/>
+              <a:t>void</a:t>
+            </a:r>
+            <a:endParaRPr lang="fr-FR" sz="1600" dirty="0"/>
+          </a:p>
+          <a:p>
+            <a:pPr marL="0" indent="0">
+              <a:buNone/>
+            </a:pPr>
+            <a:r>
+              <a:rPr lang="fr-FR" sz="1600" dirty="0" err="1"/>
+              <a:t>chose_dealer</a:t>
+            </a:r>
+            <a:r>
+              <a:rPr lang="fr-FR" sz="1600" dirty="0"/>
+              <a:t>(</a:t>
+            </a:r>
+            <a:r>
+              <a:rPr lang="fr-FR" sz="1600" dirty="0" err="1"/>
+              <a:t>players</a:t>
+            </a:r>
+            <a:r>
+              <a:rPr lang="fr-FR" sz="1600" dirty="0"/>
+              <a:t> : </a:t>
+            </a:r>
+            <a:r>
+              <a:rPr lang="fr-FR" sz="1600" dirty="0" err="1"/>
+              <a:t>list</a:t>
+            </a:r>
+            <a:r>
+              <a:rPr lang="fr-FR" sz="1600" dirty="0"/>
+              <a:t>)&gt; Player.id</a:t>
+            </a:r>
+          </a:p>
+          <a:p>
+            <a:pPr marL="0" indent="0">
+              <a:buNone/>
+            </a:pPr>
+            <a:r>
+              <a:rPr lang="fr-FR" sz="1600" dirty="0" err="1"/>
+              <a:t>on_deconnect</a:t>
+            </a:r>
+            <a:r>
+              <a:rPr lang="fr-FR" sz="1600" dirty="0"/>
+              <a:t>(</a:t>
+            </a:r>
+            <a:r>
+              <a:rPr lang="fr-FR" sz="1600" dirty="0" err="1"/>
+              <a:t>player</a:t>
+            </a:r>
+            <a:r>
+              <a:rPr lang="fr-FR" sz="1600" dirty="0"/>
+              <a:t> : Player)&gt; </a:t>
+            </a:r>
+            <a:r>
+              <a:rPr lang="fr-FR" sz="1600" dirty="0" err="1"/>
+              <a:t>void</a:t>
+            </a:r>
+            <a:endParaRPr lang="fr-FR" sz="1600" dirty="0"/>
+          </a:p>
+          <a:p>
+            <a:pPr marL="0" indent="0">
+              <a:buNone/>
+            </a:pPr>
+            <a:r>
+              <a:rPr lang="fr-FR" sz="1600" dirty="0" err="1"/>
+              <a:t>remove_player</a:t>
+            </a:r>
+            <a:r>
+              <a:rPr lang="fr-FR" sz="1600" dirty="0"/>
+              <a:t>(</a:t>
+            </a:r>
+            <a:r>
+              <a:rPr lang="fr-FR" sz="1600" dirty="0" err="1"/>
+              <a:t>player</a:t>
+            </a:r>
+            <a:r>
+              <a:rPr lang="fr-FR" sz="1600" dirty="0"/>
+              <a:t> : Player)&gt; </a:t>
+            </a:r>
+            <a:r>
+              <a:rPr lang="fr-FR" sz="1600" dirty="0" err="1"/>
+              <a:t>void</a:t>
+            </a:r>
+            <a:endParaRPr lang="fr-FR" sz="1600" dirty="0"/>
           </a:p>
         </p:txBody>
       </p:sp>

--- a/caractéristiques_techniques.pptx
+++ b/caractéristiques_techniques.pptx
@@ -11,6 +11,7 @@
     <p:sldId id="260" r:id="rId5"/>
     <p:sldId id="261" r:id="rId6"/>
     <p:sldId id="258" r:id="rId7"/>
+    <p:sldId id="262" r:id="rId8"/>
   </p:sldIdLst>
   <p:sldSz cx="12192000" cy="6858000"/>
   <p:notesSz cx="6858000" cy="9144000"/>
@@ -3622,8 +3623,8 @@
         </p:nvSpPr>
         <p:spPr>
           <a:xfrm>
-            <a:off x="749423" y="440708"/>
-            <a:ext cx="10515600" cy="4351338"/>
+            <a:off x="749423" y="440707"/>
+            <a:ext cx="10515600" cy="6315199"/>
           </a:xfrm>
         </p:spPr>
         <p:txBody>
@@ -3735,6 +3736,87 @@
               <a:rPr lang="fr-FR" sz="1600" dirty="0"/>
               <a:t>       : Hand</a:t>
             </a:r>
+          </a:p>
+          <a:p>
+            <a:pPr marL="0" indent="0">
+              <a:buNone/>
+            </a:pPr>
+            <a:r>
+              <a:rPr lang="fr-FR" sz="1600" u="sng" dirty="0"/>
+              <a:t>Méthodes :</a:t>
+            </a:r>
+          </a:p>
+          <a:p>
+            <a:pPr marL="0" indent="0">
+              <a:buNone/>
+            </a:pPr>
+            <a:r>
+              <a:rPr lang="fr-FR" sz="1600" dirty="0" err="1"/>
+              <a:t>get_id</a:t>
+            </a:r>
+            <a:r>
+              <a:rPr lang="fr-FR" sz="1600" dirty="0"/>
+              <a:t>() &gt; </a:t>
+            </a:r>
+            <a:r>
+              <a:rPr lang="fr-FR" sz="1600" dirty="0" err="1"/>
+              <a:t>str</a:t>
+            </a:r>
+            <a:endParaRPr lang="fr-FR" sz="1600" dirty="0"/>
+          </a:p>
+          <a:p>
+            <a:pPr marL="0" indent="0">
+              <a:buNone/>
+            </a:pPr>
+            <a:r>
+              <a:rPr lang="fr-FR" sz="1600" dirty="0" err="1"/>
+              <a:t>get_pseudo</a:t>
+            </a:r>
+            <a:r>
+              <a:rPr lang="fr-FR" sz="1600" dirty="0"/>
+              <a:t>() &gt; </a:t>
+            </a:r>
+            <a:r>
+              <a:rPr lang="fr-FR" sz="1600" dirty="0" err="1"/>
+              <a:t>str</a:t>
+            </a:r>
+            <a:endParaRPr lang="fr-FR" sz="1600" dirty="0"/>
+          </a:p>
+          <a:p>
+            <a:pPr marL="0" indent="0">
+              <a:buNone/>
+            </a:pPr>
+            <a:r>
+              <a:rPr lang="fr-FR" sz="1600" dirty="0" err="1"/>
+              <a:t>edit_pseudo</a:t>
+            </a:r>
+            <a:r>
+              <a:rPr lang="fr-FR" sz="1600" dirty="0"/>
+              <a:t>() &gt; </a:t>
+            </a:r>
+            <a:r>
+              <a:rPr lang="fr-FR" sz="1600" dirty="0" err="1"/>
+              <a:t>void</a:t>
+            </a:r>
+            <a:endParaRPr lang="fr-FR" sz="1600"/>
+          </a:p>
+          <a:p>
+            <a:pPr marL="0" indent="0">
+              <a:buNone/>
+            </a:pPr>
+            <a:endParaRPr lang="fr-FR" sz="1600" dirty="0"/>
+          </a:p>
+          <a:p>
+            <a:pPr marL="0" indent="0">
+              <a:buNone/>
+            </a:pPr>
+            <a:endParaRPr lang="fr-FR" sz="1600" dirty="0"/>
+          </a:p>
+          <a:p>
+            <a:pPr marL="0" indent="0">
+              <a:buNone/>
+            </a:pPr>
+            <a:endParaRPr lang="fr-FR" sz="1600" u="sng" dirty="0"/>
           </a:p>
           <a:p>
             <a:pPr marL="0" indent="0">
@@ -4457,6 +4539,77 @@
     <p:extLst>
       <p:ext uri="{BB962C8B-B14F-4D97-AF65-F5344CB8AC3E}">
         <p14:creationId xmlns:p14="http://schemas.microsoft.com/office/powerpoint/2010/main" val="2104535492"/>
+      </p:ext>
+    </p:extLst>
+  </p:cSld>
+  <p:clrMapOvr>
+    <a:masterClrMapping/>
+  </p:clrMapOvr>
+</p:sld>
+</file>
+
+<file path=ppt/slides/slide7.xml><?xml version="1.0" encoding="utf-8"?>
+<p:sld xmlns:a="http://schemas.openxmlformats.org/drawingml/2006/main" xmlns:r="http://schemas.openxmlformats.org/officeDocument/2006/relationships" xmlns:p="http://schemas.openxmlformats.org/presentationml/2006/main">
+  <p:cSld>
+    <p:spTree>
+      <p:nvGrpSpPr>
+        <p:cNvPr id="1" name=""/>
+        <p:cNvGrpSpPr/>
+        <p:nvPr/>
+      </p:nvGrpSpPr>
+      <p:grpSpPr>
+        <a:xfrm>
+          <a:off x="0" y="0"/>
+          <a:ext cx="0" cy="0"/>
+          <a:chOff x="0" y="0"/>
+          <a:chExt cx="0" cy="0"/>
+        </a:xfrm>
+      </p:grpSpPr>
+      <p:sp>
+        <p:nvSpPr>
+          <p:cNvPr id="3" name="Espace réservé du contenu 2">
+            <a:extLst>
+              <a:ext uri="{FF2B5EF4-FFF2-40B4-BE49-F238E27FC236}">
+                <a16:creationId xmlns:a16="http://schemas.microsoft.com/office/drawing/2014/main" id="{7195BA57-1243-3B45-357C-04E558907B9B}"/>
+              </a:ext>
+            </a:extLst>
+          </p:cNvPr>
+          <p:cNvSpPr>
+            <a:spLocks noGrp="1"/>
+          </p:cNvSpPr>
+          <p:nvPr>
+            <p:ph idx="1"/>
+          </p:nvPr>
+        </p:nvSpPr>
+        <p:spPr>
+          <a:xfrm>
+            <a:off x="838200" y="414076"/>
+            <a:ext cx="10515600" cy="4351338"/>
+          </a:xfrm>
+        </p:spPr>
+        <p:txBody>
+          <a:bodyPr>
+            <a:normAutofit/>
+          </a:bodyPr>
+          <a:lstStyle/>
+          <a:p>
+            <a:r>
+              <a:rPr lang="fr-FR" sz="1600" u="sng" dirty="0"/>
+              <a:t>Variables globales :</a:t>
+            </a:r>
+          </a:p>
+          <a:p>
+            <a:pPr marL="0" indent="0">
+              <a:buNone/>
+            </a:pPr>
+            <a:endParaRPr lang="fr-FR" sz="1600" dirty="0"/>
+          </a:p>
+        </p:txBody>
+      </p:sp>
+    </p:spTree>
+    <p:extLst>
+      <p:ext uri="{BB962C8B-B14F-4D97-AF65-F5344CB8AC3E}">
+        <p14:creationId xmlns:p14="http://schemas.microsoft.com/office/powerpoint/2010/main" val="3195339468"/>
       </p:ext>
     </p:extLst>
   </p:cSld>

--- a/caractéristiques_techniques.pptx
+++ b/caractéristiques_techniques.pptx
@@ -9,9 +9,14 @@
     <p:sldId id="257" r:id="rId3"/>
     <p:sldId id="259" r:id="rId4"/>
     <p:sldId id="260" r:id="rId5"/>
-    <p:sldId id="261" r:id="rId6"/>
-    <p:sldId id="258" r:id="rId7"/>
-    <p:sldId id="262" r:id="rId8"/>
+    <p:sldId id="263" r:id="rId6"/>
+    <p:sldId id="261" r:id="rId7"/>
+    <p:sldId id="266" r:id="rId8"/>
+    <p:sldId id="267" r:id="rId9"/>
+    <p:sldId id="258" r:id="rId10"/>
+    <p:sldId id="262" r:id="rId11"/>
+    <p:sldId id="264" r:id="rId12"/>
+    <p:sldId id="265" r:id="rId13"/>
   </p:sldIdLst>
   <p:sldSz cx="12192000" cy="6858000"/>
   <p:notesSz cx="6858000" cy="9144000"/>
@@ -3332,6 +3337,42 @@
           <a:chExt cx="0" cy="0"/>
         </a:xfrm>
       </p:grpSpPr>
+      <p:pic>
+        <p:nvPicPr>
+          <p:cNvPr id="4" name="Image 3">
+            <a:extLst>
+              <a:ext uri="{FF2B5EF4-FFF2-40B4-BE49-F238E27FC236}">
+                <a16:creationId xmlns:a16="http://schemas.microsoft.com/office/drawing/2014/main" id="{132D344A-216E-E1D3-A03F-6746391B8E03}"/>
+              </a:ext>
+            </a:extLst>
+          </p:cNvPr>
+          <p:cNvPicPr>
+            <a:picLocks noChangeAspect="1"/>
+          </p:cNvPicPr>
+          <p:nvPr/>
+        </p:nvPicPr>
+        <p:blipFill>
+          <a:blip r:embed="rId2">
+            <a:extLst>
+              <a:ext uri="{28A0092B-C50C-407E-A947-70E740481C1C}">
+                <a14:useLocalDpi xmlns:a14="http://schemas.microsoft.com/office/drawing/2010/main" val="0"/>
+              </a:ext>
+            </a:extLst>
+          </a:blip>
+          <a:stretch>
+            <a:fillRect/>
+          </a:stretch>
+        </p:blipFill>
+        <p:spPr>
+          <a:xfrm>
+            <a:off x="-27214" y="-62144"/>
+            <a:ext cx="12246428" cy="7035554"/>
+          </a:xfrm>
+          <a:prstGeom prst="rect">
+            <a:avLst/>
+          </a:prstGeom>
+        </p:spPr>
+      </p:pic>
       <p:sp>
         <p:nvSpPr>
           <p:cNvPr id="2" name="Titre 1">
@@ -3356,7 +3397,11 @@
           <a:lstStyle/>
           <a:p>
             <a:r>
-              <a:rPr lang="fr-FR" dirty="0"/>
+              <a:rPr lang="fr-FR" dirty="0">
+                <a:solidFill>
+                  <a:schemeClr val="bg1"/>
+                </a:solidFill>
+              </a:rPr>
               <a:t>Projet poker caractéristiques techniques</a:t>
             </a:r>
           </a:p>
@@ -3383,14 +3428,1368 @@
           <a:bodyPr/>
           <a:lstStyle/>
           <a:p>
-            <a:endParaRPr lang="fr-FR"/>
-          </a:p>
-        </p:txBody>
-      </p:sp>
+            <a:endParaRPr lang="fr-FR" dirty="0">
+              <a:solidFill>
+                <a:schemeClr val="bg1"/>
+              </a:solidFill>
+            </a:endParaRPr>
+          </a:p>
+        </p:txBody>
+      </p:sp>
+      <p:pic>
+        <p:nvPicPr>
+          <p:cNvPr id="5" name="Espace réservé du contenu 12">
+            <a:extLst>
+              <a:ext uri="{FF2B5EF4-FFF2-40B4-BE49-F238E27FC236}">
+                <a16:creationId xmlns:a16="http://schemas.microsoft.com/office/drawing/2014/main" id="{6C8EA301-A9D7-D12C-78C3-F6B0930025B5}"/>
+              </a:ext>
+            </a:extLst>
+          </p:cNvPr>
+          <p:cNvPicPr>
+            <a:picLocks noChangeAspect="1"/>
+          </p:cNvPicPr>
+          <p:nvPr/>
+        </p:nvPicPr>
+        <p:blipFill rotWithShape="1">
+          <a:blip r:embed="rId3">
+            <a:extLst>
+              <a:ext uri="{28A0092B-C50C-407E-A947-70E740481C1C}">
+                <a14:useLocalDpi xmlns:a14="http://schemas.microsoft.com/office/drawing/2010/main" val="0"/>
+              </a:ext>
+            </a:extLst>
+          </a:blip>
+          <a:srcRect r="18494"/>
+          <a:stretch/>
+        </p:blipFill>
+        <p:spPr>
+          <a:xfrm>
+            <a:off x="10963473" y="5916271"/>
+            <a:ext cx="1228527" cy="844074"/>
+          </a:xfrm>
+          <a:prstGeom prst="rect">
+            <a:avLst/>
+          </a:prstGeom>
+        </p:spPr>
+      </p:pic>
     </p:spTree>
     <p:extLst>
       <p:ext uri="{BB962C8B-B14F-4D97-AF65-F5344CB8AC3E}">
         <p14:creationId xmlns:p14="http://schemas.microsoft.com/office/powerpoint/2010/main" val="3876722642"/>
+      </p:ext>
+    </p:extLst>
+  </p:cSld>
+  <p:clrMapOvr>
+    <a:masterClrMapping/>
+  </p:clrMapOvr>
+</p:sld>
+</file>
+
+<file path=ppt/slides/slide10.xml><?xml version="1.0" encoding="utf-8"?>
+<p:sld xmlns:a="http://schemas.openxmlformats.org/drawingml/2006/main" xmlns:r="http://schemas.openxmlformats.org/officeDocument/2006/relationships" xmlns:p="http://schemas.openxmlformats.org/presentationml/2006/main">
+  <p:cSld>
+    <p:spTree>
+      <p:nvGrpSpPr>
+        <p:cNvPr id="1" name=""/>
+        <p:cNvGrpSpPr/>
+        <p:nvPr/>
+      </p:nvGrpSpPr>
+      <p:grpSpPr>
+        <a:xfrm>
+          <a:off x="0" y="0"/>
+          <a:ext cx="0" cy="0"/>
+          <a:chOff x="0" y="0"/>
+          <a:chExt cx="0" cy="0"/>
+        </a:xfrm>
+      </p:grpSpPr>
+      <p:pic>
+        <p:nvPicPr>
+          <p:cNvPr id="4" name="Image 3">
+            <a:extLst>
+              <a:ext uri="{FF2B5EF4-FFF2-40B4-BE49-F238E27FC236}">
+                <a16:creationId xmlns:a16="http://schemas.microsoft.com/office/drawing/2014/main" id="{F834F592-A4F4-7B3E-EE83-029B72F5A142}"/>
+              </a:ext>
+            </a:extLst>
+          </p:cNvPr>
+          <p:cNvPicPr>
+            <a:picLocks noChangeAspect="1"/>
+          </p:cNvPicPr>
+          <p:nvPr/>
+        </p:nvPicPr>
+        <p:blipFill>
+          <a:blip r:embed="rId2">
+            <a:extLst>
+              <a:ext uri="{28A0092B-C50C-407E-A947-70E740481C1C}">
+                <a14:useLocalDpi xmlns:a14="http://schemas.microsoft.com/office/drawing/2010/main" val="0"/>
+              </a:ext>
+            </a:extLst>
+          </a:blip>
+          <a:stretch>
+            <a:fillRect/>
+          </a:stretch>
+        </p:blipFill>
+        <p:spPr>
+          <a:xfrm>
+            <a:off x="-27214" y="-88777"/>
+            <a:ext cx="12246428" cy="7084381"/>
+          </a:xfrm>
+          <a:prstGeom prst="rect">
+            <a:avLst/>
+          </a:prstGeom>
+        </p:spPr>
+      </p:pic>
+      <p:sp>
+        <p:nvSpPr>
+          <p:cNvPr id="3" name="Espace réservé du contenu 2">
+            <a:extLst>
+              <a:ext uri="{FF2B5EF4-FFF2-40B4-BE49-F238E27FC236}">
+                <a16:creationId xmlns:a16="http://schemas.microsoft.com/office/drawing/2014/main" id="{7195BA57-1243-3B45-357C-04E558907B9B}"/>
+              </a:ext>
+            </a:extLst>
+          </p:cNvPr>
+          <p:cNvSpPr>
+            <a:spLocks noGrp="1"/>
+          </p:cNvSpPr>
+          <p:nvPr>
+            <p:ph idx="1"/>
+          </p:nvPr>
+        </p:nvSpPr>
+        <p:spPr>
+          <a:xfrm>
+            <a:off x="838200" y="414076"/>
+            <a:ext cx="10515600" cy="4351338"/>
+          </a:xfrm>
+        </p:spPr>
+        <p:txBody>
+          <a:bodyPr>
+            <a:normAutofit/>
+          </a:bodyPr>
+          <a:lstStyle/>
+          <a:p>
+            <a:r>
+              <a:rPr lang="fr-FR" sz="1600" u="sng" dirty="0">
+                <a:solidFill>
+                  <a:schemeClr val="bg1"/>
+                </a:solidFill>
+              </a:rPr>
+              <a:t>Variables globales :</a:t>
+            </a:r>
+          </a:p>
+          <a:p>
+            <a:pPr marL="0" indent="0">
+              <a:buNone/>
+            </a:pPr>
+            <a:endParaRPr lang="fr-FR" sz="1600" dirty="0">
+              <a:solidFill>
+                <a:schemeClr val="bg1"/>
+              </a:solidFill>
+            </a:endParaRPr>
+          </a:p>
+        </p:txBody>
+      </p:sp>
+      <p:pic>
+        <p:nvPicPr>
+          <p:cNvPr id="2" name="Espace réservé du contenu 12">
+            <a:extLst>
+              <a:ext uri="{FF2B5EF4-FFF2-40B4-BE49-F238E27FC236}">
+                <a16:creationId xmlns:a16="http://schemas.microsoft.com/office/drawing/2014/main" id="{E9F668D6-DA16-5210-2240-FFBB0DB8C6CB}"/>
+              </a:ext>
+            </a:extLst>
+          </p:cNvPr>
+          <p:cNvPicPr>
+            <a:picLocks noChangeAspect="1"/>
+          </p:cNvPicPr>
+          <p:nvPr/>
+        </p:nvPicPr>
+        <p:blipFill rotWithShape="1">
+          <a:blip r:embed="rId3">
+            <a:extLst>
+              <a:ext uri="{28A0092B-C50C-407E-A947-70E740481C1C}">
+                <a14:useLocalDpi xmlns:a14="http://schemas.microsoft.com/office/drawing/2010/main" val="0"/>
+              </a:ext>
+            </a:extLst>
+          </a:blip>
+          <a:srcRect r="18494"/>
+          <a:stretch/>
+        </p:blipFill>
+        <p:spPr>
+          <a:xfrm>
+            <a:off x="10963473" y="5916271"/>
+            <a:ext cx="1228527" cy="844074"/>
+          </a:xfrm>
+          <a:prstGeom prst="rect">
+            <a:avLst/>
+          </a:prstGeom>
+        </p:spPr>
+      </p:pic>
+    </p:spTree>
+    <p:extLst>
+      <p:ext uri="{BB962C8B-B14F-4D97-AF65-F5344CB8AC3E}">
+        <p14:creationId xmlns:p14="http://schemas.microsoft.com/office/powerpoint/2010/main" val="3195339468"/>
+      </p:ext>
+    </p:extLst>
+  </p:cSld>
+  <p:clrMapOvr>
+    <a:masterClrMapping/>
+  </p:clrMapOvr>
+</p:sld>
+</file>
+
+<file path=ppt/slides/slide11.xml><?xml version="1.0" encoding="utf-8"?>
+<p:sld xmlns:a="http://schemas.openxmlformats.org/drawingml/2006/main" xmlns:r="http://schemas.openxmlformats.org/officeDocument/2006/relationships" xmlns:p="http://schemas.openxmlformats.org/presentationml/2006/main">
+  <p:cSld>
+    <p:spTree>
+      <p:nvGrpSpPr>
+        <p:cNvPr id="1" name=""/>
+        <p:cNvGrpSpPr/>
+        <p:nvPr/>
+      </p:nvGrpSpPr>
+      <p:grpSpPr>
+        <a:xfrm>
+          <a:off x="0" y="0"/>
+          <a:ext cx="0" cy="0"/>
+          <a:chOff x="0" y="0"/>
+          <a:chExt cx="0" cy="0"/>
+        </a:xfrm>
+      </p:grpSpPr>
+      <p:pic>
+        <p:nvPicPr>
+          <p:cNvPr id="15" name="Image 14">
+            <a:extLst>
+              <a:ext uri="{FF2B5EF4-FFF2-40B4-BE49-F238E27FC236}">
+                <a16:creationId xmlns:a16="http://schemas.microsoft.com/office/drawing/2014/main" id="{F2D35756-4076-71B9-D8B6-A913466C5F1C}"/>
+              </a:ext>
+            </a:extLst>
+          </p:cNvPr>
+          <p:cNvPicPr>
+            <a:picLocks noChangeAspect="1"/>
+          </p:cNvPicPr>
+          <p:nvPr/>
+        </p:nvPicPr>
+        <p:blipFill>
+          <a:blip r:embed="rId2">
+            <a:extLst>
+              <a:ext uri="{28A0092B-C50C-407E-A947-70E740481C1C}">
+                <a14:useLocalDpi xmlns:a14="http://schemas.microsoft.com/office/drawing/2010/main" val="0"/>
+              </a:ext>
+            </a:extLst>
+          </a:blip>
+          <a:stretch>
+            <a:fillRect/>
+          </a:stretch>
+        </p:blipFill>
+        <p:spPr>
+          <a:xfrm>
+            <a:off x="-54429" y="-106533"/>
+            <a:ext cx="12341123" cy="7018385"/>
+          </a:xfrm>
+          <a:prstGeom prst="rect">
+            <a:avLst/>
+          </a:prstGeom>
+        </p:spPr>
+      </p:pic>
+      <p:sp>
+        <p:nvSpPr>
+          <p:cNvPr id="2" name="Titre 1">
+            <a:extLst>
+              <a:ext uri="{FF2B5EF4-FFF2-40B4-BE49-F238E27FC236}">
+                <a16:creationId xmlns:a16="http://schemas.microsoft.com/office/drawing/2014/main" id="{F2D456A0-90A4-9A2A-8577-375869D68417}"/>
+              </a:ext>
+            </a:extLst>
+          </p:cNvPr>
+          <p:cNvSpPr>
+            <a:spLocks noGrp="1"/>
+          </p:cNvSpPr>
+          <p:nvPr>
+            <p:ph type="title"/>
+          </p:nvPr>
+        </p:nvSpPr>
+        <p:spPr/>
+        <p:txBody>
+          <a:bodyPr/>
+          <a:lstStyle/>
+          <a:p>
+            <a:r>
+              <a:rPr lang="fr-FR" dirty="0">
+                <a:solidFill>
+                  <a:schemeClr val="bg1"/>
+                </a:solidFill>
+              </a:rPr>
+              <a:t>Architecture simple d’une partie :</a:t>
+            </a:r>
+          </a:p>
+        </p:txBody>
+      </p:sp>
+      <p:pic>
+        <p:nvPicPr>
+          <p:cNvPr id="13" name="Espace réservé du contenu 12">
+            <a:extLst>
+              <a:ext uri="{FF2B5EF4-FFF2-40B4-BE49-F238E27FC236}">
+                <a16:creationId xmlns:a16="http://schemas.microsoft.com/office/drawing/2014/main" id="{A95F2045-0F74-7FCD-DA5E-E04BE8A76709}"/>
+              </a:ext>
+            </a:extLst>
+          </p:cNvPr>
+          <p:cNvPicPr>
+            <a:picLocks noGrp="1" noChangeAspect="1"/>
+          </p:cNvPicPr>
+          <p:nvPr>
+            <p:ph idx="1"/>
+          </p:nvPr>
+        </p:nvPicPr>
+        <p:blipFill rotWithShape="1">
+          <a:blip r:embed="rId3">
+            <a:extLst>
+              <a:ext uri="{28A0092B-C50C-407E-A947-70E740481C1C}">
+                <a14:useLocalDpi xmlns:a14="http://schemas.microsoft.com/office/drawing/2010/main" val="0"/>
+              </a:ext>
+            </a:extLst>
+          </a:blip>
+          <a:srcRect r="18494"/>
+          <a:stretch/>
+        </p:blipFill>
+        <p:spPr>
+          <a:xfrm>
+            <a:off x="10963473" y="5916271"/>
+            <a:ext cx="1228527" cy="844074"/>
+          </a:xfrm>
+        </p:spPr>
+      </p:pic>
+    </p:spTree>
+    <p:extLst>
+      <p:ext uri="{BB962C8B-B14F-4D97-AF65-F5344CB8AC3E}">
+        <p14:creationId xmlns:p14="http://schemas.microsoft.com/office/powerpoint/2010/main" val="2010468079"/>
+      </p:ext>
+    </p:extLst>
+  </p:cSld>
+  <p:clrMapOvr>
+    <a:masterClrMapping/>
+  </p:clrMapOvr>
+</p:sld>
+</file>
+
+<file path=ppt/slides/slide12.xml><?xml version="1.0" encoding="utf-8"?>
+<p:sld xmlns:a="http://schemas.openxmlformats.org/drawingml/2006/main" xmlns:r="http://schemas.openxmlformats.org/officeDocument/2006/relationships" xmlns:p="http://schemas.openxmlformats.org/presentationml/2006/main">
+  <p:cSld>
+    <p:spTree>
+      <p:nvGrpSpPr>
+        <p:cNvPr id="1" name=""/>
+        <p:cNvGrpSpPr/>
+        <p:nvPr/>
+      </p:nvGrpSpPr>
+      <p:grpSpPr>
+        <a:xfrm>
+          <a:off x="0" y="0"/>
+          <a:ext cx="0" cy="0"/>
+          <a:chOff x="0" y="0"/>
+          <a:chExt cx="0" cy="0"/>
+        </a:xfrm>
+      </p:grpSpPr>
+      <p:sp>
+        <p:nvSpPr>
+          <p:cNvPr id="2" name="Titre 1">
+            <a:extLst>
+              <a:ext uri="{FF2B5EF4-FFF2-40B4-BE49-F238E27FC236}">
+                <a16:creationId xmlns:a16="http://schemas.microsoft.com/office/drawing/2014/main" id="{C1865838-4B98-C204-23E0-ADFDBEF25E0F}"/>
+              </a:ext>
+            </a:extLst>
+          </p:cNvPr>
+          <p:cNvSpPr>
+            <a:spLocks noGrp="1"/>
+          </p:cNvSpPr>
+          <p:nvPr>
+            <p:ph type="title"/>
+          </p:nvPr>
+        </p:nvSpPr>
+        <p:spPr/>
+        <p:txBody>
+          <a:bodyPr/>
+          <a:lstStyle/>
+          <a:p>
+            <a:endParaRPr lang="fr-FR"/>
+          </a:p>
+        </p:txBody>
+      </p:sp>
+      <p:sp>
+        <p:nvSpPr>
+          <p:cNvPr id="3" name="Espace réservé du contenu 2">
+            <a:extLst>
+              <a:ext uri="{FF2B5EF4-FFF2-40B4-BE49-F238E27FC236}">
+                <a16:creationId xmlns:a16="http://schemas.microsoft.com/office/drawing/2014/main" id="{051693C8-7E2E-0596-A9F0-16034B9441A3}"/>
+              </a:ext>
+            </a:extLst>
+          </p:cNvPr>
+          <p:cNvSpPr>
+            <a:spLocks noGrp="1"/>
+          </p:cNvSpPr>
+          <p:nvPr>
+            <p:ph idx="1"/>
+          </p:nvPr>
+        </p:nvSpPr>
+        <p:spPr/>
+        <p:txBody>
+          <a:bodyPr/>
+          <a:lstStyle/>
+          <a:p>
+            <a:endParaRPr lang="fr-FR"/>
+          </a:p>
+        </p:txBody>
+      </p:sp>
+      <p:pic>
+        <p:nvPicPr>
+          <p:cNvPr id="4" name="Image 3">
+            <a:extLst>
+              <a:ext uri="{FF2B5EF4-FFF2-40B4-BE49-F238E27FC236}">
+                <a16:creationId xmlns:a16="http://schemas.microsoft.com/office/drawing/2014/main" id="{D1C96C56-D5C2-2AE2-329A-216F59C31D88}"/>
+              </a:ext>
+            </a:extLst>
+          </p:cNvPr>
+          <p:cNvPicPr>
+            <a:picLocks noChangeAspect="1"/>
+          </p:cNvPicPr>
+          <p:nvPr/>
+        </p:nvPicPr>
+        <p:blipFill>
+          <a:blip r:embed="rId2">
+            <a:extLst>
+              <a:ext uri="{28A0092B-C50C-407E-A947-70E740481C1C}">
+                <a14:useLocalDpi xmlns:a14="http://schemas.microsoft.com/office/drawing/2010/main" val="0"/>
+              </a:ext>
+            </a:extLst>
+          </a:blip>
+          <a:stretch>
+            <a:fillRect/>
+          </a:stretch>
+        </p:blipFill>
+        <p:spPr>
+          <a:xfrm>
+            <a:off x="-14099" y="-82717"/>
+            <a:ext cx="12350001" cy="7023434"/>
+          </a:xfrm>
+          <a:prstGeom prst="rect">
+            <a:avLst/>
+          </a:prstGeom>
+        </p:spPr>
+      </p:pic>
+      <p:pic>
+        <p:nvPicPr>
+          <p:cNvPr id="5" name="Espace réservé du contenu 12">
+            <a:extLst>
+              <a:ext uri="{FF2B5EF4-FFF2-40B4-BE49-F238E27FC236}">
+                <a16:creationId xmlns:a16="http://schemas.microsoft.com/office/drawing/2014/main" id="{6AD1DC60-E215-ED69-9BA8-6DB141A8810A}"/>
+              </a:ext>
+            </a:extLst>
+          </p:cNvPr>
+          <p:cNvPicPr>
+            <a:picLocks noChangeAspect="1"/>
+          </p:cNvPicPr>
+          <p:nvPr/>
+        </p:nvPicPr>
+        <p:blipFill rotWithShape="1">
+          <a:blip r:embed="rId3">
+            <a:extLst>
+              <a:ext uri="{28A0092B-C50C-407E-A947-70E740481C1C}">
+                <a14:useLocalDpi xmlns:a14="http://schemas.microsoft.com/office/drawing/2010/main" val="0"/>
+              </a:ext>
+            </a:extLst>
+          </a:blip>
+          <a:srcRect r="18494"/>
+          <a:stretch/>
+        </p:blipFill>
+        <p:spPr>
+          <a:xfrm>
+            <a:off x="10963473" y="5916271"/>
+            <a:ext cx="1228527" cy="844074"/>
+          </a:xfrm>
+          <a:prstGeom prst="rect">
+            <a:avLst/>
+          </a:prstGeom>
+        </p:spPr>
+      </p:pic>
+      <p:sp>
+        <p:nvSpPr>
+          <p:cNvPr id="6" name="Rectangle : coins arrondis 5">
+            <a:extLst>
+              <a:ext uri="{FF2B5EF4-FFF2-40B4-BE49-F238E27FC236}">
+                <a16:creationId xmlns:a16="http://schemas.microsoft.com/office/drawing/2014/main" id="{5C66CBF6-9A9A-4EF0-F3C7-11202C758274}"/>
+              </a:ext>
+            </a:extLst>
+          </p:cNvPr>
+          <p:cNvSpPr/>
+          <p:nvPr/>
+        </p:nvSpPr>
+        <p:spPr>
+          <a:xfrm>
+            <a:off x="230819" y="150920"/>
+            <a:ext cx="2095131" cy="530117"/>
+          </a:xfrm>
+          <a:prstGeom prst="roundRect">
+            <a:avLst/>
+          </a:prstGeom>
+        </p:spPr>
+        <p:style>
+          <a:lnRef idx="2">
+            <a:schemeClr val="accent1">
+              <a:shade val="15000"/>
+            </a:schemeClr>
+          </a:lnRef>
+          <a:fillRef idx="1">
+            <a:schemeClr val="accent1"/>
+          </a:fillRef>
+          <a:effectRef idx="0">
+            <a:schemeClr val="accent1"/>
+          </a:effectRef>
+          <a:fontRef idx="minor">
+            <a:schemeClr val="lt1"/>
+          </a:fontRef>
+        </p:style>
+        <p:txBody>
+          <a:bodyPr rtlCol="0" anchor="ctr"/>
+          <a:lstStyle/>
+          <a:p>
+            <a:pPr algn="ctr"/>
+            <a:r>
+              <a:rPr lang="fr-FR" dirty="0"/>
+              <a:t>Lancement du script serveur</a:t>
+            </a:r>
+          </a:p>
+        </p:txBody>
+      </p:sp>
+      <p:sp>
+        <p:nvSpPr>
+          <p:cNvPr id="7" name="Flèche : bas 6">
+            <a:extLst>
+              <a:ext uri="{FF2B5EF4-FFF2-40B4-BE49-F238E27FC236}">
+                <a16:creationId xmlns:a16="http://schemas.microsoft.com/office/drawing/2014/main" id="{FC2189B9-B7F5-06BE-9EC9-59E022F29DAD}"/>
+              </a:ext>
+            </a:extLst>
+          </p:cNvPr>
+          <p:cNvSpPr/>
+          <p:nvPr/>
+        </p:nvSpPr>
+        <p:spPr>
+          <a:xfrm>
+            <a:off x="1180730" y="781235"/>
+            <a:ext cx="213064" cy="371459"/>
+          </a:xfrm>
+          <a:prstGeom prst="downArrow">
+            <a:avLst/>
+          </a:prstGeom>
+        </p:spPr>
+        <p:style>
+          <a:lnRef idx="2">
+            <a:schemeClr val="accent1">
+              <a:shade val="15000"/>
+            </a:schemeClr>
+          </a:lnRef>
+          <a:fillRef idx="1">
+            <a:schemeClr val="accent1"/>
+          </a:fillRef>
+          <a:effectRef idx="0">
+            <a:schemeClr val="accent1"/>
+          </a:effectRef>
+          <a:fontRef idx="minor">
+            <a:schemeClr val="lt1"/>
+          </a:fontRef>
+        </p:style>
+        <p:txBody>
+          <a:bodyPr rtlCol="0" anchor="ctr"/>
+          <a:lstStyle/>
+          <a:p>
+            <a:pPr algn="ctr"/>
+            <a:endParaRPr lang="fr-FR"/>
+          </a:p>
+        </p:txBody>
+      </p:sp>
+      <p:sp>
+        <p:nvSpPr>
+          <p:cNvPr id="8" name="Rectangle : coins arrondis 7">
+            <a:extLst>
+              <a:ext uri="{FF2B5EF4-FFF2-40B4-BE49-F238E27FC236}">
+                <a16:creationId xmlns:a16="http://schemas.microsoft.com/office/drawing/2014/main" id="{E5A3C2B6-8CF1-1AE0-F6A7-ACF361400B2F}"/>
+              </a:ext>
+            </a:extLst>
+          </p:cNvPr>
+          <p:cNvSpPr/>
+          <p:nvPr/>
+        </p:nvSpPr>
+        <p:spPr>
+          <a:xfrm>
+            <a:off x="230819" y="1296140"/>
+            <a:ext cx="2095131" cy="394548"/>
+          </a:xfrm>
+          <a:prstGeom prst="roundRect">
+            <a:avLst/>
+          </a:prstGeom>
+        </p:spPr>
+        <p:style>
+          <a:lnRef idx="2">
+            <a:schemeClr val="accent1">
+              <a:shade val="15000"/>
+            </a:schemeClr>
+          </a:lnRef>
+          <a:fillRef idx="1">
+            <a:schemeClr val="accent1"/>
+          </a:fillRef>
+          <a:effectRef idx="0">
+            <a:schemeClr val="accent1"/>
+          </a:effectRef>
+          <a:fontRef idx="minor">
+            <a:schemeClr val="lt1"/>
+          </a:fontRef>
+        </p:style>
+        <p:txBody>
+          <a:bodyPr rtlCol="0" anchor="ctr"/>
+          <a:lstStyle/>
+          <a:p>
+            <a:pPr algn="ctr"/>
+            <a:r>
+              <a:rPr lang="fr-FR" dirty="0"/>
+              <a:t>main()</a:t>
+            </a:r>
+          </a:p>
+        </p:txBody>
+      </p:sp>
+      <p:sp>
+        <p:nvSpPr>
+          <p:cNvPr id="9" name="Flèche : bas 8">
+            <a:extLst>
+              <a:ext uri="{FF2B5EF4-FFF2-40B4-BE49-F238E27FC236}">
+                <a16:creationId xmlns:a16="http://schemas.microsoft.com/office/drawing/2014/main" id="{35F33CAA-6104-3A57-543E-92D61B127D1F}"/>
+              </a:ext>
+            </a:extLst>
+          </p:cNvPr>
+          <p:cNvSpPr/>
+          <p:nvPr/>
+        </p:nvSpPr>
+        <p:spPr>
+          <a:xfrm>
+            <a:off x="1180730" y="1905052"/>
+            <a:ext cx="213064" cy="371459"/>
+          </a:xfrm>
+          <a:prstGeom prst="downArrow">
+            <a:avLst/>
+          </a:prstGeom>
+        </p:spPr>
+        <p:style>
+          <a:lnRef idx="2">
+            <a:schemeClr val="accent1">
+              <a:shade val="15000"/>
+            </a:schemeClr>
+          </a:lnRef>
+          <a:fillRef idx="1">
+            <a:schemeClr val="accent1"/>
+          </a:fillRef>
+          <a:effectRef idx="0">
+            <a:schemeClr val="accent1"/>
+          </a:effectRef>
+          <a:fontRef idx="minor">
+            <a:schemeClr val="lt1"/>
+          </a:fontRef>
+        </p:style>
+        <p:txBody>
+          <a:bodyPr rtlCol="0" anchor="ctr"/>
+          <a:lstStyle/>
+          <a:p>
+            <a:pPr algn="ctr"/>
+            <a:endParaRPr lang="fr-FR"/>
+          </a:p>
+        </p:txBody>
+      </p:sp>
+      <p:sp>
+        <p:nvSpPr>
+          <p:cNvPr id="10" name="Rectangle : coins arrondis 9">
+            <a:extLst>
+              <a:ext uri="{FF2B5EF4-FFF2-40B4-BE49-F238E27FC236}">
+                <a16:creationId xmlns:a16="http://schemas.microsoft.com/office/drawing/2014/main" id="{1ED76531-2352-7EDF-9FC6-D3DFF893ED05}"/>
+              </a:ext>
+            </a:extLst>
+          </p:cNvPr>
+          <p:cNvSpPr/>
+          <p:nvPr/>
+        </p:nvSpPr>
+        <p:spPr>
+          <a:xfrm>
+            <a:off x="230818" y="2411448"/>
+            <a:ext cx="2095131" cy="394548"/>
+          </a:xfrm>
+          <a:prstGeom prst="roundRect">
+            <a:avLst/>
+          </a:prstGeom>
+        </p:spPr>
+        <p:style>
+          <a:lnRef idx="2">
+            <a:schemeClr val="accent1">
+              <a:shade val="15000"/>
+            </a:schemeClr>
+          </a:lnRef>
+          <a:fillRef idx="1">
+            <a:schemeClr val="accent1"/>
+          </a:fillRef>
+          <a:effectRef idx="0">
+            <a:schemeClr val="accent1"/>
+          </a:effectRef>
+          <a:fontRef idx="minor">
+            <a:schemeClr val="lt1"/>
+          </a:fontRef>
+        </p:style>
+        <p:txBody>
+          <a:bodyPr rtlCol="0" anchor="ctr"/>
+          <a:lstStyle/>
+          <a:p>
+            <a:pPr algn="ctr"/>
+            <a:r>
+              <a:rPr lang="fr-FR" dirty="0"/>
+              <a:t>Lobby</a:t>
+            </a:r>
+          </a:p>
+        </p:txBody>
+      </p:sp>
+      <p:sp>
+        <p:nvSpPr>
+          <p:cNvPr id="11" name="ZoneTexte 10">
+            <a:extLst>
+              <a:ext uri="{FF2B5EF4-FFF2-40B4-BE49-F238E27FC236}">
+                <a16:creationId xmlns:a16="http://schemas.microsoft.com/office/drawing/2014/main" id="{FD0FA5AF-55C7-0059-6E52-0B18FC737164}"/>
+              </a:ext>
+            </a:extLst>
+          </p:cNvPr>
+          <p:cNvSpPr txBox="1"/>
+          <p:nvPr/>
+        </p:nvSpPr>
+        <p:spPr>
+          <a:xfrm>
+            <a:off x="1481832" y="1887297"/>
+            <a:ext cx="1038688" cy="307777"/>
+          </a:xfrm>
+          <a:prstGeom prst="rect">
+            <a:avLst/>
+          </a:prstGeom>
+          <a:noFill/>
+        </p:spPr>
+        <p:txBody>
+          <a:bodyPr wrap="square" rtlCol="0">
+            <a:spAutoFit/>
+          </a:bodyPr>
+          <a:lstStyle/>
+          <a:p>
+            <a:r>
+              <a:rPr lang="fr-FR" sz="1400" dirty="0">
+                <a:solidFill>
+                  <a:schemeClr val="bg1"/>
+                </a:solidFill>
+              </a:rPr>
+              <a:t>Instancie</a:t>
+            </a:r>
+          </a:p>
+        </p:txBody>
+      </p:sp>
+      <p:sp>
+        <p:nvSpPr>
+          <p:cNvPr id="14" name="Flèche : virage 13">
+            <a:extLst>
+              <a:ext uri="{FF2B5EF4-FFF2-40B4-BE49-F238E27FC236}">
+                <a16:creationId xmlns:a16="http://schemas.microsoft.com/office/drawing/2014/main" id="{36FA7069-712B-9DAD-EF7E-C13A7462404A}"/>
+              </a:ext>
+            </a:extLst>
+          </p:cNvPr>
+          <p:cNvSpPr/>
+          <p:nvPr/>
+        </p:nvSpPr>
+        <p:spPr>
+          <a:xfrm rot="5400000">
+            <a:off x="2929468" y="1807603"/>
+            <a:ext cx="375824" cy="831865"/>
+          </a:xfrm>
+          <a:prstGeom prst="bentArrow">
+            <a:avLst/>
+          </a:prstGeom>
+        </p:spPr>
+        <p:style>
+          <a:lnRef idx="2">
+            <a:schemeClr val="accent1">
+              <a:shade val="15000"/>
+            </a:schemeClr>
+          </a:lnRef>
+          <a:fillRef idx="1">
+            <a:schemeClr val="accent1"/>
+          </a:fillRef>
+          <a:effectRef idx="0">
+            <a:schemeClr val="accent1"/>
+          </a:effectRef>
+          <a:fontRef idx="minor">
+            <a:schemeClr val="lt1"/>
+          </a:fontRef>
+        </p:style>
+        <p:txBody>
+          <a:bodyPr rtlCol="0" anchor="ctr"/>
+          <a:lstStyle/>
+          <a:p>
+            <a:pPr algn="ctr"/>
+            <a:endParaRPr lang="fr-FR">
+              <a:solidFill>
+                <a:schemeClr val="tx1"/>
+              </a:solidFill>
+            </a:endParaRPr>
+          </a:p>
+        </p:txBody>
+      </p:sp>
+      <p:sp>
+        <p:nvSpPr>
+          <p:cNvPr id="15" name="Rectangle : coins arrondis 14">
+            <a:extLst>
+              <a:ext uri="{FF2B5EF4-FFF2-40B4-BE49-F238E27FC236}">
+                <a16:creationId xmlns:a16="http://schemas.microsoft.com/office/drawing/2014/main" id="{A902D4BD-EB46-2884-1A44-6FFE11449C87}"/>
+              </a:ext>
+            </a:extLst>
+          </p:cNvPr>
+          <p:cNvSpPr/>
+          <p:nvPr/>
+        </p:nvSpPr>
+        <p:spPr>
+          <a:xfrm>
+            <a:off x="2520520" y="2466627"/>
+            <a:ext cx="2095131" cy="394548"/>
+          </a:xfrm>
+          <a:prstGeom prst="roundRect">
+            <a:avLst/>
+          </a:prstGeom>
+        </p:spPr>
+        <p:style>
+          <a:lnRef idx="2">
+            <a:schemeClr val="accent1">
+              <a:shade val="15000"/>
+            </a:schemeClr>
+          </a:lnRef>
+          <a:fillRef idx="1">
+            <a:schemeClr val="accent1"/>
+          </a:fillRef>
+          <a:effectRef idx="0">
+            <a:schemeClr val="accent1"/>
+          </a:effectRef>
+          <a:fontRef idx="minor">
+            <a:schemeClr val="lt1"/>
+          </a:fontRef>
+        </p:style>
+        <p:txBody>
+          <a:bodyPr rtlCol="0" anchor="ctr"/>
+          <a:lstStyle/>
+          <a:p>
+            <a:pPr algn="ctr"/>
+            <a:r>
+              <a:rPr lang="fr-FR" dirty="0"/>
+              <a:t>Lobby</a:t>
+            </a:r>
+          </a:p>
+        </p:txBody>
+      </p:sp>
+      <p:sp>
+        <p:nvSpPr>
+          <p:cNvPr id="16" name="Flèche : bas 15">
+            <a:extLst>
+              <a:ext uri="{FF2B5EF4-FFF2-40B4-BE49-F238E27FC236}">
+                <a16:creationId xmlns:a16="http://schemas.microsoft.com/office/drawing/2014/main" id="{781FCE30-718B-CDB8-44A7-0F3150B896DD}"/>
+              </a:ext>
+            </a:extLst>
+          </p:cNvPr>
+          <p:cNvSpPr/>
+          <p:nvPr/>
+        </p:nvSpPr>
+        <p:spPr>
+          <a:xfrm>
+            <a:off x="3355021" y="3020360"/>
+            <a:ext cx="213064" cy="371459"/>
+          </a:xfrm>
+          <a:prstGeom prst="downArrow">
+            <a:avLst/>
+          </a:prstGeom>
+        </p:spPr>
+        <p:style>
+          <a:lnRef idx="2">
+            <a:schemeClr val="accent1">
+              <a:shade val="15000"/>
+            </a:schemeClr>
+          </a:lnRef>
+          <a:fillRef idx="1">
+            <a:schemeClr val="accent1"/>
+          </a:fillRef>
+          <a:effectRef idx="0">
+            <a:schemeClr val="accent1"/>
+          </a:effectRef>
+          <a:fontRef idx="minor">
+            <a:schemeClr val="lt1"/>
+          </a:fontRef>
+        </p:style>
+        <p:txBody>
+          <a:bodyPr rtlCol="0" anchor="ctr"/>
+          <a:lstStyle/>
+          <a:p>
+            <a:pPr algn="ctr"/>
+            <a:endParaRPr lang="fr-FR"/>
+          </a:p>
+        </p:txBody>
+      </p:sp>
+      <p:sp>
+        <p:nvSpPr>
+          <p:cNvPr id="17" name="Flèche : bas 16">
+            <a:extLst>
+              <a:ext uri="{FF2B5EF4-FFF2-40B4-BE49-F238E27FC236}">
+                <a16:creationId xmlns:a16="http://schemas.microsoft.com/office/drawing/2014/main" id="{C90E9577-C328-1B5F-444F-744E2D2009FF}"/>
+              </a:ext>
+            </a:extLst>
+          </p:cNvPr>
+          <p:cNvSpPr/>
+          <p:nvPr/>
+        </p:nvSpPr>
+        <p:spPr>
+          <a:xfrm>
+            <a:off x="1180730" y="3020360"/>
+            <a:ext cx="213064" cy="371459"/>
+          </a:xfrm>
+          <a:prstGeom prst="downArrow">
+            <a:avLst/>
+          </a:prstGeom>
+        </p:spPr>
+        <p:style>
+          <a:lnRef idx="2">
+            <a:schemeClr val="accent1">
+              <a:shade val="15000"/>
+            </a:schemeClr>
+          </a:lnRef>
+          <a:fillRef idx="1">
+            <a:schemeClr val="accent1"/>
+          </a:fillRef>
+          <a:effectRef idx="0">
+            <a:schemeClr val="accent1"/>
+          </a:effectRef>
+          <a:fontRef idx="minor">
+            <a:schemeClr val="lt1"/>
+          </a:fontRef>
+        </p:style>
+        <p:txBody>
+          <a:bodyPr rtlCol="0" anchor="ctr"/>
+          <a:lstStyle/>
+          <a:p>
+            <a:pPr algn="ctr"/>
+            <a:endParaRPr lang="fr-FR"/>
+          </a:p>
+        </p:txBody>
+      </p:sp>
+      <p:sp>
+        <p:nvSpPr>
+          <p:cNvPr id="18" name="Rectangle : coins arrondis 17">
+            <a:extLst>
+              <a:ext uri="{FF2B5EF4-FFF2-40B4-BE49-F238E27FC236}">
+                <a16:creationId xmlns:a16="http://schemas.microsoft.com/office/drawing/2014/main" id="{3A747BAD-8571-E02F-9207-543854388784}"/>
+              </a:ext>
+            </a:extLst>
+          </p:cNvPr>
+          <p:cNvSpPr/>
+          <p:nvPr/>
+        </p:nvSpPr>
+        <p:spPr>
+          <a:xfrm>
+            <a:off x="2937770" y="3526756"/>
+            <a:ext cx="1047565" cy="394548"/>
+          </a:xfrm>
+          <a:prstGeom prst="roundRect">
+            <a:avLst/>
+          </a:prstGeom>
+        </p:spPr>
+        <p:style>
+          <a:lnRef idx="2">
+            <a:schemeClr val="accent1">
+              <a:shade val="15000"/>
+            </a:schemeClr>
+          </a:lnRef>
+          <a:fillRef idx="1">
+            <a:schemeClr val="accent1"/>
+          </a:fillRef>
+          <a:effectRef idx="0">
+            <a:schemeClr val="accent1"/>
+          </a:effectRef>
+          <a:fontRef idx="minor">
+            <a:schemeClr val="lt1"/>
+          </a:fontRef>
+        </p:style>
+        <p:txBody>
+          <a:bodyPr rtlCol="0" anchor="ctr"/>
+          <a:lstStyle/>
+          <a:p>
+            <a:pPr algn="ctr"/>
+            <a:r>
+              <a:rPr lang="fr-FR" dirty="0"/>
+              <a:t>…</a:t>
+            </a:r>
+          </a:p>
+        </p:txBody>
+      </p:sp>
+      <p:sp>
+        <p:nvSpPr>
+          <p:cNvPr id="19" name="Rectangle : coins arrondis 18">
+            <a:extLst>
+              <a:ext uri="{FF2B5EF4-FFF2-40B4-BE49-F238E27FC236}">
+                <a16:creationId xmlns:a16="http://schemas.microsoft.com/office/drawing/2014/main" id="{005DD411-ACC1-BE44-438A-4AB4590C16A0}"/>
+              </a:ext>
+            </a:extLst>
+          </p:cNvPr>
+          <p:cNvSpPr/>
+          <p:nvPr/>
+        </p:nvSpPr>
+        <p:spPr>
+          <a:xfrm>
+            <a:off x="230818" y="3503663"/>
+            <a:ext cx="2095131" cy="394548"/>
+          </a:xfrm>
+          <a:prstGeom prst="roundRect">
+            <a:avLst/>
+          </a:prstGeom>
+        </p:spPr>
+        <p:style>
+          <a:lnRef idx="2">
+            <a:schemeClr val="accent1">
+              <a:shade val="15000"/>
+            </a:schemeClr>
+          </a:lnRef>
+          <a:fillRef idx="1">
+            <a:schemeClr val="accent1"/>
+          </a:fillRef>
+          <a:effectRef idx="0">
+            <a:schemeClr val="accent1"/>
+          </a:effectRef>
+          <a:fontRef idx="minor">
+            <a:schemeClr val="lt1"/>
+          </a:fontRef>
+        </p:style>
+        <p:txBody>
+          <a:bodyPr rtlCol="0" anchor="ctr"/>
+          <a:lstStyle/>
+          <a:p>
+            <a:pPr algn="ctr"/>
+            <a:r>
+              <a:rPr lang="fr-FR" dirty="0" err="1"/>
+              <a:t>ecoute</a:t>
+            </a:r>
+            <a:r>
+              <a:rPr lang="fr-FR" dirty="0"/>
+              <a:t>()</a:t>
+            </a:r>
+          </a:p>
+        </p:txBody>
+      </p:sp>
+      <p:sp>
+        <p:nvSpPr>
+          <p:cNvPr id="21" name="ZoneTexte 20">
+            <a:extLst>
+              <a:ext uri="{FF2B5EF4-FFF2-40B4-BE49-F238E27FC236}">
+                <a16:creationId xmlns:a16="http://schemas.microsoft.com/office/drawing/2014/main" id="{64AA6920-34D0-8B5C-D528-847C449FA16C}"/>
+              </a:ext>
+            </a:extLst>
+          </p:cNvPr>
+          <p:cNvSpPr txBox="1"/>
+          <p:nvPr/>
+        </p:nvSpPr>
+        <p:spPr>
+          <a:xfrm>
+            <a:off x="1478133" y="2996112"/>
+            <a:ext cx="1038688" cy="307777"/>
+          </a:xfrm>
+          <a:prstGeom prst="rect">
+            <a:avLst/>
+          </a:prstGeom>
+          <a:noFill/>
+        </p:spPr>
+        <p:txBody>
+          <a:bodyPr wrap="square" rtlCol="0">
+            <a:spAutoFit/>
+          </a:bodyPr>
+          <a:lstStyle/>
+          <a:p>
+            <a:r>
+              <a:rPr lang="fr-FR" sz="1400" dirty="0">
+                <a:solidFill>
+                  <a:schemeClr val="bg1"/>
+                </a:solidFill>
+              </a:rPr>
+              <a:t>Lance</a:t>
+            </a:r>
+          </a:p>
+        </p:txBody>
+      </p:sp>
+      <p:sp>
+        <p:nvSpPr>
+          <p:cNvPr id="22" name="Flèche : bas 21">
+            <a:extLst>
+              <a:ext uri="{FF2B5EF4-FFF2-40B4-BE49-F238E27FC236}">
+                <a16:creationId xmlns:a16="http://schemas.microsoft.com/office/drawing/2014/main" id="{179973E3-9AAF-D95A-C821-B7855C98526B}"/>
+              </a:ext>
+            </a:extLst>
+          </p:cNvPr>
+          <p:cNvSpPr/>
+          <p:nvPr/>
+        </p:nvSpPr>
+        <p:spPr>
+          <a:xfrm>
+            <a:off x="1180730" y="4108314"/>
+            <a:ext cx="213064" cy="371459"/>
+          </a:xfrm>
+          <a:prstGeom prst="downArrow">
+            <a:avLst/>
+          </a:prstGeom>
+        </p:spPr>
+        <p:style>
+          <a:lnRef idx="2">
+            <a:schemeClr val="accent1">
+              <a:shade val="15000"/>
+            </a:schemeClr>
+          </a:lnRef>
+          <a:fillRef idx="1">
+            <a:schemeClr val="accent1"/>
+          </a:fillRef>
+          <a:effectRef idx="0">
+            <a:schemeClr val="accent1"/>
+          </a:effectRef>
+          <a:fontRef idx="minor">
+            <a:schemeClr val="lt1"/>
+          </a:fontRef>
+        </p:style>
+        <p:txBody>
+          <a:bodyPr rtlCol="0" anchor="ctr"/>
+          <a:lstStyle/>
+          <a:p>
+            <a:pPr algn="ctr"/>
+            <a:endParaRPr lang="fr-FR"/>
+          </a:p>
+        </p:txBody>
+      </p:sp>
+      <p:sp>
+        <p:nvSpPr>
+          <p:cNvPr id="23" name="Rectangle : coins arrondis 22">
+            <a:extLst>
+              <a:ext uri="{FF2B5EF4-FFF2-40B4-BE49-F238E27FC236}">
+                <a16:creationId xmlns:a16="http://schemas.microsoft.com/office/drawing/2014/main" id="{3227AEE6-8AD9-927E-2FA7-605955DB94F4}"/>
+              </a:ext>
+            </a:extLst>
+          </p:cNvPr>
+          <p:cNvSpPr/>
+          <p:nvPr/>
+        </p:nvSpPr>
+        <p:spPr>
+          <a:xfrm>
+            <a:off x="230817" y="4643039"/>
+            <a:ext cx="2095131" cy="394548"/>
+          </a:xfrm>
+          <a:prstGeom prst="roundRect">
+            <a:avLst/>
+          </a:prstGeom>
+        </p:spPr>
+        <p:style>
+          <a:lnRef idx="2">
+            <a:schemeClr val="accent1">
+              <a:shade val="15000"/>
+            </a:schemeClr>
+          </a:lnRef>
+          <a:fillRef idx="1">
+            <a:schemeClr val="accent1"/>
+          </a:fillRef>
+          <a:effectRef idx="0">
+            <a:schemeClr val="accent1"/>
+          </a:effectRef>
+          <a:fontRef idx="minor">
+            <a:schemeClr val="lt1"/>
+          </a:fontRef>
+        </p:style>
+        <p:txBody>
+          <a:bodyPr rtlCol="0" anchor="ctr"/>
+          <a:lstStyle/>
+          <a:p>
+            <a:pPr algn="ctr"/>
+            <a:r>
+              <a:rPr lang="fr-FR" dirty="0"/>
+              <a:t>Game</a:t>
+            </a:r>
+          </a:p>
+        </p:txBody>
+      </p:sp>
+      <p:sp>
+        <p:nvSpPr>
+          <p:cNvPr id="24" name="ZoneTexte 23">
+            <a:extLst>
+              <a:ext uri="{FF2B5EF4-FFF2-40B4-BE49-F238E27FC236}">
+                <a16:creationId xmlns:a16="http://schemas.microsoft.com/office/drawing/2014/main" id="{999E01C4-EDF5-0E2D-6B73-B02D5AA4717A}"/>
+              </a:ext>
+            </a:extLst>
+          </p:cNvPr>
+          <p:cNvSpPr txBox="1"/>
+          <p:nvPr/>
+        </p:nvSpPr>
+        <p:spPr>
+          <a:xfrm>
+            <a:off x="-41435" y="4156999"/>
+            <a:ext cx="1319817" cy="307777"/>
+          </a:xfrm>
+          <a:prstGeom prst="rect">
+            <a:avLst/>
+          </a:prstGeom>
+          <a:noFill/>
+        </p:spPr>
+        <p:txBody>
+          <a:bodyPr wrap="square" rtlCol="0">
+            <a:spAutoFit/>
+          </a:bodyPr>
+          <a:lstStyle/>
+          <a:p>
+            <a:r>
+              <a:rPr lang="fr-FR" sz="1400" dirty="0">
+                <a:solidFill>
+                  <a:schemeClr val="bg1"/>
+                </a:solidFill>
+              </a:rPr>
+              <a:t>Si lobby plein :</a:t>
+            </a:r>
+          </a:p>
+        </p:txBody>
+      </p:sp>
+      <p:sp>
+        <p:nvSpPr>
+          <p:cNvPr id="25" name="ZoneTexte 24">
+            <a:extLst>
+              <a:ext uri="{FF2B5EF4-FFF2-40B4-BE49-F238E27FC236}">
+                <a16:creationId xmlns:a16="http://schemas.microsoft.com/office/drawing/2014/main" id="{0D6FCA34-7100-9D81-67D5-752F64BCE0DD}"/>
+              </a:ext>
+            </a:extLst>
+          </p:cNvPr>
+          <p:cNvSpPr txBox="1"/>
+          <p:nvPr/>
+        </p:nvSpPr>
+        <p:spPr>
+          <a:xfrm>
+            <a:off x="1478133" y="4125159"/>
+            <a:ext cx="1038688" cy="307777"/>
+          </a:xfrm>
+          <a:prstGeom prst="rect">
+            <a:avLst/>
+          </a:prstGeom>
+          <a:noFill/>
+        </p:spPr>
+        <p:txBody>
+          <a:bodyPr wrap="square" rtlCol="0">
+            <a:spAutoFit/>
+          </a:bodyPr>
+          <a:lstStyle/>
+          <a:p>
+            <a:r>
+              <a:rPr lang="fr-FR" sz="1400" dirty="0">
+                <a:solidFill>
+                  <a:schemeClr val="bg1"/>
+                </a:solidFill>
+              </a:rPr>
+              <a:t>Instancie</a:t>
+            </a:r>
+          </a:p>
+        </p:txBody>
+      </p:sp>
+      <p:sp>
+        <p:nvSpPr>
+          <p:cNvPr id="27" name="Flèche : virage 26">
+            <a:extLst>
+              <a:ext uri="{FF2B5EF4-FFF2-40B4-BE49-F238E27FC236}">
+                <a16:creationId xmlns:a16="http://schemas.microsoft.com/office/drawing/2014/main" id="{E9A2F6C1-8D21-0F0C-17B0-FD91C44A14E9}"/>
+              </a:ext>
+            </a:extLst>
+          </p:cNvPr>
+          <p:cNvSpPr/>
+          <p:nvPr/>
+        </p:nvSpPr>
+        <p:spPr>
+          <a:xfrm rot="5400000">
+            <a:off x="4957489" y="1795315"/>
+            <a:ext cx="375824" cy="831865"/>
+          </a:xfrm>
+          <a:prstGeom prst="bentArrow">
+            <a:avLst/>
+          </a:prstGeom>
+        </p:spPr>
+        <p:style>
+          <a:lnRef idx="2">
+            <a:schemeClr val="accent1">
+              <a:shade val="15000"/>
+            </a:schemeClr>
+          </a:lnRef>
+          <a:fillRef idx="1">
+            <a:schemeClr val="accent1"/>
+          </a:fillRef>
+          <a:effectRef idx="0">
+            <a:schemeClr val="accent1"/>
+          </a:effectRef>
+          <a:fontRef idx="minor">
+            <a:schemeClr val="lt1"/>
+          </a:fontRef>
+        </p:style>
+        <p:txBody>
+          <a:bodyPr rtlCol="0" anchor="ctr"/>
+          <a:lstStyle/>
+          <a:p>
+            <a:pPr algn="ctr"/>
+            <a:endParaRPr lang="fr-FR">
+              <a:solidFill>
+                <a:schemeClr val="tx1"/>
+              </a:solidFill>
+            </a:endParaRPr>
+          </a:p>
+        </p:txBody>
+      </p:sp>
+      <p:sp>
+        <p:nvSpPr>
+          <p:cNvPr id="28" name="Rectangle : coins arrondis 27">
+            <a:extLst>
+              <a:ext uri="{FF2B5EF4-FFF2-40B4-BE49-F238E27FC236}">
+                <a16:creationId xmlns:a16="http://schemas.microsoft.com/office/drawing/2014/main" id="{9BB7E77A-AAD8-8C38-6648-C10A57FDCFC7}"/>
+              </a:ext>
+            </a:extLst>
+          </p:cNvPr>
+          <p:cNvSpPr/>
+          <p:nvPr/>
+        </p:nvSpPr>
+        <p:spPr>
+          <a:xfrm>
+            <a:off x="4966530" y="2466627"/>
+            <a:ext cx="1047565" cy="394548"/>
+          </a:xfrm>
+          <a:prstGeom prst="roundRect">
+            <a:avLst/>
+          </a:prstGeom>
+        </p:spPr>
+        <p:style>
+          <a:lnRef idx="2">
+            <a:schemeClr val="accent1">
+              <a:shade val="15000"/>
+            </a:schemeClr>
+          </a:lnRef>
+          <a:fillRef idx="1">
+            <a:schemeClr val="accent1"/>
+          </a:fillRef>
+          <a:effectRef idx="0">
+            <a:schemeClr val="accent1"/>
+          </a:effectRef>
+          <a:fontRef idx="minor">
+            <a:schemeClr val="lt1"/>
+          </a:fontRef>
+        </p:style>
+        <p:txBody>
+          <a:bodyPr rtlCol="0" anchor="ctr"/>
+          <a:lstStyle/>
+          <a:p>
+            <a:pPr algn="ctr"/>
+            <a:r>
+              <a:rPr lang="fr-FR" dirty="0"/>
+              <a:t>…</a:t>
+            </a:r>
+          </a:p>
+        </p:txBody>
+      </p:sp>
+    </p:spTree>
+    <p:extLst>
+      <p:ext uri="{BB962C8B-B14F-4D97-AF65-F5344CB8AC3E}">
+        <p14:creationId xmlns:p14="http://schemas.microsoft.com/office/powerpoint/2010/main" val="451897963"/>
       </p:ext>
     </p:extLst>
   </p:cSld>
@@ -3417,6 +4816,42 @@
           <a:chExt cx="0" cy="0"/>
         </a:xfrm>
       </p:grpSpPr>
+      <p:pic>
+        <p:nvPicPr>
+          <p:cNvPr id="4" name="Image 3">
+            <a:extLst>
+              <a:ext uri="{FF2B5EF4-FFF2-40B4-BE49-F238E27FC236}">
+                <a16:creationId xmlns:a16="http://schemas.microsoft.com/office/drawing/2014/main" id="{BD8F162F-75AD-8D10-72D3-9B95193F2906}"/>
+              </a:ext>
+            </a:extLst>
+          </p:cNvPr>
+          <p:cNvPicPr>
+            <a:picLocks noChangeAspect="1"/>
+          </p:cNvPicPr>
+          <p:nvPr/>
+        </p:nvPicPr>
+        <p:blipFill>
+          <a:blip r:embed="rId2">
+            <a:extLst>
+              <a:ext uri="{28A0092B-C50C-407E-A947-70E740481C1C}">
+                <a14:useLocalDpi xmlns:a14="http://schemas.microsoft.com/office/drawing/2010/main" val="0"/>
+              </a:ext>
+            </a:extLst>
+          </a:blip>
+          <a:stretch>
+            <a:fillRect/>
+          </a:stretch>
+        </p:blipFill>
+        <p:spPr>
+          <a:xfrm>
+            <a:off x="-179749" y="-97655"/>
+            <a:ext cx="12426177" cy="7057747"/>
+          </a:xfrm>
+          <a:prstGeom prst="rect">
+            <a:avLst/>
+          </a:prstGeom>
+        </p:spPr>
+      </p:pic>
       <p:sp>
         <p:nvSpPr>
           <p:cNvPr id="3" name="Espace réservé du contenu 2">
@@ -3449,7 +4884,11 @@
               <a:buNone/>
             </a:pPr>
             <a:r>
-              <a:rPr lang="fr-FR" sz="1600" u="sng" dirty="0"/>
+              <a:rPr lang="fr-FR" sz="1600" u="sng" dirty="0">
+                <a:solidFill>
+                  <a:schemeClr val="bg1"/>
+                </a:solidFill>
+              </a:rPr>
               <a:t>Les Classes</a:t>
             </a:r>
           </a:p>
@@ -3458,7 +4897,11 @@
               <a:buNone/>
             </a:pPr>
             <a:r>
-              <a:rPr lang="fr-FR" sz="1600" dirty="0"/>
+              <a:rPr lang="fr-FR" sz="1600" dirty="0">
+                <a:solidFill>
+                  <a:schemeClr val="bg1"/>
+                </a:solidFill>
+              </a:rPr>
               <a:t>Game &gt; gestion de la partie, crée des objets Round jusqu’à la fin de la partie,</a:t>
             </a:r>
           </a:p>
@@ -3467,15 +4910,27 @@
               <a:buNone/>
             </a:pPr>
             <a:r>
-              <a:rPr lang="fr-FR" sz="1600" dirty="0"/>
+              <a:rPr lang="fr-FR" sz="1600" dirty="0">
+                <a:solidFill>
+                  <a:schemeClr val="bg1"/>
+                </a:solidFill>
+              </a:rPr>
               <a:t>Round &gt; gestion d’un round, crée des objets </a:t>
             </a:r>
             <a:r>
-              <a:rPr lang="fr-FR" sz="1600" dirty="0" err="1"/>
+              <a:rPr lang="fr-FR" sz="1600" dirty="0" err="1">
+                <a:solidFill>
+                  <a:schemeClr val="bg1"/>
+                </a:solidFill>
+              </a:rPr>
               <a:t>Step</a:t>
             </a:r>
             <a:r>
-              <a:rPr lang="fr-FR" sz="1600" dirty="0"/>
+              <a:rPr lang="fr-FR" sz="1600" dirty="0">
+                <a:solidFill>
+                  <a:schemeClr val="bg1"/>
+                </a:solidFill>
+              </a:rPr>
               <a:t> jusqu’à la fin d’un round</a:t>
             </a:r>
           </a:p>
@@ -3484,27 +4939,51 @@
               <a:buNone/>
             </a:pPr>
             <a:r>
-              <a:rPr lang="fr-FR" sz="1600" dirty="0" err="1"/>
+              <a:rPr lang="fr-FR" sz="1600" dirty="0" err="1">
+                <a:solidFill>
+                  <a:schemeClr val="bg1"/>
+                </a:solidFill>
+              </a:rPr>
               <a:t>Step</a:t>
             </a:r>
             <a:r>
-              <a:rPr lang="fr-FR" sz="1600" dirty="0"/>
+              <a:rPr lang="fr-FR" sz="1600" dirty="0">
+                <a:solidFill>
+                  <a:schemeClr val="bg1"/>
+                </a:solidFill>
+              </a:rPr>
               <a:t> &gt; phase de jeu, </a:t>
             </a:r>
             <a:r>
-              <a:rPr lang="fr-FR" sz="1600" dirty="0" err="1"/>
+              <a:rPr lang="fr-FR" sz="1600" dirty="0" err="1">
+                <a:solidFill>
+                  <a:schemeClr val="bg1"/>
+                </a:solidFill>
+              </a:rPr>
               <a:t>definie</a:t>
             </a:r>
             <a:r>
-              <a:rPr lang="fr-FR" sz="1600" dirty="0"/>
+              <a:rPr lang="fr-FR" sz="1600" dirty="0">
+                <a:solidFill>
+                  <a:schemeClr val="bg1"/>
+                </a:solidFill>
+              </a:rPr>
               <a:t> comme [tour préliminaire, flop, </a:t>
             </a:r>
             <a:r>
-              <a:rPr lang="fr-FR" sz="1600" dirty="0" err="1"/>
+              <a:rPr lang="fr-FR" sz="1600" dirty="0" err="1">
+                <a:solidFill>
+                  <a:schemeClr val="bg1"/>
+                </a:solidFill>
+              </a:rPr>
               <a:t>turn</a:t>
             </a:r>
             <a:r>
-              <a:rPr lang="fr-FR" sz="1600" dirty="0"/>
+              <a:rPr lang="fr-FR" sz="1600" dirty="0">
+                <a:solidFill>
+                  <a:schemeClr val="bg1"/>
+                </a:solidFill>
+              </a:rPr>
               <a:t>, river] instancie des envois de paquets et autres fonctions.</a:t>
             </a:r>
           </a:p>
@@ -3513,7 +4992,11 @@
               <a:buNone/>
             </a:pPr>
             <a:r>
-              <a:rPr lang="fr-FR" sz="1600" dirty="0"/>
+              <a:rPr lang="fr-FR" sz="1600" dirty="0">
+                <a:solidFill>
+                  <a:schemeClr val="bg1"/>
+                </a:solidFill>
+              </a:rPr>
               <a:t>Player&gt; objet créé par la fonction main à la connexion d’une machine</a:t>
             </a:r>
           </a:p>
@@ -3522,11 +5005,19 @@
               <a:buNone/>
             </a:pPr>
             <a:r>
-              <a:rPr lang="fr-FR" sz="1600" dirty="0" err="1"/>
+              <a:rPr lang="fr-FR" sz="1600" dirty="0" err="1">
+                <a:solidFill>
+                  <a:schemeClr val="bg1"/>
+                </a:solidFill>
+              </a:rPr>
               <a:t>Card</a:t>
             </a:r>
             <a:r>
-              <a:rPr lang="fr-FR" sz="1600" dirty="0"/>
+              <a:rPr lang="fr-FR" sz="1600" dirty="0">
+                <a:solidFill>
+                  <a:schemeClr val="bg1"/>
+                </a:solidFill>
+              </a:rPr>
               <a:t> &gt; objet constant représentant une carte</a:t>
             </a:r>
           </a:p>
@@ -3535,7 +5026,11 @@
               <a:buNone/>
             </a:pPr>
             <a:r>
-              <a:rPr lang="fr-FR" sz="1600" dirty="0"/>
+              <a:rPr lang="fr-FR" sz="1600" dirty="0">
+                <a:solidFill>
+                  <a:schemeClr val="bg1"/>
+                </a:solidFill>
+              </a:rPr>
               <a:t>Hand &gt; objet représentant une main constituée de cartes</a:t>
             </a:r>
           </a:p>
@@ -3544,15 +5039,27 @@
               <a:buNone/>
             </a:pPr>
             <a:r>
-              <a:rPr lang="fr-FR" sz="1600" dirty="0"/>
+              <a:rPr lang="fr-FR" sz="1600" dirty="0">
+                <a:solidFill>
+                  <a:schemeClr val="bg1"/>
+                </a:solidFill>
+              </a:rPr>
               <a:t>Deck &gt; objet représentant un </a:t>
             </a:r>
             <a:r>
-              <a:rPr lang="fr-FR" sz="1600" dirty="0" err="1"/>
+              <a:rPr lang="fr-FR" sz="1600" dirty="0" err="1">
+                <a:solidFill>
+                  <a:schemeClr val="bg1"/>
+                </a:solidFill>
+              </a:rPr>
               <a:t>packet</a:t>
             </a:r>
             <a:r>
-              <a:rPr lang="fr-FR" sz="1600" dirty="0"/>
+              <a:rPr lang="fr-FR" sz="1600" dirty="0">
+                <a:solidFill>
+                  <a:schemeClr val="bg1"/>
+                </a:solidFill>
+              </a:rPr>
               <a:t> de 52 cartes classique</a:t>
             </a:r>
           </a:p>
@@ -3561,20 +5068,67 @@
               <a:buNone/>
             </a:pPr>
             <a:r>
-              <a:rPr lang="fr-FR" sz="1600" dirty="0"/>
+              <a:rPr lang="fr-FR" sz="1600" dirty="0">
+                <a:solidFill>
+                  <a:schemeClr val="bg1"/>
+                </a:solidFill>
+              </a:rPr>
               <a:t>Lobby &gt; objet représentant un lobby avant une </a:t>
             </a:r>
             <a:r>
-              <a:rPr lang="fr-FR" sz="1600" dirty="0" err="1"/>
+              <a:rPr lang="fr-FR" sz="1600" dirty="0" err="1">
+                <a:solidFill>
+                  <a:schemeClr val="bg1"/>
+                </a:solidFill>
+              </a:rPr>
               <a:t>game</a:t>
             </a:r>
             <a:r>
-              <a:rPr lang="fr-FR" sz="1600" dirty="0"/>
+              <a:rPr lang="fr-FR" sz="1600" dirty="0">
+                <a:solidFill>
+                  <a:schemeClr val="bg1"/>
+                </a:solidFill>
+              </a:rPr>
               <a:t>, instancié par main.</a:t>
             </a:r>
           </a:p>
         </p:txBody>
       </p:sp>
+      <p:pic>
+        <p:nvPicPr>
+          <p:cNvPr id="2" name="Espace réservé du contenu 12">
+            <a:extLst>
+              <a:ext uri="{FF2B5EF4-FFF2-40B4-BE49-F238E27FC236}">
+                <a16:creationId xmlns:a16="http://schemas.microsoft.com/office/drawing/2014/main" id="{09E9156F-7B62-C9AC-084C-465A080BBEBE}"/>
+              </a:ext>
+            </a:extLst>
+          </p:cNvPr>
+          <p:cNvPicPr>
+            <a:picLocks noChangeAspect="1"/>
+          </p:cNvPicPr>
+          <p:nvPr/>
+        </p:nvPicPr>
+        <p:blipFill rotWithShape="1">
+          <a:blip r:embed="rId3">
+            <a:extLst>
+              <a:ext uri="{28A0092B-C50C-407E-A947-70E740481C1C}">
+                <a14:useLocalDpi xmlns:a14="http://schemas.microsoft.com/office/drawing/2010/main" val="0"/>
+              </a:ext>
+            </a:extLst>
+          </a:blip>
+          <a:srcRect r="18494"/>
+          <a:stretch/>
+        </p:blipFill>
+        <p:spPr>
+          <a:xfrm>
+            <a:off x="10963473" y="5916271"/>
+            <a:ext cx="1228527" cy="844074"/>
+          </a:xfrm>
+          <a:prstGeom prst="rect">
+            <a:avLst/>
+          </a:prstGeom>
+        </p:spPr>
+      </p:pic>
     </p:spTree>
     <p:extLst>
       <p:ext uri="{BB962C8B-B14F-4D97-AF65-F5344CB8AC3E}">
@@ -3605,6 +5159,42 @@
           <a:chExt cx="0" cy="0"/>
         </a:xfrm>
       </p:grpSpPr>
+      <p:pic>
+        <p:nvPicPr>
+          <p:cNvPr id="4" name="Image 3">
+            <a:extLst>
+              <a:ext uri="{FF2B5EF4-FFF2-40B4-BE49-F238E27FC236}">
+                <a16:creationId xmlns:a16="http://schemas.microsoft.com/office/drawing/2014/main" id="{FB2BB6CA-DC59-2588-06F0-C86C40839E26}"/>
+              </a:ext>
+            </a:extLst>
+          </p:cNvPr>
+          <p:cNvPicPr>
+            <a:picLocks noChangeAspect="1"/>
+          </p:cNvPicPr>
+          <p:nvPr/>
+        </p:nvPicPr>
+        <p:blipFill>
+          <a:blip r:embed="rId2">
+            <a:extLst>
+              <a:ext uri="{28A0092B-C50C-407E-A947-70E740481C1C}">
+                <a14:useLocalDpi xmlns:a14="http://schemas.microsoft.com/office/drawing/2010/main" val="0"/>
+              </a:ext>
+            </a:extLst>
+          </a:blip>
+          <a:stretch>
+            <a:fillRect/>
+          </a:stretch>
+        </p:blipFill>
+        <p:spPr>
+          <a:xfrm>
+            <a:off x="-27214" y="-106532"/>
+            <a:ext cx="12246428" cy="7057748"/>
+          </a:xfrm>
+          <a:prstGeom prst="rect">
+            <a:avLst/>
+          </a:prstGeom>
+        </p:spPr>
+      </p:pic>
       <p:sp>
         <p:nvSpPr>
           <p:cNvPr id="3" name="Espace réservé du contenu 2">
@@ -3634,7 +5224,11 @@
           <a:lstStyle/>
           <a:p>
             <a:r>
-              <a:rPr lang="fr-FR" sz="1600" u="sng" dirty="0"/>
+              <a:rPr lang="fr-FR" sz="1600" u="sng" dirty="0">
+                <a:solidFill>
+                  <a:schemeClr val="bg1"/>
+                </a:solidFill>
+              </a:rPr>
               <a:t>Class Player :</a:t>
             </a:r>
           </a:p>
@@ -3643,11 +5237,19 @@
               <a:buNone/>
             </a:pPr>
             <a:r>
-              <a:rPr lang="fr-FR" sz="1600" u="sng" dirty="0"/>
+              <a:rPr lang="fr-FR" sz="1600" u="sng" dirty="0">
+                <a:solidFill>
+                  <a:schemeClr val="bg1"/>
+                </a:solidFill>
+              </a:rPr>
               <a:t>Attributs</a:t>
             </a:r>
             <a:r>
-              <a:rPr lang="fr-FR" sz="1600" dirty="0"/>
+              <a:rPr lang="fr-FR" sz="1600" dirty="0">
+                <a:solidFill>
+                  <a:schemeClr val="bg1"/>
+                </a:solidFill>
+              </a:rPr>
               <a:t> :</a:t>
             </a:r>
           </a:p>
@@ -3656,26 +5258,94 @@
               <a:buNone/>
             </a:pPr>
             <a:r>
-              <a:rPr lang="fr-FR" sz="1600" dirty="0"/>
+              <a:rPr lang="fr-FR" sz="1600" dirty="0">
+                <a:solidFill>
+                  <a:schemeClr val="bg1"/>
+                </a:solidFill>
+              </a:rPr>
               <a:t>self.id	   : </a:t>
             </a:r>
             <a:r>
-              <a:rPr lang="fr-FR" sz="1600" dirty="0" err="1"/>
+              <a:rPr lang="fr-FR" sz="1600" dirty="0" err="1">
+                <a:solidFill>
+                  <a:schemeClr val="bg1"/>
+                </a:solidFill>
+              </a:rPr>
               <a:t>int</a:t>
             </a:r>
-            <a:endParaRPr lang="fr-FR" sz="1600" dirty="0"/>
+            <a:r>
+              <a:rPr lang="fr-FR" sz="1600" dirty="0">
+                <a:solidFill>
+                  <a:schemeClr val="bg1"/>
+                </a:solidFill>
+              </a:rPr>
+              <a:t>						</a:t>
+            </a:r>
+            <a:r>
+              <a:rPr lang="fr-FR" sz="1600" dirty="0" err="1">
+                <a:solidFill>
+                  <a:schemeClr val="bg1"/>
+                </a:solidFill>
+              </a:rPr>
+              <a:t>remove_card_by_id</a:t>
+            </a:r>
+            <a:r>
+              <a:rPr lang="fr-FR" sz="1600" dirty="0">
+                <a:solidFill>
+                  <a:schemeClr val="bg1"/>
+                </a:solidFill>
+              </a:rPr>
+              <a:t>(index : </a:t>
+            </a:r>
+            <a:r>
+              <a:rPr lang="fr-FR" sz="1600" dirty="0" err="1">
+                <a:solidFill>
+                  <a:schemeClr val="bg1"/>
+                </a:solidFill>
+              </a:rPr>
+              <a:t>int</a:t>
+            </a:r>
+            <a:r>
+              <a:rPr lang="fr-FR" sz="1600" dirty="0">
+                <a:solidFill>
+                  <a:schemeClr val="bg1"/>
+                </a:solidFill>
+              </a:rPr>
+              <a:t>) &gt; </a:t>
+            </a:r>
+            <a:r>
+              <a:rPr lang="fr-FR" sz="1600" dirty="0" err="1">
+                <a:solidFill>
+                  <a:schemeClr val="bg1"/>
+                </a:solidFill>
+              </a:rPr>
+              <a:t>bool</a:t>
+            </a:r>
+            <a:endParaRPr lang="fr-FR" sz="1600" dirty="0">
+              <a:solidFill>
+                <a:schemeClr val="bg1"/>
+              </a:solidFill>
+            </a:endParaRPr>
           </a:p>
           <a:p>
             <a:pPr marL="0" indent="0">
               <a:buNone/>
             </a:pPr>
             <a:r>
-              <a:rPr lang="fr-FR" sz="1600" dirty="0" err="1"/>
+              <a:rPr lang="fr-FR" sz="1600" dirty="0" err="1">
+                <a:solidFill>
+                  <a:schemeClr val="bg1"/>
+                </a:solidFill>
+              </a:rPr>
               <a:t>self.conn</a:t>
             </a:r>
             <a:r>
-              <a:rPr lang="fr-FR" sz="1600" dirty="0"/>
-              <a:t>       : socket</a:t>
+              <a:rPr lang="fr-FR" sz="1600" dirty="0">
+                <a:solidFill>
+                  <a:schemeClr val="bg1"/>
+                </a:solidFill>
+              </a:rPr>
+              <a:t>       : socket						</a:t>
             </a:r>
           </a:p>
           <a:p>
@@ -3683,57 +5353,105 @@
               <a:buNone/>
             </a:pPr>
             <a:r>
-              <a:rPr lang="fr-FR" sz="1600" dirty="0"/>
+              <a:rPr lang="fr-FR" sz="1600" dirty="0">
+                <a:solidFill>
+                  <a:schemeClr val="bg1"/>
+                </a:solidFill>
+              </a:rPr>
               <a:t>self.pseudo   : </a:t>
             </a:r>
             <a:r>
-              <a:rPr lang="fr-FR" sz="1600" dirty="0" err="1"/>
+              <a:rPr lang="fr-FR" sz="1600" dirty="0" err="1">
+                <a:solidFill>
+                  <a:schemeClr val="bg1"/>
+                </a:solidFill>
+              </a:rPr>
               <a:t>str</a:t>
             </a:r>
-            <a:endParaRPr lang="fr-FR" sz="1600" dirty="0"/>
+            <a:endParaRPr lang="fr-FR" sz="1600" dirty="0">
+              <a:solidFill>
+                <a:schemeClr val="bg1"/>
+              </a:solidFill>
+            </a:endParaRPr>
           </a:p>
           <a:p>
             <a:pPr marL="0" indent="0">
               <a:buNone/>
             </a:pPr>
             <a:r>
-              <a:rPr lang="fr-FR" sz="1600" dirty="0"/>
+              <a:rPr lang="fr-FR" sz="1600" dirty="0">
+                <a:solidFill>
+                  <a:schemeClr val="bg1"/>
+                </a:solidFill>
+              </a:rPr>
               <a:t>self.is_alive   : </a:t>
             </a:r>
             <a:r>
-              <a:rPr lang="fr-FR" sz="1600" dirty="0" err="1"/>
+              <a:rPr lang="fr-FR" sz="1600" dirty="0" err="1">
+                <a:solidFill>
+                  <a:schemeClr val="bg1"/>
+                </a:solidFill>
+              </a:rPr>
               <a:t>bool</a:t>
             </a:r>
-            <a:endParaRPr lang="fr-FR" sz="1600" dirty="0"/>
+            <a:endParaRPr lang="fr-FR" sz="1600" dirty="0">
+              <a:solidFill>
+                <a:schemeClr val="bg1"/>
+              </a:solidFill>
+            </a:endParaRPr>
           </a:p>
           <a:p>
             <a:pPr marL="0" indent="0">
               <a:buNone/>
             </a:pPr>
             <a:r>
-              <a:rPr lang="fr-FR" sz="1600" dirty="0" err="1"/>
+              <a:rPr lang="fr-FR" sz="1600" dirty="0" err="1">
+                <a:solidFill>
+                  <a:schemeClr val="bg1"/>
+                </a:solidFill>
+              </a:rPr>
               <a:t>self.chips</a:t>
             </a:r>
             <a:r>
-              <a:rPr lang="fr-FR" sz="1600" dirty="0"/>
+              <a:rPr lang="fr-FR" sz="1600" dirty="0">
+                <a:solidFill>
+                  <a:schemeClr val="bg1"/>
+                </a:solidFill>
+              </a:rPr>
               <a:t>       : </a:t>
             </a:r>
             <a:r>
-              <a:rPr lang="fr-FR" sz="1600" dirty="0" err="1"/>
+              <a:rPr lang="fr-FR" sz="1600" dirty="0" err="1">
+                <a:solidFill>
+                  <a:schemeClr val="bg1"/>
+                </a:solidFill>
+              </a:rPr>
               <a:t>int</a:t>
             </a:r>
-            <a:endParaRPr lang="fr-FR" sz="1600" dirty="0"/>
+            <a:endParaRPr lang="fr-FR" sz="1600" dirty="0">
+              <a:solidFill>
+                <a:schemeClr val="bg1"/>
+              </a:solidFill>
+            </a:endParaRPr>
           </a:p>
           <a:p>
             <a:pPr marL="0" indent="0">
               <a:buNone/>
             </a:pPr>
             <a:r>
-              <a:rPr lang="fr-FR" sz="1600" dirty="0" err="1"/>
+              <a:rPr lang="fr-FR" sz="1600" dirty="0" err="1">
+                <a:solidFill>
+                  <a:schemeClr val="bg1"/>
+                </a:solidFill>
+              </a:rPr>
               <a:t>self.hand</a:t>
             </a:r>
             <a:r>
-              <a:rPr lang="fr-FR" sz="1600" dirty="0"/>
+              <a:rPr lang="fr-FR" sz="1600" dirty="0">
+                <a:solidFill>
+                  <a:schemeClr val="bg1"/>
+                </a:solidFill>
+              </a:rPr>
               <a:t>       : Hand</a:t>
             </a:r>
           </a:p>
@@ -3742,7 +5460,11 @@
               <a:buNone/>
             </a:pPr>
             <a:r>
-              <a:rPr lang="fr-FR" sz="1600" u="sng" dirty="0"/>
+              <a:rPr lang="fr-FR" sz="1600" u="sng" dirty="0">
+                <a:solidFill>
+                  <a:schemeClr val="bg1"/>
+                </a:solidFill>
+              </a:rPr>
               <a:t>Méthodes :</a:t>
             </a:r>
           </a:p>
@@ -3751,81 +5473,518 @@
               <a:buNone/>
             </a:pPr>
             <a:r>
-              <a:rPr lang="fr-FR" sz="1600" dirty="0" err="1"/>
+              <a:rPr lang="fr-FR" sz="1600" dirty="0" err="1">
+                <a:solidFill>
+                  <a:schemeClr val="bg1"/>
+                </a:solidFill>
+              </a:rPr>
               <a:t>get_id</a:t>
             </a:r>
             <a:r>
-              <a:rPr lang="fr-FR" sz="1600" dirty="0"/>
+              <a:rPr lang="fr-FR" sz="1600" dirty="0">
+                <a:solidFill>
+                  <a:schemeClr val="bg1"/>
+                </a:solidFill>
+              </a:rPr>
               <a:t>() &gt; </a:t>
             </a:r>
             <a:r>
-              <a:rPr lang="fr-FR" sz="1600" dirty="0" err="1"/>
+              <a:rPr lang="fr-FR" sz="1600" dirty="0" err="1">
+                <a:solidFill>
+                  <a:schemeClr val="bg1"/>
+                </a:solidFill>
+              </a:rPr>
               <a:t>str</a:t>
             </a:r>
-            <a:endParaRPr lang="fr-FR" sz="1600" dirty="0"/>
+            <a:endParaRPr lang="fr-FR" sz="1600" dirty="0">
+              <a:solidFill>
+                <a:schemeClr val="bg1"/>
+              </a:solidFill>
+            </a:endParaRPr>
           </a:p>
           <a:p>
             <a:pPr marL="0" indent="0">
               <a:buNone/>
             </a:pPr>
             <a:r>
-              <a:rPr lang="fr-FR" sz="1600" dirty="0" err="1"/>
+              <a:rPr lang="fr-FR" sz="1600" dirty="0" err="1">
+                <a:solidFill>
+                  <a:schemeClr val="bg1"/>
+                </a:solidFill>
+              </a:rPr>
+              <a:t>get_conn</a:t>
+            </a:r>
+            <a:r>
+              <a:rPr lang="fr-FR" sz="1600" dirty="0">
+                <a:solidFill>
+                  <a:schemeClr val="bg1"/>
+                </a:solidFill>
+              </a:rPr>
+              <a:t>() &gt; socket</a:t>
+            </a:r>
+          </a:p>
+          <a:p>
+            <a:pPr marL="0" indent="0">
+              <a:buNone/>
+            </a:pPr>
+            <a:r>
+              <a:rPr lang="fr-FR" sz="1600" dirty="0" err="1">
+                <a:solidFill>
+                  <a:schemeClr val="bg1"/>
+                </a:solidFill>
+              </a:rPr>
+              <a:t>get_hand</a:t>
+            </a:r>
+            <a:r>
+              <a:rPr lang="fr-FR" sz="1600" dirty="0">
+                <a:solidFill>
+                  <a:schemeClr val="bg1"/>
+                </a:solidFill>
+              </a:rPr>
+              <a:t>() &gt; Hand</a:t>
+            </a:r>
+          </a:p>
+          <a:p>
+            <a:pPr marL="0" indent="0">
+              <a:buNone/>
+            </a:pPr>
+            <a:r>
+              <a:rPr lang="fr-FR" sz="1600" dirty="0" err="1">
+                <a:solidFill>
+                  <a:schemeClr val="bg1"/>
+                </a:solidFill>
+              </a:rPr>
               <a:t>get_pseudo</a:t>
             </a:r>
             <a:r>
-              <a:rPr lang="fr-FR" sz="1600" dirty="0"/>
+              <a:rPr lang="fr-FR" sz="1600" dirty="0">
+                <a:solidFill>
+                  <a:schemeClr val="bg1"/>
+                </a:solidFill>
+              </a:rPr>
               <a:t>() &gt; </a:t>
             </a:r>
             <a:r>
-              <a:rPr lang="fr-FR" sz="1600" dirty="0" err="1"/>
+              <a:rPr lang="fr-FR" sz="1600" dirty="0" err="1">
+                <a:solidFill>
+                  <a:schemeClr val="bg1"/>
+                </a:solidFill>
+              </a:rPr>
               <a:t>str</a:t>
             </a:r>
-            <a:endParaRPr lang="fr-FR" sz="1600" dirty="0"/>
+            <a:endParaRPr lang="fr-FR" sz="1600" dirty="0">
+              <a:solidFill>
+                <a:schemeClr val="bg1"/>
+              </a:solidFill>
+            </a:endParaRPr>
           </a:p>
           <a:p>
             <a:pPr marL="0" indent="0">
               <a:buNone/>
             </a:pPr>
             <a:r>
-              <a:rPr lang="fr-FR" sz="1600" dirty="0" err="1"/>
+              <a:rPr lang="fr-FR" sz="1600" dirty="0" err="1">
+                <a:solidFill>
+                  <a:schemeClr val="bg1"/>
+                </a:solidFill>
+              </a:rPr>
               <a:t>edit_pseudo</a:t>
             </a:r>
             <a:r>
-              <a:rPr lang="fr-FR" sz="1600" dirty="0"/>
+              <a:rPr lang="fr-FR" sz="1600" dirty="0">
+                <a:solidFill>
+                  <a:schemeClr val="bg1"/>
+                </a:solidFill>
+              </a:rPr>
               <a:t>() &gt; </a:t>
             </a:r>
             <a:r>
-              <a:rPr lang="fr-FR" sz="1600" dirty="0" err="1"/>
+              <a:rPr lang="fr-FR" sz="1600" dirty="0" err="1">
+                <a:solidFill>
+                  <a:schemeClr val="bg1"/>
+                </a:solidFill>
+              </a:rPr>
               <a:t>void</a:t>
             </a:r>
-            <a:endParaRPr lang="fr-FR" sz="1600"/>
+            <a:endParaRPr lang="fr-FR" sz="1600" dirty="0">
+              <a:solidFill>
+                <a:schemeClr val="bg1"/>
+              </a:solidFill>
+            </a:endParaRPr>
           </a:p>
           <a:p>
             <a:pPr marL="0" indent="0">
               <a:buNone/>
             </a:pPr>
-            <a:endParaRPr lang="fr-FR" sz="1600" dirty="0"/>
+            <a:r>
+              <a:rPr lang="fr-FR" sz="1600" dirty="0" err="1">
+                <a:solidFill>
+                  <a:schemeClr val="bg1"/>
+                </a:solidFill>
+              </a:rPr>
+              <a:t>set_hand</a:t>
+            </a:r>
+            <a:r>
+              <a:rPr lang="fr-FR" sz="1600" dirty="0">
+                <a:solidFill>
+                  <a:schemeClr val="bg1"/>
+                </a:solidFill>
+              </a:rPr>
+              <a:t>(hand : Hand) &gt; </a:t>
+            </a:r>
+            <a:r>
+              <a:rPr lang="fr-FR" sz="1600" dirty="0" err="1">
+                <a:solidFill>
+                  <a:schemeClr val="bg1"/>
+                </a:solidFill>
+              </a:rPr>
+              <a:t>void</a:t>
+            </a:r>
+            <a:endParaRPr lang="fr-FR" sz="1600" dirty="0">
+              <a:solidFill>
+                <a:schemeClr val="bg1"/>
+              </a:solidFill>
+            </a:endParaRPr>
           </a:p>
           <a:p>
             <a:pPr marL="0" indent="0">
               <a:buNone/>
             </a:pPr>
-            <a:endParaRPr lang="fr-FR" sz="1600" dirty="0"/>
+            <a:r>
+              <a:rPr lang="fr-FR" sz="1600" dirty="0" err="1">
+                <a:solidFill>
+                  <a:schemeClr val="bg1"/>
+                </a:solidFill>
+              </a:rPr>
+              <a:t>clear_hand</a:t>
+            </a:r>
+            <a:r>
+              <a:rPr lang="fr-FR" sz="1600" dirty="0">
+                <a:solidFill>
+                  <a:schemeClr val="bg1"/>
+                </a:solidFill>
+              </a:rPr>
+              <a:t>() &gt; </a:t>
+            </a:r>
+            <a:r>
+              <a:rPr lang="fr-FR" sz="1600" dirty="0" err="1">
+                <a:solidFill>
+                  <a:schemeClr val="bg1"/>
+                </a:solidFill>
+              </a:rPr>
+              <a:t>void</a:t>
+            </a:r>
+            <a:endParaRPr lang="fr-FR" sz="1600" dirty="0">
+              <a:solidFill>
+                <a:schemeClr val="bg1"/>
+              </a:solidFill>
+            </a:endParaRPr>
           </a:p>
           <a:p>
             <a:pPr marL="0" indent="0">
               <a:buNone/>
             </a:pPr>
-            <a:endParaRPr lang="fr-FR" sz="1600" u="sng" dirty="0"/>
+            <a:r>
+              <a:rPr lang="fr-FR" sz="1600" dirty="0" err="1">
+                <a:solidFill>
+                  <a:schemeClr val="bg1"/>
+                </a:solidFill>
+              </a:rPr>
+              <a:t>add_card</a:t>
+            </a:r>
+            <a:r>
+              <a:rPr lang="fr-FR" sz="1600" dirty="0">
+                <a:solidFill>
+                  <a:schemeClr val="bg1"/>
+                </a:solidFill>
+              </a:rPr>
+              <a:t>(</a:t>
+            </a:r>
+            <a:r>
+              <a:rPr lang="fr-FR" sz="1600" dirty="0" err="1">
+                <a:solidFill>
+                  <a:schemeClr val="bg1"/>
+                </a:solidFill>
+              </a:rPr>
+              <a:t>card</a:t>
+            </a:r>
+            <a:r>
+              <a:rPr lang="fr-FR" sz="1600" dirty="0">
+                <a:solidFill>
+                  <a:schemeClr val="bg1"/>
+                </a:solidFill>
+              </a:rPr>
+              <a:t> : </a:t>
+            </a:r>
+            <a:r>
+              <a:rPr lang="fr-FR" sz="1600" dirty="0" err="1">
+                <a:solidFill>
+                  <a:schemeClr val="bg1"/>
+                </a:solidFill>
+              </a:rPr>
+              <a:t>Card</a:t>
+            </a:r>
+            <a:r>
+              <a:rPr lang="fr-FR" sz="1600" dirty="0">
+                <a:solidFill>
+                  <a:schemeClr val="bg1"/>
+                </a:solidFill>
+              </a:rPr>
+              <a:t>) &gt; </a:t>
+            </a:r>
+            <a:r>
+              <a:rPr lang="fr-FR" sz="1600" dirty="0" err="1">
+                <a:solidFill>
+                  <a:schemeClr val="bg1"/>
+                </a:solidFill>
+              </a:rPr>
+              <a:t>bool</a:t>
+            </a:r>
+            <a:r>
+              <a:rPr lang="fr-FR" sz="1600" dirty="0">
+                <a:solidFill>
+                  <a:schemeClr val="bg1"/>
+                </a:solidFill>
+              </a:rPr>
+              <a:t>    // créer une exception si la même carte est ajoutée plusieurs fois</a:t>
+            </a:r>
           </a:p>
           <a:p>
             <a:pPr marL="0" indent="0">
               <a:buNone/>
             </a:pPr>
-            <a:endParaRPr lang="fr-FR" sz="1600" dirty="0"/>
-          </a:p>
-        </p:txBody>
-      </p:sp>
+            <a:r>
+              <a:rPr lang="fr-FR" sz="1600" dirty="0" err="1">
+                <a:solidFill>
+                  <a:schemeClr val="bg1"/>
+                </a:solidFill>
+              </a:rPr>
+              <a:t>remove_card</a:t>
+            </a:r>
+            <a:r>
+              <a:rPr lang="fr-FR" sz="1600" dirty="0">
+                <a:solidFill>
+                  <a:schemeClr val="bg1"/>
+                </a:solidFill>
+              </a:rPr>
+              <a:t>(</a:t>
+            </a:r>
+            <a:r>
+              <a:rPr lang="fr-FR" sz="1600" dirty="0" err="1">
+                <a:solidFill>
+                  <a:schemeClr val="bg1"/>
+                </a:solidFill>
+              </a:rPr>
+              <a:t>card</a:t>
+            </a:r>
+            <a:r>
+              <a:rPr lang="fr-FR" sz="1600" dirty="0">
+                <a:solidFill>
+                  <a:schemeClr val="bg1"/>
+                </a:solidFill>
+              </a:rPr>
+              <a:t> : </a:t>
+            </a:r>
+            <a:r>
+              <a:rPr lang="fr-FR" sz="1600" dirty="0" err="1">
+                <a:solidFill>
+                  <a:schemeClr val="bg1"/>
+                </a:solidFill>
+              </a:rPr>
+              <a:t>Card</a:t>
+            </a:r>
+            <a:r>
+              <a:rPr lang="fr-FR" sz="1600" dirty="0">
+                <a:solidFill>
+                  <a:schemeClr val="bg1"/>
+                </a:solidFill>
+              </a:rPr>
+              <a:t>) &gt; </a:t>
+            </a:r>
+            <a:r>
+              <a:rPr lang="fr-FR" sz="1600" dirty="0" err="1">
+                <a:solidFill>
+                  <a:schemeClr val="bg1"/>
+                </a:solidFill>
+              </a:rPr>
+              <a:t>bool</a:t>
+            </a:r>
+            <a:r>
+              <a:rPr lang="fr-FR" sz="1600" dirty="0">
+                <a:solidFill>
+                  <a:schemeClr val="bg1"/>
+                </a:solidFill>
+              </a:rPr>
+              <a:t> </a:t>
+            </a:r>
+          </a:p>
+          <a:p>
+            <a:pPr marL="0" indent="0">
+              <a:buNone/>
+            </a:pPr>
+            <a:endParaRPr lang="fr-FR" sz="1600" dirty="0">
+              <a:solidFill>
+                <a:schemeClr val="bg1"/>
+              </a:solidFill>
+            </a:endParaRPr>
+          </a:p>
+          <a:p>
+            <a:pPr marL="0" indent="0">
+              <a:buNone/>
+            </a:pPr>
+            <a:endParaRPr lang="fr-FR" sz="1600" dirty="0">
+              <a:solidFill>
+                <a:schemeClr val="bg1"/>
+              </a:solidFill>
+            </a:endParaRPr>
+          </a:p>
+          <a:p>
+            <a:pPr marL="0" indent="0">
+              <a:buNone/>
+            </a:pPr>
+            <a:endParaRPr lang="fr-FR" sz="1600" dirty="0">
+              <a:solidFill>
+                <a:schemeClr val="bg1"/>
+              </a:solidFill>
+            </a:endParaRPr>
+          </a:p>
+          <a:p>
+            <a:pPr marL="0" indent="0">
+              <a:buNone/>
+            </a:pPr>
+            <a:endParaRPr lang="fr-FR" sz="1600" dirty="0">
+              <a:solidFill>
+                <a:schemeClr val="bg1"/>
+              </a:solidFill>
+            </a:endParaRPr>
+          </a:p>
+          <a:p>
+            <a:pPr marL="0" indent="0">
+              <a:buNone/>
+            </a:pPr>
+            <a:endParaRPr lang="fr-FR" sz="1600" dirty="0">
+              <a:solidFill>
+                <a:schemeClr val="bg1"/>
+              </a:solidFill>
+            </a:endParaRPr>
+          </a:p>
+          <a:p>
+            <a:pPr marL="0" indent="0">
+              <a:buNone/>
+            </a:pPr>
+            <a:endParaRPr lang="fr-FR" sz="1600" dirty="0">
+              <a:solidFill>
+                <a:schemeClr val="bg1"/>
+              </a:solidFill>
+            </a:endParaRPr>
+          </a:p>
+          <a:p>
+            <a:pPr marL="0" indent="0">
+              <a:buNone/>
+            </a:pPr>
+            <a:endParaRPr lang="fr-FR" sz="1600" dirty="0">
+              <a:solidFill>
+                <a:schemeClr val="bg1"/>
+              </a:solidFill>
+            </a:endParaRPr>
+          </a:p>
+          <a:p>
+            <a:pPr marL="0" indent="0">
+              <a:buNone/>
+            </a:pPr>
+            <a:endParaRPr lang="fr-FR" sz="1600" dirty="0">
+              <a:solidFill>
+                <a:schemeClr val="bg1"/>
+              </a:solidFill>
+            </a:endParaRPr>
+          </a:p>
+          <a:p>
+            <a:pPr marL="0" indent="0">
+              <a:buNone/>
+            </a:pPr>
+            <a:endParaRPr lang="fr-FR" sz="1600" dirty="0">
+              <a:solidFill>
+                <a:schemeClr val="bg1"/>
+              </a:solidFill>
+            </a:endParaRPr>
+          </a:p>
+          <a:p>
+            <a:pPr marL="0" indent="0">
+              <a:buNone/>
+            </a:pPr>
+            <a:endParaRPr lang="fr-FR" sz="1600" dirty="0">
+              <a:solidFill>
+                <a:schemeClr val="bg1"/>
+              </a:solidFill>
+            </a:endParaRPr>
+          </a:p>
+          <a:p>
+            <a:pPr marL="0" indent="0">
+              <a:buNone/>
+            </a:pPr>
+            <a:endParaRPr lang="fr-FR" sz="1600" dirty="0">
+              <a:solidFill>
+                <a:schemeClr val="bg1"/>
+              </a:solidFill>
+            </a:endParaRPr>
+          </a:p>
+          <a:p>
+            <a:pPr marL="0" indent="0">
+              <a:buNone/>
+            </a:pPr>
+            <a:endParaRPr lang="fr-FR" sz="1600" u="sng" dirty="0">
+              <a:solidFill>
+                <a:schemeClr val="bg1"/>
+              </a:solidFill>
+            </a:endParaRPr>
+          </a:p>
+          <a:p>
+            <a:pPr marL="0" indent="0">
+              <a:buNone/>
+            </a:pPr>
+            <a:endParaRPr lang="fr-FR" sz="1600" dirty="0">
+              <a:solidFill>
+                <a:schemeClr val="bg1"/>
+              </a:solidFill>
+            </a:endParaRPr>
+          </a:p>
+        </p:txBody>
+      </p:sp>
+      <p:pic>
+        <p:nvPicPr>
+          <p:cNvPr id="2" name="Espace réservé du contenu 12">
+            <a:extLst>
+              <a:ext uri="{FF2B5EF4-FFF2-40B4-BE49-F238E27FC236}">
+                <a16:creationId xmlns:a16="http://schemas.microsoft.com/office/drawing/2014/main" id="{BE8EA393-02EB-04D3-459D-5CF0B8388645}"/>
+              </a:ext>
+            </a:extLst>
+          </p:cNvPr>
+          <p:cNvPicPr>
+            <a:picLocks noChangeAspect="1"/>
+          </p:cNvPicPr>
+          <p:nvPr/>
+        </p:nvPicPr>
+        <p:blipFill rotWithShape="1">
+          <a:blip r:embed="rId3">
+            <a:extLst>
+              <a:ext uri="{28A0092B-C50C-407E-A947-70E740481C1C}">
+                <a14:useLocalDpi xmlns:a14="http://schemas.microsoft.com/office/drawing/2010/main" val="0"/>
+              </a:ext>
+            </a:extLst>
+          </a:blip>
+          <a:srcRect r="18494"/>
+          <a:stretch/>
+        </p:blipFill>
+        <p:spPr>
+          <a:xfrm>
+            <a:off x="10963473" y="5916271"/>
+            <a:ext cx="1228527" cy="844074"/>
+          </a:xfrm>
+          <a:prstGeom prst="rect">
+            <a:avLst/>
+          </a:prstGeom>
+        </p:spPr>
+      </p:pic>
     </p:spTree>
     <p:extLst>
       <p:ext uri="{BB962C8B-B14F-4D97-AF65-F5344CB8AC3E}">
@@ -3856,6 +6015,42 @@
           <a:chExt cx="0" cy="0"/>
         </a:xfrm>
       </p:grpSpPr>
+      <p:pic>
+        <p:nvPicPr>
+          <p:cNvPr id="4" name="Image 3">
+            <a:extLst>
+              <a:ext uri="{FF2B5EF4-FFF2-40B4-BE49-F238E27FC236}">
+                <a16:creationId xmlns:a16="http://schemas.microsoft.com/office/drawing/2014/main" id="{3E2F45B1-5093-4654-9BD7-180D2D3D7265}"/>
+              </a:ext>
+            </a:extLst>
+          </p:cNvPr>
+          <p:cNvPicPr>
+            <a:picLocks noChangeAspect="1"/>
+          </p:cNvPicPr>
+          <p:nvPr/>
+        </p:nvPicPr>
+        <p:blipFill>
+          <a:blip r:embed="rId2">
+            <a:extLst>
+              <a:ext uri="{28A0092B-C50C-407E-A947-70E740481C1C}">
+                <a14:useLocalDpi xmlns:a14="http://schemas.microsoft.com/office/drawing/2010/main" val="0"/>
+              </a:ext>
+            </a:extLst>
+          </a:blip>
+          <a:stretch>
+            <a:fillRect/>
+          </a:stretch>
+        </p:blipFill>
+        <p:spPr>
+          <a:xfrm>
+            <a:off x="-27214" y="-88777"/>
+            <a:ext cx="12246428" cy="7111014"/>
+          </a:xfrm>
+          <a:prstGeom prst="rect">
+            <a:avLst/>
+          </a:prstGeom>
+        </p:spPr>
+      </p:pic>
       <p:sp>
         <p:nvSpPr>
           <p:cNvPr id="3" name="Espace réservé du contenu 2">
@@ -3885,15 +6080,27 @@
           <a:lstStyle/>
           <a:p>
             <a:r>
-              <a:rPr lang="fr-FR" sz="1600" u="sng" dirty="0"/>
+              <a:rPr lang="fr-FR" sz="1600" u="sng" dirty="0">
+                <a:solidFill>
+                  <a:schemeClr val="bg1"/>
+                </a:solidFill>
+              </a:rPr>
               <a:t>Class </a:t>
             </a:r>
             <a:r>
-              <a:rPr lang="fr-FR" sz="1600" u="sng" dirty="0" err="1"/>
+              <a:rPr lang="fr-FR" sz="1600" u="sng" dirty="0" err="1">
+                <a:solidFill>
+                  <a:schemeClr val="bg1"/>
+                </a:solidFill>
+              </a:rPr>
               <a:t>Card</a:t>
             </a:r>
             <a:r>
-              <a:rPr lang="fr-FR" sz="1600" u="sng" dirty="0"/>
+              <a:rPr lang="fr-FR" sz="1600" u="sng" dirty="0">
+                <a:solidFill>
+                  <a:schemeClr val="bg1"/>
+                </a:solidFill>
+              </a:rPr>
               <a:t> :</a:t>
             </a:r>
           </a:p>
@@ -3902,7 +6109,11 @@
               <a:buNone/>
             </a:pPr>
             <a:r>
-              <a:rPr lang="fr-FR" sz="1600" u="sng" dirty="0"/>
+              <a:rPr lang="fr-FR" sz="1600" u="sng" dirty="0">
+                <a:solidFill>
+                  <a:schemeClr val="bg1"/>
+                </a:solidFill>
+              </a:rPr>
               <a:t>Attributs :</a:t>
             </a:r>
           </a:p>
@@ -3911,17 +6122,25 @@
               <a:buNone/>
             </a:pPr>
             <a:r>
-              <a:rPr lang="fr-FR" sz="1600" dirty="0" err="1"/>
+              <a:rPr lang="fr-FR" sz="1600" dirty="0" err="1">
+                <a:solidFill>
+                  <a:schemeClr val="bg1"/>
+                </a:solidFill>
+              </a:rPr>
               <a:t>self.suit</a:t>
             </a:r>
             <a:r>
-              <a:rPr lang="fr-FR" sz="1600" dirty="0"/>
+              <a:rPr lang="fr-FR" sz="1600" dirty="0">
+                <a:solidFill>
+                  <a:schemeClr val="bg1"/>
+                </a:solidFill>
+              </a:rPr>
               <a:t> (</a:t>
             </a:r>
             <a:r>
               <a:rPr lang="en-US" sz="1100" b="0" i="0" dirty="0">
                 <a:solidFill>
-                  <a:srgbClr val="040C28"/>
+                  <a:schemeClr val="bg1"/>
                 </a:solidFill>
                 <a:effectLst/>
                 <a:latin typeface="Google Sans"/>
@@ -3929,69 +6148,164 @@
               <a:t>spade”, “club”, “heart” or “diamond”</a:t>
             </a:r>
             <a:r>
-              <a:rPr lang="fr-FR" sz="1600" dirty="0"/>
+              <a:rPr lang="fr-FR" sz="1600" dirty="0">
+                <a:solidFill>
+                  <a:schemeClr val="bg1"/>
+                </a:solidFill>
+              </a:rPr>
               <a:t>)</a:t>
             </a:r>
             <a:r>
-              <a:rPr lang="fr-FR" sz="1200" dirty="0"/>
+              <a:rPr lang="fr-FR" sz="1200" dirty="0">
+                <a:solidFill>
+                  <a:schemeClr val="bg1"/>
+                </a:solidFill>
+              </a:rPr>
               <a:t> </a:t>
             </a:r>
             <a:r>
-              <a:rPr lang="fr-FR" sz="1600" dirty="0"/>
+              <a:rPr lang="fr-FR" sz="1600" dirty="0">
+                <a:solidFill>
+                  <a:schemeClr val="bg1"/>
+                </a:solidFill>
+              </a:rPr>
               <a:t>: </a:t>
             </a:r>
             <a:r>
-              <a:rPr lang="fr-FR" sz="1600" dirty="0" err="1"/>
+              <a:rPr lang="fr-FR" sz="1600" dirty="0" err="1">
+                <a:solidFill>
+                  <a:schemeClr val="bg1"/>
+                </a:solidFill>
+              </a:rPr>
               <a:t>str</a:t>
             </a:r>
             <a:r>
-              <a:rPr lang="fr-FR" sz="1600" dirty="0"/>
+              <a:rPr lang="fr-FR" sz="1600" dirty="0">
+                <a:solidFill>
+                  <a:schemeClr val="bg1"/>
+                </a:solidFill>
+              </a:rPr>
               <a:t> 		 </a:t>
             </a:r>
             <a:r>
-              <a:rPr lang="fr-FR" sz="1200" dirty="0"/>
+              <a:rPr lang="fr-FR" sz="1200" dirty="0">
+                <a:solidFill>
+                  <a:schemeClr val="bg1"/>
+                </a:solidFill>
+              </a:rPr>
               <a:t>//pique </a:t>
             </a:r>
             <a:r>
-              <a:rPr lang="fr-FR" sz="1200" dirty="0" err="1"/>
+              <a:rPr lang="fr-FR" sz="1200" dirty="0" err="1">
+                <a:solidFill>
+                  <a:schemeClr val="bg1"/>
+                </a:solidFill>
+              </a:rPr>
               <a:t>trefle</a:t>
             </a:r>
             <a:r>
-              <a:rPr lang="fr-FR" sz="1200" dirty="0"/>
+              <a:rPr lang="fr-FR" sz="1200" dirty="0">
+                <a:solidFill>
+                  <a:schemeClr val="bg1"/>
+                </a:solidFill>
+              </a:rPr>
               <a:t> cœur carreau </a:t>
             </a:r>
-            <a:endParaRPr lang="fr-FR" sz="1600" dirty="0"/>
+            <a:endParaRPr lang="fr-FR" sz="1600" dirty="0">
+              <a:solidFill>
+                <a:schemeClr val="bg1"/>
+              </a:solidFill>
+            </a:endParaRPr>
           </a:p>
           <a:p>
             <a:pPr marL="0" indent="0">
               <a:buNone/>
             </a:pPr>
             <a:r>
-              <a:rPr lang="fr-FR" sz="1600" dirty="0" err="1"/>
+              <a:rPr lang="fr-FR" sz="1600" dirty="0" err="1">
+                <a:solidFill>
+                  <a:schemeClr val="bg1"/>
+                </a:solidFill>
+              </a:rPr>
               <a:t>self.rank</a:t>
             </a:r>
             <a:r>
-              <a:rPr lang="fr-FR" sz="1200" dirty="0"/>
+              <a:rPr lang="fr-FR" sz="1200" dirty="0">
+                <a:solidFill>
+                  <a:schemeClr val="bg1"/>
+                </a:solidFill>
+              </a:rPr>
               <a:t>(«ace,2,3,4,5,6,7,8,9,10,jack,queen,king  ») </a:t>
             </a:r>
             <a:r>
-              <a:rPr lang="fr-FR" sz="1600" dirty="0"/>
+              <a:rPr lang="fr-FR" sz="1600" dirty="0">
+                <a:solidFill>
+                  <a:schemeClr val="bg1"/>
+                </a:solidFill>
+              </a:rPr>
               <a:t> : </a:t>
             </a:r>
             <a:r>
-              <a:rPr lang="fr-FR" sz="1600" dirty="0" err="1"/>
+              <a:rPr lang="fr-FR" sz="1600" dirty="0" err="1">
+                <a:solidFill>
+                  <a:schemeClr val="bg1"/>
+                </a:solidFill>
+              </a:rPr>
               <a:t>str</a:t>
             </a:r>
-            <a:endParaRPr lang="fr-FR" sz="1600" dirty="0"/>
+            <a:endParaRPr lang="fr-FR" sz="1600" dirty="0">
+              <a:solidFill>
+                <a:schemeClr val="bg1"/>
+              </a:solidFill>
+            </a:endParaRPr>
           </a:p>
           <a:p>
             <a:pPr marL="0" indent="0">
               <a:buNone/>
             </a:pPr>
-            <a:endParaRPr lang="fr-FR" sz="1600" dirty="0"/>
-          </a:p>
-        </p:txBody>
-      </p:sp>
+            <a:endParaRPr lang="fr-FR" sz="1600" dirty="0">
+              <a:solidFill>
+                <a:schemeClr val="bg1"/>
+              </a:solidFill>
+            </a:endParaRPr>
+          </a:p>
+        </p:txBody>
+      </p:sp>
+      <p:pic>
+        <p:nvPicPr>
+          <p:cNvPr id="2" name="Espace réservé du contenu 12">
+            <a:extLst>
+              <a:ext uri="{FF2B5EF4-FFF2-40B4-BE49-F238E27FC236}">
+                <a16:creationId xmlns:a16="http://schemas.microsoft.com/office/drawing/2014/main" id="{C5600142-F286-F653-632E-4F4DCD82C0CE}"/>
+              </a:ext>
+            </a:extLst>
+          </p:cNvPr>
+          <p:cNvPicPr>
+            <a:picLocks noChangeAspect="1"/>
+          </p:cNvPicPr>
+          <p:nvPr/>
+        </p:nvPicPr>
+        <p:blipFill rotWithShape="1">
+          <a:blip r:embed="rId3">
+            <a:extLst>
+              <a:ext uri="{28A0092B-C50C-407E-A947-70E740481C1C}">
+                <a14:useLocalDpi xmlns:a14="http://schemas.microsoft.com/office/drawing/2010/main" val="0"/>
+              </a:ext>
+            </a:extLst>
+          </a:blip>
+          <a:srcRect r="18494"/>
+          <a:stretch/>
+        </p:blipFill>
+        <p:spPr>
+          <a:xfrm>
+            <a:off x="10963473" y="5916271"/>
+            <a:ext cx="1228527" cy="844074"/>
+          </a:xfrm>
+          <a:prstGeom prst="rect">
+            <a:avLst/>
+          </a:prstGeom>
+        </p:spPr>
+      </p:pic>
     </p:spTree>
     <p:extLst>
       <p:ext uri="{BB962C8B-B14F-4D97-AF65-F5344CB8AC3E}">
@@ -4022,12 +6336,48 @@
           <a:chExt cx="0" cy="0"/>
         </a:xfrm>
       </p:grpSpPr>
+      <p:pic>
+        <p:nvPicPr>
+          <p:cNvPr id="5" name="Image 4">
+            <a:extLst>
+              <a:ext uri="{FF2B5EF4-FFF2-40B4-BE49-F238E27FC236}">
+                <a16:creationId xmlns:a16="http://schemas.microsoft.com/office/drawing/2014/main" id="{F335FD82-761D-EC86-10AD-7C17740C2CDB}"/>
+              </a:ext>
+            </a:extLst>
+          </p:cNvPr>
+          <p:cNvPicPr>
+            <a:picLocks noChangeAspect="1"/>
+          </p:cNvPicPr>
+          <p:nvPr/>
+        </p:nvPicPr>
+        <p:blipFill>
+          <a:blip r:embed="rId2">
+            <a:extLst>
+              <a:ext uri="{28A0092B-C50C-407E-A947-70E740481C1C}">
+                <a14:useLocalDpi xmlns:a14="http://schemas.microsoft.com/office/drawing/2010/main" val="0"/>
+              </a:ext>
+            </a:extLst>
+          </a:blip>
+          <a:stretch>
+            <a:fillRect/>
+          </a:stretch>
+        </p:blipFill>
+        <p:spPr>
+          <a:xfrm>
+            <a:off x="-27214" y="-97655"/>
+            <a:ext cx="12331664" cy="7053309"/>
+          </a:xfrm>
+          <a:prstGeom prst="rect">
+            <a:avLst/>
+          </a:prstGeom>
+        </p:spPr>
+      </p:pic>
       <p:sp>
         <p:nvSpPr>
           <p:cNvPr id="3" name="Espace réservé du contenu 2">
             <a:extLst>
               <a:ext uri="{FF2B5EF4-FFF2-40B4-BE49-F238E27FC236}">
-                <a16:creationId xmlns:a16="http://schemas.microsoft.com/office/drawing/2014/main" id="{483B8BF8-EC2B-FBF2-6E50-0B1D17D14A7F}"/>
+                <a16:creationId xmlns:a16="http://schemas.microsoft.com/office/drawing/2014/main" id="{C070DAF9-7446-511D-BB8D-1DF93EE6AA45}"/>
               </a:ext>
             </a:extLst>
           </p:cNvPr>
@@ -4040,7 +6390,7 @@
         </p:nvSpPr>
         <p:spPr>
           <a:xfrm>
-            <a:off x="767178" y="396320"/>
+            <a:off x="838200" y="272032"/>
             <a:ext cx="10515600" cy="4351338"/>
           </a:xfrm>
         </p:spPr>
@@ -4051,8 +6401,12 @@
           <a:lstStyle/>
           <a:p>
             <a:r>
-              <a:rPr lang="fr-FR" sz="1600" u="sng" dirty="0"/>
-              <a:t>Class Deck :</a:t>
+              <a:rPr lang="fr-FR" sz="1600" u="sng" dirty="0">
+                <a:solidFill>
+                  <a:schemeClr val="bg1"/>
+                </a:solidFill>
+              </a:rPr>
+              <a:t>Class Hand :</a:t>
             </a:r>
           </a:p>
           <a:p>
@@ -4060,7 +6414,11 @@
               <a:buNone/>
             </a:pPr>
             <a:r>
-              <a:rPr lang="fr-FR" sz="1600" u="sng" dirty="0"/>
+              <a:rPr lang="fr-FR" sz="1600" u="sng" dirty="0">
+                <a:solidFill>
+                  <a:schemeClr val="bg1"/>
+                </a:solidFill>
+              </a:rPr>
               <a:t>Attributs :</a:t>
             </a:r>
           </a:p>
@@ -4069,27 +6427,51 @@
               <a:buNone/>
             </a:pPr>
             <a:r>
-              <a:rPr lang="fr-FR" sz="1600" dirty="0" err="1"/>
-              <a:t>self.deck</a:t>
-            </a:r>
-            <a:r>
-              <a:rPr lang="fr-FR" sz="1600" dirty="0"/>
+              <a:rPr lang="fr-FR" sz="1600" dirty="0" err="1">
+                <a:solidFill>
+                  <a:schemeClr val="bg1"/>
+                </a:solidFill>
+              </a:rPr>
+              <a:t>self.hand</a:t>
+            </a:r>
+            <a:r>
+              <a:rPr lang="fr-FR" sz="1600" dirty="0">
+                <a:solidFill>
+                  <a:schemeClr val="bg1"/>
+                </a:solidFill>
+              </a:rPr>
               <a:t> : </a:t>
             </a:r>
             <a:r>
-              <a:rPr lang="fr-FR" sz="1600" dirty="0" err="1"/>
+              <a:rPr lang="fr-FR" sz="1600" dirty="0" err="1">
+                <a:solidFill>
+                  <a:schemeClr val="bg1"/>
+                </a:solidFill>
+              </a:rPr>
               <a:t>list</a:t>
             </a:r>
             <a:r>
-              <a:rPr lang="fr-FR" sz="1600" dirty="0"/>
+              <a:rPr lang="fr-FR" sz="1600" dirty="0">
+                <a:solidFill>
+                  <a:schemeClr val="bg1"/>
+                </a:solidFill>
+              </a:rPr>
               <a:t>[</a:t>
             </a:r>
             <a:r>
-              <a:rPr lang="fr-FR" sz="1600" dirty="0" err="1"/>
+              <a:rPr lang="fr-FR" sz="1600" dirty="0" err="1">
+                <a:solidFill>
+                  <a:schemeClr val="bg1"/>
+                </a:solidFill>
+              </a:rPr>
               <a:t>Card</a:t>
             </a:r>
             <a:r>
-              <a:rPr lang="fr-FR" sz="1600" dirty="0"/>
+              <a:rPr lang="fr-FR" sz="1600" dirty="0">
+                <a:solidFill>
+                  <a:schemeClr val="bg1"/>
+                </a:solidFill>
+              </a:rPr>
               <a:t>]</a:t>
             </a:r>
           </a:p>
@@ -4097,97 +6479,334 @@
             <a:pPr marL="0" indent="0">
               <a:buNone/>
             </a:pPr>
-            <a:endParaRPr lang="fr-FR" sz="1600" dirty="0"/>
+            <a:endParaRPr lang="fr-FR" sz="1600" dirty="0">
+              <a:solidFill>
+                <a:schemeClr val="bg1"/>
+              </a:solidFill>
+            </a:endParaRPr>
           </a:p>
           <a:p>
             <a:pPr marL="0" indent="0">
               <a:buNone/>
             </a:pPr>
-            <a:endParaRPr lang="fr-FR" sz="1600" dirty="0"/>
+            <a:r>
+              <a:rPr lang="fr-FR" sz="1600" u="sng" dirty="0">
+                <a:solidFill>
+                  <a:schemeClr val="bg1"/>
+                </a:solidFill>
+              </a:rPr>
+              <a:t>Méthodes :</a:t>
+            </a:r>
           </a:p>
           <a:p>
             <a:pPr marL="0" indent="0">
               <a:buNone/>
             </a:pPr>
             <a:r>
-              <a:rPr lang="fr-FR" sz="1600" u="sng" dirty="0" err="1"/>
-              <a:t>Methodes</a:t>
-            </a:r>
-            <a:r>
-              <a:rPr lang="fr-FR" sz="1600" u="sng" dirty="0"/>
-              <a:t> :</a:t>
-            </a:r>
+              <a:rPr lang="fr-FR" sz="1600" dirty="0" err="1">
+                <a:solidFill>
+                  <a:schemeClr val="bg1"/>
+                </a:solidFill>
+              </a:rPr>
+              <a:t>add_card</a:t>
+            </a:r>
+            <a:r>
+              <a:rPr lang="fr-FR" sz="1600" dirty="0">
+                <a:solidFill>
+                  <a:schemeClr val="bg1"/>
+                </a:solidFill>
+              </a:rPr>
+              <a:t>(</a:t>
+            </a:r>
+            <a:r>
+              <a:rPr lang="fr-FR" sz="1600" dirty="0" err="1">
+                <a:solidFill>
+                  <a:schemeClr val="bg1"/>
+                </a:solidFill>
+              </a:rPr>
+              <a:t>card</a:t>
+            </a:r>
+            <a:r>
+              <a:rPr lang="fr-FR" sz="1600" dirty="0">
+                <a:solidFill>
+                  <a:schemeClr val="bg1"/>
+                </a:solidFill>
+              </a:rPr>
+              <a:t> : </a:t>
+            </a:r>
+            <a:r>
+              <a:rPr lang="fr-FR" sz="1600" dirty="0" err="1">
+                <a:solidFill>
+                  <a:schemeClr val="bg1"/>
+                </a:solidFill>
+              </a:rPr>
+              <a:t>Card</a:t>
+            </a:r>
+            <a:r>
+              <a:rPr lang="fr-FR" sz="1600" dirty="0">
+                <a:solidFill>
+                  <a:schemeClr val="bg1"/>
+                </a:solidFill>
+              </a:rPr>
+              <a:t>) &gt; </a:t>
+            </a:r>
+            <a:r>
+              <a:rPr lang="fr-FR" sz="1600" dirty="0" err="1">
+                <a:solidFill>
+                  <a:schemeClr val="bg1"/>
+                </a:solidFill>
+              </a:rPr>
+              <a:t>void</a:t>
+            </a:r>
+            <a:endParaRPr lang="fr-FR" sz="1600" dirty="0">
+              <a:solidFill>
+                <a:schemeClr val="bg1"/>
+              </a:solidFill>
+            </a:endParaRPr>
           </a:p>
           <a:p>
             <a:pPr marL="0" indent="0">
               <a:buNone/>
             </a:pPr>
             <a:r>
-              <a:rPr lang="fr-FR" sz="1600" dirty="0"/>
-              <a:t>__init__()</a:t>
-            </a:r>
+              <a:rPr lang="fr-FR" sz="1600" dirty="0" err="1">
+                <a:solidFill>
+                  <a:schemeClr val="bg1"/>
+                </a:solidFill>
+              </a:rPr>
+              <a:t>remove_card</a:t>
+            </a:r>
+            <a:r>
+              <a:rPr lang="fr-FR" sz="1600" dirty="0">
+                <a:solidFill>
+                  <a:schemeClr val="bg1"/>
+                </a:solidFill>
+              </a:rPr>
+              <a:t>(</a:t>
+            </a:r>
+            <a:r>
+              <a:rPr lang="fr-FR" sz="1600" dirty="0" err="1">
+                <a:solidFill>
+                  <a:schemeClr val="bg1"/>
+                </a:solidFill>
+              </a:rPr>
+              <a:t>card</a:t>
+            </a:r>
+            <a:r>
+              <a:rPr lang="fr-FR" sz="1600" dirty="0">
+                <a:solidFill>
+                  <a:schemeClr val="bg1"/>
+                </a:solidFill>
+              </a:rPr>
+              <a:t> : </a:t>
+            </a:r>
+            <a:r>
+              <a:rPr lang="fr-FR" sz="1600" dirty="0" err="1">
+                <a:solidFill>
+                  <a:schemeClr val="bg1"/>
+                </a:solidFill>
+              </a:rPr>
+              <a:t>Card</a:t>
+            </a:r>
+            <a:r>
+              <a:rPr lang="fr-FR" sz="1600" dirty="0">
+                <a:solidFill>
+                  <a:schemeClr val="bg1"/>
+                </a:solidFill>
+              </a:rPr>
+              <a:t>) &gt; </a:t>
+            </a:r>
+            <a:r>
+              <a:rPr lang="fr-FR" sz="1600" dirty="0" err="1">
+                <a:solidFill>
+                  <a:schemeClr val="bg1"/>
+                </a:solidFill>
+              </a:rPr>
+              <a:t>bool</a:t>
+            </a:r>
+            <a:endParaRPr lang="fr-FR" sz="1600" dirty="0">
+              <a:solidFill>
+                <a:schemeClr val="bg1"/>
+              </a:solidFill>
+            </a:endParaRPr>
           </a:p>
           <a:p>
             <a:pPr marL="0" indent="0">
               <a:buNone/>
             </a:pPr>
             <a:r>
-              <a:rPr lang="fr-FR" sz="1600" dirty="0"/>
+              <a:rPr lang="fr-FR" sz="1600" dirty="0" err="1">
+                <a:solidFill>
+                  <a:schemeClr val="bg1"/>
+                </a:solidFill>
+              </a:rPr>
+              <a:t>remove_card_by_id</a:t>
+            </a:r>
+            <a:r>
+              <a:rPr lang="fr-FR" sz="1600" dirty="0">
+                <a:solidFill>
+                  <a:schemeClr val="bg1"/>
+                </a:solidFill>
+              </a:rPr>
+              <a:t>(index : </a:t>
+            </a:r>
+            <a:r>
+              <a:rPr lang="fr-FR" sz="1600" dirty="0" err="1">
+                <a:solidFill>
+                  <a:schemeClr val="bg1"/>
+                </a:solidFill>
+              </a:rPr>
+              <a:t>int</a:t>
+            </a:r>
+            <a:r>
+              <a:rPr lang="fr-FR" sz="1600" dirty="0">
+                <a:solidFill>
+                  <a:schemeClr val="bg1"/>
+                </a:solidFill>
+              </a:rPr>
+              <a:t>) &gt; </a:t>
+            </a:r>
+            <a:r>
+              <a:rPr lang="fr-FR" sz="1600" dirty="0" err="1">
+                <a:solidFill>
+                  <a:schemeClr val="bg1"/>
+                </a:solidFill>
+              </a:rPr>
+              <a:t>bool</a:t>
+            </a:r>
+            <a:endParaRPr lang="fr-FR" sz="1600" dirty="0">
+              <a:solidFill>
+                <a:schemeClr val="bg1"/>
+              </a:solidFill>
+            </a:endParaRPr>
+          </a:p>
+          <a:p>
+            <a:pPr marL="0" indent="0">
+              <a:buNone/>
+            </a:pPr>
+            <a:r>
+              <a:rPr lang="fr-FR" sz="1600" dirty="0" err="1">
+                <a:solidFill>
+                  <a:schemeClr val="bg1"/>
+                </a:solidFill>
+              </a:rPr>
+              <a:t>clear_hand</a:t>
+            </a:r>
+            <a:r>
+              <a:rPr lang="fr-FR" sz="1600" dirty="0">
+                <a:solidFill>
+                  <a:schemeClr val="bg1"/>
+                </a:solidFill>
+              </a:rPr>
+              <a:t>() &gt; </a:t>
+            </a:r>
+            <a:r>
+              <a:rPr lang="fr-FR" sz="1600" dirty="0" err="1">
+                <a:solidFill>
+                  <a:schemeClr val="bg1"/>
+                </a:solidFill>
+              </a:rPr>
+              <a:t>void</a:t>
+            </a:r>
+            <a:endParaRPr lang="fr-FR" sz="1600" dirty="0">
+              <a:solidFill>
+                <a:schemeClr val="bg1"/>
+              </a:solidFill>
+            </a:endParaRPr>
+          </a:p>
+          <a:p>
+            <a:pPr marL="0" indent="0">
+              <a:buNone/>
+            </a:pPr>
+            <a:r>
+              <a:rPr lang="fr-FR" sz="1600" dirty="0">
+                <a:solidFill>
+                  <a:schemeClr val="bg1"/>
+                </a:solidFill>
+              </a:rPr>
               <a:t>__</a:t>
             </a:r>
             <a:r>
-              <a:rPr lang="fr-FR" sz="1600" dirty="0" err="1"/>
+              <a:rPr lang="fr-FR" sz="1600" dirty="0" err="1">
+                <a:solidFill>
+                  <a:schemeClr val="bg1"/>
+                </a:solidFill>
+              </a:rPr>
               <a:t>str</a:t>
             </a:r>
             <a:r>
-              <a:rPr lang="fr-FR" sz="1600" dirty="0"/>
-              <a:t>__()</a:t>
-            </a:r>
+              <a:rPr lang="fr-FR" sz="1600" dirty="0">
+                <a:solidFill>
+                  <a:schemeClr val="bg1"/>
+                </a:solidFill>
+              </a:rPr>
+              <a:t>__() &gt; </a:t>
+            </a:r>
+            <a:r>
+              <a:rPr lang="fr-FR" sz="1600" dirty="0" err="1">
+                <a:solidFill>
+                  <a:schemeClr val="bg1"/>
+                </a:solidFill>
+              </a:rPr>
+              <a:t>str</a:t>
+            </a:r>
+            <a:endParaRPr lang="fr-FR" sz="1600" dirty="0">
+              <a:solidFill>
+                <a:schemeClr val="bg1"/>
+              </a:solidFill>
+            </a:endParaRPr>
           </a:p>
           <a:p>
             <a:pPr marL="0" indent="0">
               <a:buNone/>
             </a:pPr>
-            <a:r>
-              <a:rPr lang="fr-FR" sz="1600" dirty="0" err="1"/>
-              <a:t>self.shuffle</a:t>
-            </a:r>
-            <a:r>
-              <a:rPr lang="fr-FR" sz="1600" dirty="0"/>
-              <a:t>()</a:t>
-            </a:r>
-          </a:p>
-          <a:p>
-            <a:pPr marL="0" indent="0">
-              <a:buNone/>
-            </a:pPr>
-            <a:r>
-              <a:rPr lang="fr-FR" sz="1600" dirty="0" err="1"/>
-              <a:t>self.draw</a:t>
-            </a:r>
-            <a:r>
-              <a:rPr lang="fr-FR" sz="1600" dirty="0"/>
-              <a:t>()</a:t>
-            </a:r>
-          </a:p>
-          <a:p>
-            <a:pPr marL="0" indent="0">
-              <a:buNone/>
-            </a:pPr>
-            <a:endParaRPr lang="fr-FR" sz="1600" u="sng" dirty="0"/>
-          </a:p>
-          <a:p>
-            <a:pPr marL="0" indent="0">
-              <a:buNone/>
-            </a:pPr>
-            <a:endParaRPr lang="fr-FR" sz="1600" u="sng" dirty="0"/>
-          </a:p>
-        </p:txBody>
-      </p:sp>
+            <a:endParaRPr lang="fr-FR" sz="1600" dirty="0">
+              <a:solidFill>
+                <a:schemeClr val="bg1"/>
+              </a:solidFill>
+            </a:endParaRPr>
+          </a:p>
+        </p:txBody>
+      </p:sp>
+      <p:pic>
+        <p:nvPicPr>
+          <p:cNvPr id="4" name="Espace réservé du contenu 12">
+            <a:extLst>
+              <a:ext uri="{FF2B5EF4-FFF2-40B4-BE49-F238E27FC236}">
+                <a16:creationId xmlns:a16="http://schemas.microsoft.com/office/drawing/2014/main" id="{9022735C-C6D8-0DF8-CB35-04135F47B605}"/>
+              </a:ext>
+            </a:extLst>
+          </p:cNvPr>
+          <p:cNvPicPr>
+            <a:picLocks noChangeAspect="1"/>
+          </p:cNvPicPr>
+          <p:nvPr/>
+        </p:nvPicPr>
+        <p:blipFill rotWithShape="1">
+          <a:blip r:embed="rId3">
+            <a:extLst>
+              <a:ext uri="{28A0092B-C50C-407E-A947-70E740481C1C}">
+                <a14:useLocalDpi xmlns:a14="http://schemas.microsoft.com/office/drawing/2010/main" val="0"/>
+              </a:ext>
+            </a:extLst>
+          </a:blip>
+          <a:srcRect r="18494"/>
+          <a:stretch/>
+        </p:blipFill>
+        <p:spPr>
+          <a:xfrm>
+            <a:off x="10963473" y="5916271"/>
+            <a:ext cx="1228527" cy="844074"/>
+          </a:xfrm>
+          <a:prstGeom prst="rect">
+            <a:avLst/>
+          </a:prstGeom>
+        </p:spPr>
+      </p:pic>
     </p:spTree>
     <p:extLst>
       <p:ext uri="{BB962C8B-B14F-4D97-AF65-F5344CB8AC3E}">
-        <p14:creationId xmlns:p14="http://schemas.microsoft.com/office/powerpoint/2010/main" val="3462411619"/>
+        <p14:creationId xmlns:p14="http://schemas.microsoft.com/office/powerpoint/2010/main" val="1939724297"/>
       </p:ext>
     </p:extLst>
   </p:cSld>
@@ -4214,12 +6833,48 @@
           <a:chExt cx="0" cy="0"/>
         </a:xfrm>
       </p:grpSpPr>
+      <p:pic>
+        <p:nvPicPr>
+          <p:cNvPr id="4" name="Image 3">
+            <a:extLst>
+              <a:ext uri="{FF2B5EF4-FFF2-40B4-BE49-F238E27FC236}">
+                <a16:creationId xmlns:a16="http://schemas.microsoft.com/office/drawing/2014/main" id="{7E52CE87-07AD-84F1-4E7A-A500201724F5}"/>
+              </a:ext>
+            </a:extLst>
+          </p:cNvPr>
+          <p:cNvPicPr>
+            <a:picLocks noChangeAspect="1"/>
+          </p:cNvPicPr>
+          <p:nvPr/>
+        </p:nvPicPr>
+        <p:blipFill>
+          <a:blip r:embed="rId2">
+            <a:extLst>
+              <a:ext uri="{28A0092B-C50C-407E-A947-70E740481C1C}">
+                <a14:useLocalDpi xmlns:a14="http://schemas.microsoft.com/office/drawing/2010/main" val="0"/>
+              </a:ext>
+            </a:extLst>
+          </a:blip>
+          <a:stretch>
+            <a:fillRect/>
+          </a:stretch>
+        </p:blipFill>
+        <p:spPr>
+          <a:xfrm>
+            <a:off x="-27214" y="-106532"/>
+            <a:ext cx="12246428" cy="7057748"/>
+          </a:xfrm>
+          <a:prstGeom prst="rect">
+            <a:avLst/>
+          </a:prstGeom>
+        </p:spPr>
+      </p:pic>
       <p:sp>
         <p:nvSpPr>
           <p:cNvPr id="3" name="Espace réservé du contenu 2">
             <a:extLst>
               <a:ext uri="{FF2B5EF4-FFF2-40B4-BE49-F238E27FC236}">
-                <a16:creationId xmlns:a16="http://schemas.microsoft.com/office/drawing/2014/main" id="{3EA9A80A-D63D-B11D-F5DD-77DC9E69E1DB}"/>
+                <a16:creationId xmlns:a16="http://schemas.microsoft.com/office/drawing/2014/main" id="{483B8BF8-EC2B-FBF2-6E50-0B1D17D14A7F}"/>
               </a:ext>
             </a:extLst>
           </p:cNvPr>
@@ -4232,7 +6887,7 @@
         </p:nvSpPr>
         <p:spPr>
           <a:xfrm>
-            <a:off x="669524" y="591629"/>
+            <a:off x="767178" y="396320"/>
             <a:ext cx="10515600" cy="4351338"/>
           </a:xfrm>
         </p:spPr>
@@ -4243,8 +6898,12 @@
           <a:lstStyle/>
           <a:p>
             <a:r>
-              <a:rPr lang="fr-FR" sz="1600" u="sng" dirty="0"/>
-              <a:t>Fonctions</a:t>
+              <a:rPr lang="fr-FR" sz="1600" u="sng" dirty="0">
+                <a:solidFill>
+                  <a:schemeClr val="bg1"/>
+                </a:solidFill>
+              </a:rPr>
+              <a:t>Class Deck :</a:t>
             </a:r>
           </a:p>
           <a:p>
@@ -4252,68 +6911,148 @@
               <a:buNone/>
             </a:pPr>
             <a:r>
-              <a:rPr lang="fr-FR" sz="1600" dirty="0"/>
-              <a:t>main() &gt; </a:t>
-            </a:r>
-            <a:r>
-              <a:rPr lang="fr-FR" sz="1600" dirty="0" err="1"/>
-              <a:t>void</a:t>
-            </a:r>
-            <a:endParaRPr lang="fr-FR" sz="1600" dirty="0"/>
+              <a:rPr lang="fr-FR" sz="1600" u="sng" dirty="0">
+                <a:solidFill>
+                  <a:schemeClr val="bg1"/>
+                </a:solidFill>
+              </a:rPr>
+              <a:t>Attributs :</a:t>
+            </a:r>
           </a:p>
           <a:p>
             <a:pPr marL="0" indent="0">
               <a:buNone/>
             </a:pPr>
             <a:r>
-              <a:rPr lang="fr-FR" sz="1600" dirty="0" err="1"/>
-              <a:t>Is_lobby_full</a:t>
-            </a:r>
-            <a:r>
-              <a:rPr lang="fr-FR" sz="1600" dirty="0"/>
-              <a:t>() &gt; </a:t>
-            </a:r>
-            <a:r>
-              <a:rPr lang="fr-FR" sz="1600" dirty="0" err="1"/>
-              <a:t>bool</a:t>
-            </a:r>
-            <a:endParaRPr lang="fr-FR" sz="1600" dirty="0"/>
+              <a:rPr lang="fr-FR" sz="1600" dirty="0" err="1">
+                <a:solidFill>
+                  <a:schemeClr val="bg1"/>
+                </a:solidFill>
+              </a:rPr>
+              <a:t>self.deck</a:t>
+            </a:r>
+            <a:r>
+              <a:rPr lang="fr-FR" sz="1600" dirty="0">
+                <a:solidFill>
+                  <a:schemeClr val="bg1"/>
+                </a:solidFill>
+              </a:rPr>
+              <a:t> : </a:t>
+            </a:r>
+            <a:r>
+              <a:rPr lang="fr-FR" sz="1600" dirty="0" err="1">
+                <a:solidFill>
+                  <a:schemeClr val="bg1"/>
+                </a:solidFill>
+              </a:rPr>
+              <a:t>list</a:t>
+            </a:r>
+            <a:r>
+              <a:rPr lang="fr-FR" sz="1600" dirty="0">
+                <a:solidFill>
+                  <a:schemeClr val="bg1"/>
+                </a:solidFill>
+              </a:rPr>
+              <a:t>[</a:t>
+            </a:r>
+            <a:r>
+              <a:rPr lang="fr-FR" sz="1600" dirty="0" err="1">
+                <a:solidFill>
+                  <a:schemeClr val="bg1"/>
+                </a:solidFill>
+              </a:rPr>
+              <a:t>Card</a:t>
+            </a:r>
+            <a:r>
+              <a:rPr lang="fr-FR" sz="1600" dirty="0">
+                <a:solidFill>
+                  <a:schemeClr val="bg1"/>
+                </a:solidFill>
+              </a:rPr>
+              <a:t>]</a:t>
+            </a:r>
           </a:p>
           <a:p>
             <a:pPr marL="0" indent="0">
               <a:buNone/>
             </a:pPr>
-            <a:r>
-              <a:rPr lang="fr-FR" sz="1600" dirty="0" err="1"/>
-              <a:t>separe_entete</a:t>
-            </a:r>
-            <a:r>
-              <a:rPr lang="fr-FR" sz="1600" dirty="0"/>
-              <a:t>(</a:t>
-            </a:r>
-            <a:r>
-              <a:rPr lang="fr-FR" sz="1600" dirty="0" err="1"/>
-              <a:t>packet</a:t>
-            </a:r>
-            <a:r>
-              <a:rPr lang="fr-FR" sz="1600" dirty="0"/>
-              <a:t> : </a:t>
-            </a:r>
-            <a:r>
-              <a:rPr lang="fr-FR" sz="1600" dirty="0" err="1"/>
+            <a:endParaRPr lang="fr-FR" sz="1600" dirty="0">
+              <a:solidFill>
+                <a:schemeClr val="bg1"/>
+              </a:solidFill>
+            </a:endParaRPr>
+          </a:p>
+          <a:p>
+            <a:pPr marL="0" indent="0">
+              <a:buNone/>
+            </a:pPr>
+            <a:endParaRPr lang="fr-FR" sz="1600" dirty="0">
+              <a:solidFill>
+                <a:schemeClr val="bg1"/>
+              </a:solidFill>
+            </a:endParaRPr>
+          </a:p>
+          <a:p>
+            <a:pPr marL="0" indent="0">
+              <a:buNone/>
+            </a:pPr>
+            <a:r>
+              <a:rPr lang="fr-FR" sz="1600" u="sng" dirty="0" err="1">
+                <a:solidFill>
+                  <a:schemeClr val="bg1"/>
+                </a:solidFill>
+              </a:rPr>
+              <a:t>Methodes</a:t>
+            </a:r>
+            <a:r>
+              <a:rPr lang="fr-FR" sz="1600" u="sng" dirty="0">
+                <a:solidFill>
+                  <a:schemeClr val="bg1"/>
+                </a:solidFill>
+              </a:rPr>
+              <a:t> :</a:t>
+            </a:r>
+          </a:p>
+          <a:p>
+            <a:pPr marL="0" indent="0">
+              <a:buNone/>
+            </a:pPr>
+            <a:r>
+              <a:rPr lang="fr-FR" sz="1600" dirty="0">
+                <a:solidFill>
+                  <a:schemeClr val="bg1"/>
+                </a:solidFill>
+              </a:rPr>
+              <a:t>__init__()</a:t>
+            </a:r>
+          </a:p>
+          <a:p>
+            <a:pPr marL="0" indent="0">
+              <a:buNone/>
+            </a:pPr>
+            <a:r>
+              <a:rPr lang="fr-FR" sz="1600" dirty="0">
+                <a:solidFill>
+                  <a:schemeClr val="bg1"/>
+                </a:solidFill>
+              </a:rPr>
+              <a:t>__</a:t>
+            </a:r>
+            <a:r>
+              <a:rPr lang="fr-FR" sz="1600" dirty="0" err="1">
+                <a:solidFill>
+                  <a:schemeClr val="bg1"/>
+                </a:solidFill>
+              </a:rPr>
               <a:t>str</a:t>
             </a:r>
             <a:r>
-              <a:rPr lang="fr-FR" sz="1600" dirty="0"/>
-              <a:t>) &gt; tuple (</a:t>
-            </a:r>
-            <a:r>
-              <a:rPr lang="fr-FR" sz="1600" dirty="0" err="1"/>
-              <a:t>entete,args</a:t>
-            </a:r>
-            <a:r>
-              <a:rPr lang="fr-FR" sz="1600" dirty="0"/>
-              <a:t>)</a:t>
+              <a:rPr lang="fr-FR" sz="1600" dirty="0">
+                <a:solidFill>
+                  <a:schemeClr val="bg1"/>
+                </a:solidFill>
+              </a:rPr>
+              <a:t>__()</a:t>
             </a:r>
           </a:p>
           <a:p>
@@ -4321,224 +7060,104 @@
               <a:buNone/>
             </a:pPr>
             <a:r>
-              <a:rPr lang="fr-FR" sz="1600" dirty="0" err="1"/>
-              <a:t>start_game</a:t>
-            </a:r>
-            <a:r>
-              <a:rPr lang="fr-FR" sz="1600" dirty="0"/>
-              <a:t>(</a:t>
-            </a:r>
-            <a:r>
-              <a:rPr lang="fr-FR" sz="1600" dirty="0" err="1"/>
-              <a:t>players</a:t>
-            </a:r>
-            <a:r>
-              <a:rPr lang="fr-FR" sz="1600" dirty="0"/>
-              <a:t> : </a:t>
-            </a:r>
-            <a:r>
-              <a:rPr lang="fr-FR" sz="1600" dirty="0" err="1"/>
-              <a:t>list</a:t>
-            </a:r>
-            <a:r>
-              <a:rPr lang="fr-FR" sz="1600" dirty="0"/>
-              <a:t>) &gt; </a:t>
-            </a:r>
-            <a:r>
-              <a:rPr lang="fr-FR" sz="1600" dirty="0" err="1"/>
-              <a:t>void</a:t>
-            </a:r>
-            <a:endParaRPr lang="fr-FR" sz="1600" dirty="0"/>
+              <a:rPr lang="fr-FR" sz="1600" dirty="0" err="1">
+                <a:solidFill>
+                  <a:schemeClr val="bg1"/>
+                </a:solidFill>
+              </a:rPr>
+              <a:t>self.shuffle</a:t>
+            </a:r>
+            <a:r>
+              <a:rPr lang="fr-FR" sz="1600" dirty="0">
+                <a:solidFill>
+                  <a:schemeClr val="bg1"/>
+                </a:solidFill>
+              </a:rPr>
+              <a:t>()</a:t>
+            </a:r>
           </a:p>
           <a:p>
             <a:pPr marL="0" indent="0">
               <a:buNone/>
             </a:pPr>
             <a:r>
-              <a:rPr lang="fr-FR" sz="1600" dirty="0" err="1"/>
-              <a:t>send_packet</a:t>
-            </a:r>
-            <a:r>
-              <a:rPr lang="fr-FR" sz="1600" dirty="0"/>
-              <a:t>(</a:t>
-            </a:r>
-            <a:r>
-              <a:rPr lang="fr-FR" sz="1600" dirty="0" err="1"/>
-              <a:t>packet</a:t>
-            </a:r>
-            <a:r>
-              <a:rPr lang="fr-FR" sz="1600" dirty="0"/>
-              <a:t> : </a:t>
-            </a:r>
-            <a:r>
-              <a:rPr lang="fr-FR" sz="1600" dirty="0" err="1"/>
-              <a:t>str</a:t>
-            </a:r>
-            <a:r>
-              <a:rPr lang="fr-FR" sz="1600" dirty="0"/>
-              <a:t>, </a:t>
-            </a:r>
-            <a:r>
-              <a:rPr lang="fr-FR" sz="1600" dirty="0" err="1"/>
-              <a:t>player</a:t>
-            </a:r>
-            <a:r>
-              <a:rPr lang="fr-FR" sz="1600" dirty="0"/>
-              <a:t> : Player) &gt; </a:t>
-            </a:r>
-            <a:r>
-              <a:rPr lang="fr-FR" sz="1600" dirty="0" err="1"/>
-              <a:t>void</a:t>
-            </a:r>
-            <a:endParaRPr lang="fr-FR" sz="1600" dirty="0"/>
+              <a:rPr lang="fr-FR" sz="1600" dirty="0" err="1">
+                <a:solidFill>
+                  <a:schemeClr val="bg1"/>
+                </a:solidFill>
+              </a:rPr>
+              <a:t>self.draw</a:t>
+            </a:r>
+            <a:r>
+              <a:rPr lang="fr-FR" sz="1600" dirty="0">
+                <a:solidFill>
+                  <a:schemeClr val="bg1"/>
+                </a:solidFill>
+              </a:rPr>
+              <a:t>()</a:t>
+            </a:r>
           </a:p>
           <a:p>
             <a:pPr marL="0" indent="0">
               <a:buNone/>
             </a:pPr>
-            <a:r>
-              <a:rPr lang="fr-FR" sz="1600" dirty="0" err="1"/>
-              <a:t>recieve_packet</a:t>
-            </a:r>
-            <a:r>
-              <a:rPr lang="fr-FR" sz="1600" dirty="0"/>
-              <a:t>(</a:t>
-            </a:r>
-            <a:r>
-              <a:rPr lang="fr-FR" sz="1600" dirty="0" err="1"/>
-              <a:t>player</a:t>
-            </a:r>
-            <a:r>
-              <a:rPr lang="fr-FR" sz="1600" dirty="0"/>
-              <a:t> : Player)&gt;</a:t>
-            </a:r>
-            <a:r>
-              <a:rPr lang="fr-FR" sz="1600" dirty="0" err="1"/>
-              <a:t>void</a:t>
-            </a:r>
-            <a:endParaRPr lang="fr-FR" sz="1600" dirty="0"/>
+            <a:endParaRPr lang="fr-FR" sz="1600" u="sng" dirty="0">
+              <a:solidFill>
+                <a:schemeClr val="bg1"/>
+              </a:solidFill>
+            </a:endParaRPr>
           </a:p>
           <a:p>
             <a:pPr marL="0" indent="0">
               <a:buNone/>
             </a:pPr>
-            <a:r>
-              <a:rPr lang="fr-FR" sz="1600" dirty="0" err="1"/>
-              <a:t>manage_packet</a:t>
-            </a:r>
-            <a:r>
-              <a:rPr lang="fr-FR" sz="1600" dirty="0"/>
-              <a:t>(</a:t>
-            </a:r>
-            <a:r>
-              <a:rPr lang="fr-FR" sz="1600" dirty="0" err="1"/>
-              <a:t>packet</a:t>
-            </a:r>
-            <a:r>
-              <a:rPr lang="fr-FR" sz="1600" dirty="0"/>
-              <a:t> : </a:t>
-            </a:r>
-            <a:r>
-              <a:rPr lang="fr-FR" sz="1600" dirty="0" err="1"/>
-              <a:t>str</a:t>
-            </a:r>
-            <a:r>
-              <a:rPr lang="fr-FR" sz="1600" dirty="0"/>
-              <a:t>)&gt; </a:t>
-            </a:r>
-            <a:r>
-              <a:rPr lang="fr-FR" sz="1600" dirty="0" err="1"/>
-              <a:t>void</a:t>
-            </a:r>
-            <a:endParaRPr lang="fr-FR" sz="1600" dirty="0"/>
-          </a:p>
-          <a:p>
-            <a:pPr marL="0" indent="0">
-              <a:buNone/>
-            </a:pPr>
-            <a:r>
-              <a:rPr lang="fr-FR" sz="1600" dirty="0" err="1"/>
-              <a:t>chose_dealer</a:t>
-            </a:r>
-            <a:r>
-              <a:rPr lang="fr-FR" sz="1600" dirty="0"/>
-              <a:t>(</a:t>
-            </a:r>
-            <a:r>
-              <a:rPr lang="fr-FR" sz="1600" dirty="0" err="1"/>
-              <a:t>players</a:t>
-            </a:r>
-            <a:r>
-              <a:rPr lang="fr-FR" sz="1600" dirty="0"/>
-              <a:t> : </a:t>
-            </a:r>
-            <a:r>
-              <a:rPr lang="fr-FR" sz="1600" dirty="0" err="1"/>
-              <a:t>list</a:t>
-            </a:r>
-            <a:r>
-              <a:rPr lang="fr-FR" sz="1600" dirty="0"/>
-              <a:t>)&gt; Player.id</a:t>
-            </a:r>
-          </a:p>
-          <a:p>
-            <a:pPr marL="0" indent="0">
-              <a:buNone/>
-            </a:pPr>
-            <a:r>
-              <a:rPr lang="fr-FR" sz="1600" dirty="0" err="1"/>
-              <a:t>on_deconnect</a:t>
-            </a:r>
-            <a:r>
-              <a:rPr lang="fr-FR" sz="1600" dirty="0"/>
-              <a:t>(</a:t>
-            </a:r>
-            <a:r>
-              <a:rPr lang="fr-FR" sz="1600" dirty="0" err="1"/>
-              <a:t>player</a:t>
-            </a:r>
-            <a:r>
-              <a:rPr lang="fr-FR" sz="1600" dirty="0"/>
-              <a:t> : Player)&gt; </a:t>
-            </a:r>
-            <a:r>
-              <a:rPr lang="fr-FR" sz="1600" dirty="0" err="1"/>
-              <a:t>void</a:t>
-            </a:r>
-            <a:endParaRPr lang="fr-FR" sz="1600" dirty="0"/>
-          </a:p>
-          <a:p>
-            <a:pPr marL="0" indent="0">
-              <a:buNone/>
-            </a:pPr>
-            <a:r>
-              <a:rPr lang="fr-FR" sz="1600" dirty="0" err="1"/>
-              <a:t>remove_player</a:t>
-            </a:r>
-            <a:r>
-              <a:rPr lang="fr-FR" sz="1600" dirty="0"/>
-              <a:t>(</a:t>
-            </a:r>
-            <a:r>
-              <a:rPr lang="fr-FR" sz="1600" dirty="0" err="1"/>
-              <a:t>player</a:t>
-            </a:r>
-            <a:r>
-              <a:rPr lang="fr-FR" sz="1600" dirty="0"/>
-              <a:t> : Player)&gt; </a:t>
-            </a:r>
-            <a:r>
-              <a:rPr lang="fr-FR" sz="1600" dirty="0" err="1"/>
-              <a:t>void</a:t>
-            </a:r>
-            <a:endParaRPr lang="fr-FR" sz="1600" dirty="0"/>
-          </a:p>
-        </p:txBody>
-      </p:sp>
+            <a:endParaRPr lang="fr-FR" sz="1600" u="sng" dirty="0">
+              <a:solidFill>
+                <a:schemeClr val="bg1"/>
+              </a:solidFill>
+            </a:endParaRPr>
+          </a:p>
+        </p:txBody>
+      </p:sp>
+      <p:pic>
+        <p:nvPicPr>
+          <p:cNvPr id="2" name="Espace réservé du contenu 12">
+            <a:extLst>
+              <a:ext uri="{FF2B5EF4-FFF2-40B4-BE49-F238E27FC236}">
+                <a16:creationId xmlns:a16="http://schemas.microsoft.com/office/drawing/2014/main" id="{823570A3-8CAE-38CB-8E0B-FDF0372A7467}"/>
+              </a:ext>
+            </a:extLst>
+          </p:cNvPr>
+          <p:cNvPicPr>
+            <a:picLocks noChangeAspect="1"/>
+          </p:cNvPicPr>
+          <p:nvPr/>
+        </p:nvPicPr>
+        <p:blipFill rotWithShape="1">
+          <a:blip r:embed="rId3">
+            <a:extLst>
+              <a:ext uri="{28A0092B-C50C-407E-A947-70E740481C1C}">
+                <a14:useLocalDpi xmlns:a14="http://schemas.microsoft.com/office/drawing/2010/main" val="0"/>
+              </a:ext>
+            </a:extLst>
+          </a:blip>
+          <a:srcRect r="18494"/>
+          <a:stretch/>
+        </p:blipFill>
+        <p:spPr>
+          <a:xfrm>
+            <a:off x="10963473" y="5916271"/>
+            <a:ext cx="1228527" cy="844074"/>
+          </a:xfrm>
+          <a:prstGeom prst="rect">
+            <a:avLst/>
+          </a:prstGeom>
+        </p:spPr>
+      </p:pic>
     </p:spTree>
     <p:extLst>
       <p:ext uri="{BB962C8B-B14F-4D97-AF65-F5344CB8AC3E}">
-        <p14:creationId xmlns:p14="http://schemas.microsoft.com/office/powerpoint/2010/main" val="2104535492"/>
+        <p14:creationId xmlns:p14="http://schemas.microsoft.com/office/powerpoint/2010/main" val="3462411619"/>
       </p:ext>
     </p:extLst>
   </p:cSld>
@@ -4565,12 +7184,48 @@
           <a:chExt cx="0" cy="0"/>
         </a:xfrm>
       </p:grpSpPr>
+      <p:pic>
+        <p:nvPicPr>
+          <p:cNvPr id="4" name="Image 3">
+            <a:extLst>
+              <a:ext uri="{FF2B5EF4-FFF2-40B4-BE49-F238E27FC236}">
+                <a16:creationId xmlns:a16="http://schemas.microsoft.com/office/drawing/2014/main" id="{9024D47B-2809-8F1E-DB4E-45778FD4458E}"/>
+              </a:ext>
+            </a:extLst>
+          </p:cNvPr>
+          <p:cNvPicPr>
+            <a:picLocks noChangeAspect="1"/>
+          </p:cNvPicPr>
+          <p:nvPr/>
+        </p:nvPicPr>
+        <p:blipFill>
+          <a:blip r:embed="rId2">
+            <a:extLst>
+              <a:ext uri="{28A0092B-C50C-407E-A947-70E740481C1C}">
+                <a14:useLocalDpi xmlns:a14="http://schemas.microsoft.com/office/drawing/2010/main" val="0"/>
+              </a:ext>
+            </a:extLst>
+          </a:blip>
+          <a:stretch>
+            <a:fillRect/>
+          </a:stretch>
+        </p:blipFill>
+        <p:spPr>
+          <a:xfrm>
+            <a:off x="-27214" y="-106532"/>
+            <a:ext cx="12246428" cy="7057748"/>
+          </a:xfrm>
+          <a:prstGeom prst="rect">
+            <a:avLst/>
+          </a:prstGeom>
+        </p:spPr>
+      </p:pic>
       <p:sp>
         <p:nvSpPr>
           <p:cNvPr id="3" name="Espace réservé du contenu 2">
             <a:extLst>
               <a:ext uri="{FF2B5EF4-FFF2-40B4-BE49-F238E27FC236}">
-                <a16:creationId xmlns:a16="http://schemas.microsoft.com/office/drawing/2014/main" id="{7195BA57-1243-3B45-357C-04E558907B9B}"/>
+                <a16:creationId xmlns:a16="http://schemas.microsoft.com/office/drawing/2014/main" id="{A8B42D01-BCE6-15E4-1376-08DE25035721}"/>
               </a:ext>
             </a:extLst>
           </p:cNvPr>
@@ -4583,7 +7238,7 @@
         </p:nvSpPr>
         <p:spPr>
           <a:xfrm>
-            <a:off x="838200" y="414076"/>
+            <a:off x="838200" y="263155"/>
             <a:ext cx="10515600" cy="4351338"/>
           </a:xfrm>
         </p:spPr>
@@ -4594,22 +7249,1073 @@
           <a:lstStyle/>
           <a:p>
             <a:r>
-              <a:rPr lang="fr-FR" sz="1600" u="sng" dirty="0"/>
-              <a:t>Variables globales :</a:t>
+              <a:rPr lang="fr-FR" sz="1600" u="sng" dirty="0">
+                <a:solidFill>
+                  <a:schemeClr val="bg1"/>
+                </a:solidFill>
+              </a:rPr>
+              <a:t>Classe Lobby :</a:t>
             </a:r>
           </a:p>
           <a:p>
             <a:pPr marL="0" indent="0">
               <a:buNone/>
             </a:pPr>
-            <a:endParaRPr lang="fr-FR" sz="1600" dirty="0"/>
-          </a:p>
-        </p:txBody>
-      </p:sp>
+            <a:r>
+              <a:rPr lang="fr-FR" sz="1600" u="sng" dirty="0">
+                <a:solidFill>
+                  <a:schemeClr val="bg1"/>
+                </a:solidFill>
+              </a:rPr>
+              <a:t>Attributs :</a:t>
+            </a:r>
+          </a:p>
+          <a:p>
+            <a:pPr marL="0" indent="0">
+              <a:buNone/>
+            </a:pPr>
+            <a:r>
+              <a:rPr lang="fr-FR" sz="1600" dirty="0" err="1">
+                <a:solidFill>
+                  <a:schemeClr val="bg1"/>
+                </a:solidFill>
+              </a:rPr>
+              <a:t>self.players</a:t>
+            </a:r>
+            <a:r>
+              <a:rPr lang="fr-FR" sz="1600" dirty="0">
+                <a:solidFill>
+                  <a:schemeClr val="bg1"/>
+                </a:solidFill>
+              </a:rPr>
+              <a:t> : </a:t>
+            </a:r>
+            <a:r>
+              <a:rPr lang="fr-FR" sz="1600" dirty="0" err="1">
+                <a:solidFill>
+                  <a:schemeClr val="bg1"/>
+                </a:solidFill>
+              </a:rPr>
+              <a:t>list</a:t>
+            </a:r>
+            <a:r>
+              <a:rPr lang="fr-FR" sz="1600" dirty="0">
+                <a:solidFill>
+                  <a:schemeClr val="bg1"/>
+                </a:solidFill>
+              </a:rPr>
+              <a:t>[Player]</a:t>
+            </a:r>
+          </a:p>
+          <a:p>
+            <a:pPr marL="0" indent="0">
+              <a:buNone/>
+            </a:pPr>
+            <a:r>
+              <a:rPr lang="fr-FR" sz="1600" dirty="0" err="1">
+                <a:solidFill>
+                  <a:schemeClr val="bg1"/>
+                </a:solidFill>
+              </a:rPr>
+              <a:t>self.threads</a:t>
+            </a:r>
+            <a:r>
+              <a:rPr lang="fr-FR" sz="1600" dirty="0">
+                <a:solidFill>
+                  <a:schemeClr val="bg1"/>
+                </a:solidFill>
+              </a:rPr>
+              <a:t> : </a:t>
+            </a:r>
+            <a:r>
+              <a:rPr lang="fr-FR" sz="1600" dirty="0" err="1">
+                <a:solidFill>
+                  <a:schemeClr val="bg1"/>
+                </a:solidFill>
+              </a:rPr>
+              <a:t>list</a:t>
+            </a:r>
+            <a:r>
+              <a:rPr lang="fr-FR" sz="1600" dirty="0">
+                <a:solidFill>
+                  <a:schemeClr val="bg1"/>
+                </a:solidFill>
+              </a:rPr>
+              <a:t>[Thread]</a:t>
+            </a:r>
+          </a:p>
+          <a:p>
+            <a:pPr marL="0" indent="0">
+              <a:buNone/>
+            </a:pPr>
+            <a:endParaRPr lang="fr-FR" sz="1600" dirty="0">
+              <a:solidFill>
+                <a:schemeClr val="bg1"/>
+              </a:solidFill>
+            </a:endParaRPr>
+          </a:p>
+          <a:p>
+            <a:pPr marL="0" indent="0">
+              <a:buNone/>
+            </a:pPr>
+            <a:r>
+              <a:rPr lang="fr-FR" sz="1600" u="sng" dirty="0">
+                <a:solidFill>
+                  <a:schemeClr val="bg1"/>
+                </a:solidFill>
+              </a:rPr>
+              <a:t>Méthodes :</a:t>
+            </a:r>
+          </a:p>
+          <a:p>
+            <a:pPr marL="0" indent="0">
+              <a:buNone/>
+            </a:pPr>
+            <a:r>
+              <a:rPr lang="fr-FR" sz="1600" dirty="0">
+                <a:solidFill>
+                  <a:schemeClr val="bg1"/>
+                </a:solidFill>
+              </a:rPr>
+              <a:t>start()</a:t>
+            </a:r>
+          </a:p>
+          <a:p>
+            <a:pPr marL="0" indent="0">
+              <a:buNone/>
+            </a:pPr>
+            <a:endParaRPr lang="fr-FR" sz="1600" dirty="0">
+              <a:solidFill>
+                <a:schemeClr val="bg1"/>
+              </a:solidFill>
+            </a:endParaRPr>
+          </a:p>
+        </p:txBody>
+      </p:sp>
+      <p:pic>
+        <p:nvPicPr>
+          <p:cNvPr id="5" name="Espace réservé du contenu 12">
+            <a:extLst>
+              <a:ext uri="{FF2B5EF4-FFF2-40B4-BE49-F238E27FC236}">
+                <a16:creationId xmlns:a16="http://schemas.microsoft.com/office/drawing/2014/main" id="{977B8C05-D695-3481-4DE8-E09FE705E836}"/>
+              </a:ext>
+            </a:extLst>
+          </p:cNvPr>
+          <p:cNvPicPr>
+            <a:picLocks noChangeAspect="1"/>
+          </p:cNvPicPr>
+          <p:nvPr/>
+        </p:nvPicPr>
+        <p:blipFill rotWithShape="1">
+          <a:blip r:embed="rId3">
+            <a:extLst>
+              <a:ext uri="{28A0092B-C50C-407E-A947-70E740481C1C}">
+                <a14:useLocalDpi xmlns:a14="http://schemas.microsoft.com/office/drawing/2010/main" val="0"/>
+              </a:ext>
+            </a:extLst>
+          </a:blip>
+          <a:srcRect r="18494"/>
+          <a:stretch/>
+        </p:blipFill>
+        <p:spPr>
+          <a:xfrm>
+            <a:off x="10963473" y="5916271"/>
+            <a:ext cx="1228527" cy="844074"/>
+          </a:xfrm>
+          <a:prstGeom prst="rect">
+            <a:avLst/>
+          </a:prstGeom>
+        </p:spPr>
+      </p:pic>
     </p:spTree>
     <p:extLst>
       <p:ext uri="{BB962C8B-B14F-4D97-AF65-F5344CB8AC3E}">
-        <p14:creationId xmlns:p14="http://schemas.microsoft.com/office/powerpoint/2010/main" val="3195339468"/>
+        <p14:creationId xmlns:p14="http://schemas.microsoft.com/office/powerpoint/2010/main" val="1361264889"/>
+      </p:ext>
+    </p:extLst>
+  </p:cSld>
+  <p:clrMapOvr>
+    <a:masterClrMapping/>
+  </p:clrMapOvr>
+</p:sld>
+</file>
+
+<file path=ppt/slides/slide8.xml><?xml version="1.0" encoding="utf-8"?>
+<p:sld xmlns:a="http://schemas.openxmlformats.org/drawingml/2006/main" xmlns:r="http://schemas.openxmlformats.org/officeDocument/2006/relationships" xmlns:p="http://schemas.openxmlformats.org/presentationml/2006/main">
+  <p:cSld>
+    <p:spTree>
+      <p:nvGrpSpPr>
+        <p:cNvPr id="1" name=""/>
+        <p:cNvGrpSpPr/>
+        <p:nvPr/>
+      </p:nvGrpSpPr>
+      <p:grpSpPr>
+        <a:xfrm>
+          <a:off x="0" y="0"/>
+          <a:ext cx="0" cy="0"/>
+          <a:chOff x="0" y="0"/>
+          <a:chExt cx="0" cy="0"/>
+        </a:xfrm>
+      </p:grpSpPr>
+      <p:pic>
+        <p:nvPicPr>
+          <p:cNvPr id="4" name="Image 3">
+            <a:extLst>
+              <a:ext uri="{FF2B5EF4-FFF2-40B4-BE49-F238E27FC236}">
+                <a16:creationId xmlns:a16="http://schemas.microsoft.com/office/drawing/2014/main" id="{9BB3B28A-9DC2-BFA8-1DAA-1E2496D1E4FB}"/>
+              </a:ext>
+            </a:extLst>
+          </p:cNvPr>
+          <p:cNvPicPr>
+            <a:picLocks noChangeAspect="1"/>
+          </p:cNvPicPr>
+          <p:nvPr/>
+        </p:nvPicPr>
+        <p:blipFill>
+          <a:blip r:embed="rId2">
+            <a:extLst>
+              <a:ext uri="{28A0092B-C50C-407E-A947-70E740481C1C}">
+                <a14:useLocalDpi xmlns:a14="http://schemas.microsoft.com/office/drawing/2010/main" val="0"/>
+              </a:ext>
+            </a:extLst>
+          </a:blip>
+          <a:stretch>
+            <a:fillRect/>
+          </a:stretch>
+        </p:blipFill>
+        <p:spPr>
+          <a:xfrm>
+            <a:off x="-27214" y="-99874"/>
+            <a:ext cx="12246428" cy="7057748"/>
+          </a:xfrm>
+          <a:prstGeom prst="rect">
+            <a:avLst/>
+          </a:prstGeom>
+        </p:spPr>
+      </p:pic>
+      <p:sp>
+        <p:nvSpPr>
+          <p:cNvPr id="3" name="Espace réservé du contenu 2">
+            <a:extLst>
+              <a:ext uri="{FF2B5EF4-FFF2-40B4-BE49-F238E27FC236}">
+                <a16:creationId xmlns:a16="http://schemas.microsoft.com/office/drawing/2014/main" id="{52E15D74-E5B8-040C-8D79-DF3C9C9C6D8D}"/>
+              </a:ext>
+            </a:extLst>
+          </p:cNvPr>
+          <p:cNvSpPr>
+            <a:spLocks noGrp="1"/>
+          </p:cNvSpPr>
+          <p:nvPr>
+            <p:ph idx="1"/>
+          </p:nvPr>
+        </p:nvSpPr>
+        <p:spPr>
+          <a:xfrm>
+            <a:off x="838200" y="201012"/>
+            <a:ext cx="10515600" cy="4351338"/>
+          </a:xfrm>
+        </p:spPr>
+        <p:txBody>
+          <a:bodyPr>
+            <a:normAutofit/>
+          </a:bodyPr>
+          <a:lstStyle/>
+          <a:p>
+            <a:r>
+              <a:rPr lang="fr-FR" sz="1600" u="sng" dirty="0">
+                <a:solidFill>
+                  <a:schemeClr val="bg1"/>
+                </a:solidFill>
+              </a:rPr>
+              <a:t>Classe Game :</a:t>
+            </a:r>
+          </a:p>
+          <a:p>
+            <a:pPr marL="0" indent="0">
+              <a:buNone/>
+            </a:pPr>
+            <a:r>
+              <a:rPr lang="fr-FR" sz="1600" u="sng" dirty="0">
+                <a:solidFill>
+                  <a:schemeClr val="bg1"/>
+                </a:solidFill>
+              </a:rPr>
+              <a:t>Attributs :</a:t>
+            </a:r>
+          </a:p>
+          <a:p>
+            <a:pPr marL="0" indent="0">
+              <a:buNone/>
+            </a:pPr>
+            <a:r>
+              <a:rPr lang="fr-FR" sz="1600" dirty="0" err="1">
+                <a:solidFill>
+                  <a:schemeClr val="bg1"/>
+                </a:solidFill>
+              </a:rPr>
+              <a:t>self.players</a:t>
+            </a:r>
+            <a:endParaRPr lang="fr-FR" sz="1600" dirty="0">
+              <a:solidFill>
+                <a:schemeClr val="bg1"/>
+              </a:solidFill>
+            </a:endParaRPr>
+          </a:p>
+          <a:p>
+            <a:pPr marL="0" indent="0">
+              <a:buNone/>
+            </a:pPr>
+            <a:r>
+              <a:rPr lang="fr-FR" sz="1600" dirty="0" err="1">
+                <a:solidFill>
+                  <a:schemeClr val="bg1"/>
+                </a:solidFill>
+              </a:rPr>
+              <a:t>self.round_count</a:t>
+            </a:r>
+            <a:endParaRPr lang="fr-FR" sz="1600" dirty="0">
+              <a:solidFill>
+                <a:schemeClr val="bg1"/>
+              </a:solidFill>
+            </a:endParaRPr>
+          </a:p>
+          <a:p>
+            <a:pPr marL="0" indent="0">
+              <a:buNone/>
+            </a:pPr>
+            <a:endParaRPr lang="fr-FR" sz="1600" dirty="0">
+              <a:solidFill>
+                <a:schemeClr val="bg1"/>
+              </a:solidFill>
+            </a:endParaRPr>
+          </a:p>
+        </p:txBody>
+      </p:sp>
+      <p:pic>
+        <p:nvPicPr>
+          <p:cNvPr id="5" name="Espace réservé du contenu 12">
+            <a:extLst>
+              <a:ext uri="{FF2B5EF4-FFF2-40B4-BE49-F238E27FC236}">
+                <a16:creationId xmlns:a16="http://schemas.microsoft.com/office/drawing/2014/main" id="{A81D1F2A-D1C5-DF87-38EC-0DB818F212CB}"/>
+              </a:ext>
+            </a:extLst>
+          </p:cNvPr>
+          <p:cNvPicPr>
+            <a:picLocks noChangeAspect="1"/>
+          </p:cNvPicPr>
+          <p:nvPr/>
+        </p:nvPicPr>
+        <p:blipFill rotWithShape="1">
+          <a:blip r:embed="rId3">
+            <a:extLst>
+              <a:ext uri="{28A0092B-C50C-407E-A947-70E740481C1C}">
+                <a14:useLocalDpi xmlns:a14="http://schemas.microsoft.com/office/drawing/2010/main" val="0"/>
+              </a:ext>
+            </a:extLst>
+          </a:blip>
+          <a:srcRect r="18494"/>
+          <a:stretch/>
+        </p:blipFill>
+        <p:spPr>
+          <a:xfrm>
+            <a:off x="10963473" y="5916271"/>
+            <a:ext cx="1228527" cy="844074"/>
+          </a:xfrm>
+          <a:prstGeom prst="rect">
+            <a:avLst/>
+          </a:prstGeom>
+        </p:spPr>
+      </p:pic>
+    </p:spTree>
+    <p:extLst>
+      <p:ext uri="{BB962C8B-B14F-4D97-AF65-F5344CB8AC3E}">
+        <p14:creationId xmlns:p14="http://schemas.microsoft.com/office/powerpoint/2010/main" val="2549233585"/>
+      </p:ext>
+    </p:extLst>
+  </p:cSld>
+  <p:clrMapOvr>
+    <a:masterClrMapping/>
+  </p:clrMapOvr>
+</p:sld>
+</file>
+
+<file path=ppt/slides/slide9.xml><?xml version="1.0" encoding="utf-8"?>
+<p:sld xmlns:a="http://schemas.openxmlformats.org/drawingml/2006/main" xmlns:r="http://schemas.openxmlformats.org/officeDocument/2006/relationships" xmlns:p="http://schemas.openxmlformats.org/presentationml/2006/main">
+  <p:cSld>
+    <p:spTree>
+      <p:nvGrpSpPr>
+        <p:cNvPr id="1" name=""/>
+        <p:cNvGrpSpPr/>
+        <p:nvPr/>
+      </p:nvGrpSpPr>
+      <p:grpSpPr>
+        <a:xfrm>
+          <a:off x="0" y="0"/>
+          <a:ext cx="0" cy="0"/>
+          <a:chOff x="0" y="0"/>
+          <a:chExt cx="0" cy="0"/>
+        </a:xfrm>
+      </p:grpSpPr>
+      <p:pic>
+        <p:nvPicPr>
+          <p:cNvPr id="4" name="Image 3">
+            <a:extLst>
+              <a:ext uri="{FF2B5EF4-FFF2-40B4-BE49-F238E27FC236}">
+                <a16:creationId xmlns:a16="http://schemas.microsoft.com/office/drawing/2014/main" id="{1D72C420-8B14-2ABA-10D1-43FEA931A649}"/>
+              </a:ext>
+            </a:extLst>
+          </p:cNvPr>
+          <p:cNvPicPr>
+            <a:picLocks noChangeAspect="1"/>
+          </p:cNvPicPr>
+          <p:nvPr/>
+        </p:nvPicPr>
+        <p:blipFill>
+          <a:blip r:embed="rId2">
+            <a:extLst>
+              <a:ext uri="{28A0092B-C50C-407E-A947-70E740481C1C}">
+                <a14:useLocalDpi xmlns:a14="http://schemas.microsoft.com/office/drawing/2010/main" val="0"/>
+              </a:ext>
+            </a:extLst>
+          </a:blip>
+          <a:stretch>
+            <a:fillRect/>
+          </a:stretch>
+        </p:blipFill>
+        <p:spPr>
+          <a:xfrm>
+            <a:off x="-27214" y="-88777"/>
+            <a:ext cx="12246428" cy="7048870"/>
+          </a:xfrm>
+          <a:prstGeom prst="rect">
+            <a:avLst/>
+          </a:prstGeom>
+        </p:spPr>
+      </p:pic>
+      <p:sp>
+        <p:nvSpPr>
+          <p:cNvPr id="3" name="Espace réservé du contenu 2">
+            <a:extLst>
+              <a:ext uri="{FF2B5EF4-FFF2-40B4-BE49-F238E27FC236}">
+                <a16:creationId xmlns:a16="http://schemas.microsoft.com/office/drawing/2014/main" id="{3EA9A80A-D63D-B11D-F5DD-77DC9E69E1DB}"/>
+              </a:ext>
+            </a:extLst>
+          </p:cNvPr>
+          <p:cNvSpPr>
+            <a:spLocks noGrp="1"/>
+          </p:cNvSpPr>
+          <p:nvPr>
+            <p:ph idx="1"/>
+          </p:nvPr>
+        </p:nvSpPr>
+        <p:spPr>
+          <a:xfrm>
+            <a:off x="669524" y="591629"/>
+            <a:ext cx="10515600" cy="4351338"/>
+          </a:xfrm>
+        </p:spPr>
+        <p:txBody>
+          <a:bodyPr>
+            <a:normAutofit/>
+          </a:bodyPr>
+          <a:lstStyle/>
+          <a:p>
+            <a:r>
+              <a:rPr lang="fr-FR" sz="1600" u="sng" dirty="0">
+                <a:solidFill>
+                  <a:schemeClr val="bg1"/>
+                </a:solidFill>
+              </a:rPr>
+              <a:t>Fonctions</a:t>
+            </a:r>
+          </a:p>
+          <a:p>
+            <a:pPr marL="0" indent="0">
+              <a:buNone/>
+            </a:pPr>
+            <a:r>
+              <a:rPr lang="fr-FR" sz="1600" dirty="0">
+                <a:solidFill>
+                  <a:schemeClr val="bg1"/>
+                </a:solidFill>
+              </a:rPr>
+              <a:t>main() &gt; </a:t>
+            </a:r>
+            <a:r>
+              <a:rPr lang="fr-FR" sz="1600" dirty="0" err="1">
+                <a:solidFill>
+                  <a:schemeClr val="bg1"/>
+                </a:solidFill>
+              </a:rPr>
+              <a:t>void</a:t>
+            </a:r>
+            <a:endParaRPr lang="fr-FR" sz="1600" dirty="0">
+              <a:solidFill>
+                <a:schemeClr val="bg1"/>
+              </a:solidFill>
+            </a:endParaRPr>
+          </a:p>
+          <a:p>
+            <a:pPr marL="0" indent="0">
+              <a:buNone/>
+            </a:pPr>
+            <a:r>
+              <a:rPr lang="fr-FR" sz="1600" dirty="0" err="1">
+                <a:solidFill>
+                  <a:schemeClr val="bg1"/>
+                </a:solidFill>
+              </a:rPr>
+              <a:t>Is_lobby_full</a:t>
+            </a:r>
+            <a:r>
+              <a:rPr lang="fr-FR" sz="1600" dirty="0">
+                <a:solidFill>
+                  <a:schemeClr val="bg1"/>
+                </a:solidFill>
+              </a:rPr>
+              <a:t>() &gt; </a:t>
+            </a:r>
+            <a:r>
+              <a:rPr lang="fr-FR" sz="1600" dirty="0" err="1">
+                <a:solidFill>
+                  <a:schemeClr val="bg1"/>
+                </a:solidFill>
+              </a:rPr>
+              <a:t>bool</a:t>
+            </a:r>
+            <a:endParaRPr lang="fr-FR" sz="1600" dirty="0">
+              <a:solidFill>
+                <a:schemeClr val="bg1"/>
+              </a:solidFill>
+            </a:endParaRPr>
+          </a:p>
+          <a:p>
+            <a:pPr marL="0" indent="0">
+              <a:buNone/>
+            </a:pPr>
+            <a:r>
+              <a:rPr lang="fr-FR" sz="1600" dirty="0" err="1">
+                <a:solidFill>
+                  <a:schemeClr val="bg1"/>
+                </a:solidFill>
+              </a:rPr>
+              <a:t>separe_entete</a:t>
+            </a:r>
+            <a:r>
+              <a:rPr lang="fr-FR" sz="1600" dirty="0">
+                <a:solidFill>
+                  <a:schemeClr val="bg1"/>
+                </a:solidFill>
+              </a:rPr>
+              <a:t>(</a:t>
+            </a:r>
+            <a:r>
+              <a:rPr lang="fr-FR" sz="1600" dirty="0" err="1">
+                <a:solidFill>
+                  <a:schemeClr val="bg1"/>
+                </a:solidFill>
+              </a:rPr>
+              <a:t>packet</a:t>
+            </a:r>
+            <a:r>
+              <a:rPr lang="fr-FR" sz="1600" dirty="0">
+                <a:solidFill>
+                  <a:schemeClr val="bg1"/>
+                </a:solidFill>
+              </a:rPr>
+              <a:t> : </a:t>
+            </a:r>
+            <a:r>
+              <a:rPr lang="fr-FR" sz="1600" dirty="0" err="1">
+                <a:solidFill>
+                  <a:schemeClr val="bg1"/>
+                </a:solidFill>
+              </a:rPr>
+              <a:t>str</a:t>
+            </a:r>
+            <a:r>
+              <a:rPr lang="fr-FR" sz="1600" dirty="0">
+                <a:solidFill>
+                  <a:schemeClr val="bg1"/>
+                </a:solidFill>
+              </a:rPr>
+              <a:t>) &gt; tuple (</a:t>
+            </a:r>
+            <a:r>
+              <a:rPr lang="fr-FR" sz="1600" dirty="0" err="1">
+                <a:solidFill>
+                  <a:schemeClr val="bg1"/>
+                </a:solidFill>
+              </a:rPr>
+              <a:t>entete,args</a:t>
+            </a:r>
+            <a:r>
+              <a:rPr lang="fr-FR" sz="1600" dirty="0">
+                <a:solidFill>
+                  <a:schemeClr val="bg1"/>
+                </a:solidFill>
+              </a:rPr>
+              <a:t>)</a:t>
+            </a:r>
+          </a:p>
+          <a:p>
+            <a:pPr marL="0" indent="0">
+              <a:buNone/>
+            </a:pPr>
+            <a:r>
+              <a:rPr lang="fr-FR" sz="1600" dirty="0" err="1">
+                <a:solidFill>
+                  <a:schemeClr val="bg1"/>
+                </a:solidFill>
+              </a:rPr>
+              <a:t>start_game</a:t>
+            </a:r>
+            <a:r>
+              <a:rPr lang="fr-FR" sz="1600" dirty="0">
+                <a:solidFill>
+                  <a:schemeClr val="bg1"/>
+                </a:solidFill>
+              </a:rPr>
+              <a:t>(</a:t>
+            </a:r>
+            <a:r>
+              <a:rPr lang="fr-FR" sz="1600" dirty="0" err="1">
+                <a:solidFill>
+                  <a:schemeClr val="bg1"/>
+                </a:solidFill>
+              </a:rPr>
+              <a:t>players</a:t>
+            </a:r>
+            <a:r>
+              <a:rPr lang="fr-FR" sz="1600" dirty="0">
+                <a:solidFill>
+                  <a:schemeClr val="bg1"/>
+                </a:solidFill>
+              </a:rPr>
+              <a:t> : </a:t>
+            </a:r>
+            <a:r>
+              <a:rPr lang="fr-FR" sz="1600" dirty="0" err="1">
+                <a:solidFill>
+                  <a:schemeClr val="bg1"/>
+                </a:solidFill>
+              </a:rPr>
+              <a:t>list</a:t>
+            </a:r>
+            <a:r>
+              <a:rPr lang="fr-FR" sz="1600" dirty="0">
+                <a:solidFill>
+                  <a:schemeClr val="bg1"/>
+                </a:solidFill>
+              </a:rPr>
+              <a:t>) &gt; </a:t>
+            </a:r>
+            <a:r>
+              <a:rPr lang="fr-FR" sz="1600" dirty="0" err="1">
+                <a:solidFill>
+                  <a:schemeClr val="bg1"/>
+                </a:solidFill>
+              </a:rPr>
+              <a:t>void</a:t>
+            </a:r>
+            <a:endParaRPr lang="fr-FR" sz="1600" dirty="0">
+              <a:solidFill>
+                <a:schemeClr val="bg1"/>
+              </a:solidFill>
+            </a:endParaRPr>
+          </a:p>
+          <a:p>
+            <a:pPr marL="0" indent="0">
+              <a:buNone/>
+            </a:pPr>
+            <a:r>
+              <a:rPr lang="fr-FR" sz="1600" dirty="0" err="1">
+                <a:solidFill>
+                  <a:schemeClr val="bg1"/>
+                </a:solidFill>
+              </a:rPr>
+              <a:t>send_packet</a:t>
+            </a:r>
+            <a:r>
+              <a:rPr lang="fr-FR" sz="1600" dirty="0">
+                <a:solidFill>
+                  <a:schemeClr val="bg1"/>
+                </a:solidFill>
+              </a:rPr>
+              <a:t>(</a:t>
+            </a:r>
+            <a:r>
+              <a:rPr lang="fr-FR" sz="1600" dirty="0" err="1">
+                <a:solidFill>
+                  <a:schemeClr val="bg1"/>
+                </a:solidFill>
+              </a:rPr>
+              <a:t>packet</a:t>
+            </a:r>
+            <a:r>
+              <a:rPr lang="fr-FR" sz="1600" dirty="0">
+                <a:solidFill>
+                  <a:schemeClr val="bg1"/>
+                </a:solidFill>
+              </a:rPr>
+              <a:t> : </a:t>
+            </a:r>
+            <a:r>
+              <a:rPr lang="fr-FR" sz="1600" dirty="0" err="1">
+                <a:solidFill>
+                  <a:schemeClr val="bg1"/>
+                </a:solidFill>
+              </a:rPr>
+              <a:t>str</a:t>
+            </a:r>
+            <a:r>
+              <a:rPr lang="fr-FR" sz="1600" dirty="0">
+                <a:solidFill>
+                  <a:schemeClr val="bg1"/>
+                </a:solidFill>
+              </a:rPr>
+              <a:t>, </a:t>
+            </a:r>
+            <a:r>
+              <a:rPr lang="fr-FR" sz="1600" dirty="0" err="1">
+                <a:solidFill>
+                  <a:schemeClr val="bg1"/>
+                </a:solidFill>
+              </a:rPr>
+              <a:t>player</a:t>
+            </a:r>
+            <a:r>
+              <a:rPr lang="fr-FR" sz="1600" dirty="0">
+                <a:solidFill>
+                  <a:schemeClr val="bg1"/>
+                </a:solidFill>
+              </a:rPr>
+              <a:t> : Player) &gt; </a:t>
+            </a:r>
+            <a:r>
+              <a:rPr lang="fr-FR" sz="1600" dirty="0" err="1">
+                <a:solidFill>
+                  <a:schemeClr val="bg1"/>
+                </a:solidFill>
+              </a:rPr>
+              <a:t>void</a:t>
+            </a:r>
+            <a:endParaRPr lang="fr-FR" sz="1600" dirty="0">
+              <a:solidFill>
+                <a:schemeClr val="bg1"/>
+              </a:solidFill>
+            </a:endParaRPr>
+          </a:p>
+          <a:p>
+            <a:pPr marL="0" indent="0">
+              <a:buNone/>
+            </a:pPr>
+            <a:r>
+              <a:rPr lang="fr-FR" sz="1600" dirty="0" err="1">
+                <a:solidFill>
+                  <a:schemeClr val="bg1"/>
+                </a:solidFill>
+              </a:rPr>
+              <a:t>recieve_packet</a:t>
+            </a:r>
+            <a:r>
+              <a:rPr lang="fr-FR" sz="1600" dirty="0">
+                <a:solidFill>
+                  <a:schemeClr val="bg1"/>
+                </a:solidFill>
+              </a:rPr>
+              <a:t>(</a:t>
+            </a:r>
+            <a:r>
+              <a:rPr lang="fr-FR" sz="1600" dirty="0" err="1">
+                <a:solidFill>
+                  <a:schemeClr val="bg1"/>
+                </a:solidFill>
+              </a:rPr>
+              <a:t>player</a:t>
+            </a:r>
+            <a:r>
+              <a:rPr lang="fr-FR" sz="1600" dirty="0">
+                <a:solidFill>
+                  <a:schemeClr val="bg1"/>
+                </a:solidFill>
+              </a:rPr>
+              <a:t> : Player)&gt;</a:t>
+            </a:r>
+            <a:r>
+              <a:rPr lang="fr-FR" sz="1600" dirty="0" err="1">
+                <a:solidFill>
+                  <a:schemeClr val="bg1"/>
+                </a:solidFill>
+              </a:rPr>
+              <a:t>void</a:t>
+            </a:r>
+            <a:endParaRPr lang="fr-FR" sz="1600" dirty="0">
+              <a:solidFill>
+                <a:schemeClr val="bg1"/>
+              </a:solidFill>
+            </a:endParaRPr>
+          </a:p>
+          <a:p>
+            <a:pPr marL="0" indent="0">
+              <a:buNone/>
+            </a:pPr>
+            <a:r>
+              <a:rPr lang="fr-FR" sz="1600" dirty="0" err="1">
+                <a:solidFill>
+                  <a:schemeClr val="bg1"/>
+                </a:solidFill>
+              </a:rPr>
+              <a:t>manage_packet</a:t>
+            </a:r>
+            <a:r>
+              <a:rPr lang="fr-FR" sz="1600" dirty="0">
+                <a:solidFill>
+                  <a:schemeClr val="bg1"/>
+                </a:solidFill>
+              </a:rPr>
+              <a:t>(</a:t>
+            </a:r>
+            <a:r>
+              <a:rPr lang="fr-FR" sz="1600" dirty="0" err="1">
+                <a:solidFill>
+                  <a:schemeClr val="bg1"/>
+                </a:solidFill>
+              </a:rPr>
+              <a:t>packet</a:t>
+            </a:r>
+            <a:r>
+              <a:rPr lang="fr-FR" sz="1600" dirty="0">
+                <a:solidFill>
+                  <a:schemeClr val="bg1"/>
+                </a:solidFill>
+              </a:rPr>
+              <a:t> : </a:t>
+            </a:r>
+            <a:r>
+              <a:rPr lang="fr-FR" sz="1600" dirty="0" err="1">
+                <a:solidFill>
+                  <a:schemeClr val="bg1"/>
+                </a:solidFill>
+              </a:rPr>
+              <a:t>str</a:t>
+            </a:r>
+            <a:r>
+              <a:rPr lang="fr-FR" sz="1600" dirty="0">
+                <a:solidFill>
+                  <a:schemeClr val="bg1"/>
+                </a:solidFill>
+              </a:rPr>
+              <a:t>)&gt; </a:t>
+            </a:r>
+            <a:r>
+              <a:rPr lang="fr-FR" sz="1600" dirty="0" err="1">
+                <a:solidFill>
+                  <a:schemeClr val="bg1"/>
+                </a:solidFill>
+              </a:rPr>
+              <a:t>void</a:t>
+            </a:r>
+            <a:endParaRPr lang="fr-FR" sz="1600" dirty="0">
+              <a:solidFill>
+                <a:schemeClr val="bg1"/>
+              </a:solidFill>
+            </a:endParaRPr>
+          </a:p>
+          <a:p>
+            <a:pPr marL="0" indent="0">
+              <a:buNone/>
+            </a:pPr>
+            <a:r>
+              <a:rPr lang="fr-FR" sz="1600" dirty="0" err="1">
+                <a:solidFill>
+                  <a:schemeClr val="bg1"/>
+                </a:solidFill>
+              </a:rPr>
+              <a:t>chose_dealer</a:t>
+            </a:r>
+            <a:r>
+              <a:rPr lang="fr-FR" sz="1600" dirty="0">
+                <a:solidFill>
+                  <a:schemeClr val="bg1"/>
+                </a:solidFill>
+              </a:rPr>
+              <a:t>(</a:t>
+            </a:r>
+            <a:r>
+              <a:rPr lang="fr-FR" sz="1600" dirty="0" err="1">
+                <a:solidFill>
+                  <a:schemeClr val="bg1"/>
+                </a:solidFill>
+              </a:rPr>
+              <a:t>players</a:t>
+            </a:r>
+            <a:r>
+              <a:rPr lang="fr-FR" sz="1600" dirty="0">
+                <a:solidFill>
+                  <a:schemeClr val="bg1"/>
+                </a:solidFill>
+              </a:rPr>
+              <a:t> : </a:t>
+            </a:r>
+            <a:r>
+              <a:rPr lang="fr-FR" sz="1600" dirty="0" err="1">
+                <a:solidFill>
+                  <a:schemeClr val="bg1"/>
+                </a:solidFill>
+              </a:rPr>
+              <a:t>list</a:t>
+            </a:r>
+            <a:r>
+              <a:rPr lang="fr-FR" sz="1600" dirty="0">
+                <a:solidFill>
+                  <a:schemeClr val="bg1"/>
+                </a:solidFill>
+              </a:rPr>
+              <a:t>)&gt; Player.id</a:t>
+            </a:r>
+          </a:p>
+          <a:p>
+            <a:pPr marL="0" indent="0">
+              <a:buNone/>
+            </a:pPr>
+            <a:r>
+              <a:rPr lang="fr-FR" sz="1600" dirty="0" err="1">
+                <a:solidFill>
+                  <a:schemeClr val="bg1"/>
+                </a:solidFill>
+              </a:rPr>
+              <a:t>on_deconnect</a:t>
+            </a:r>
+            <a:r>
+              <a:rPr lang="fr-FR" sz="1600" dirty="0">
+                <a:solidFill>
+                  <a:schemeClr val="bg1"/>
+                </a:solidFill>
+              </a:rPr>
+              <a:t>(</a:t>
+            </a:r>
+            <a:r>
+              <a:rPr lang="fr-FR" sz="1600" dirty="0" err="1">
+                <a:solidFill>
+                  <a:schemeClr val="bg1"/>
+                </a:solidFill>
+              </a:rPr>
+              <a:t>player</a:t>
+            </a:r>
+            <a:r>
+              <a:rPr lang="fr-FR" sz="1600" dirty="0">
+                <a:solidFill>
+                  <a:schemeClr val="bg1"/>
+                </a:solidFill>
+              </a:rPr>
+              <a:t> : Player)&gt; </a:t>
+            </a:r>
+            <a:r>
+              <a:rPr lang="fr-FR" sz="1600" dirty="0" err="1">
+                <a:solidFill>
+                  <a:schemeClr val="bg1"/>
+                </a:solidFill>
+              </a:rPr>
+              <a:t>void</a:t>
+            </a:r>
+            <a:endParaRPr lang="fr-FR" sz="1600" dirty="0">
+              <a:solidFill>
+                <a:schemeClr val="bg1"/>
+              </a:solidFill>
+            </a:endParaRPr>
+          </a:p>
+          <a:p>
+            <a:pPr marL="0" indent="0">
+              <a:buNone/>
+            </a:pPr>
+            <a:r>
+              <a:rPr lang="fr-FR" sz="1600" dirty="0" err="1">
+                <a:solidFill>
+                  <a:schemeClr val="bg1"/>
+                </a:solidFill>
+              </a:rPr>
+              <a:t>remove_player</a:t>
+            </a:r>
+            <a:r>
+              <a:rPr lang="fr-FR" sz="1600" dirty="0">
+                <a:solidFill>
+                  <a:schemeClr val="bg1"/>
+                </a:solidFill>
+              </a:rPr>
+              <a:t>(</a:t>
+            </a:r>
+            <a:r>
+              <a:rPr lang="fr-FR" sz="1600" dirty="0" err="1">
+                <a:solidFill>
+                  <a:schemeClr val="bg1"/>
+                </a:solidFill>
+              </a:rPr>
+              <a:t>player</a:t>
+            </a:r>
+            <a:r>
+              <a:rPr lang="fr-FR" sz="1600" dirty="0">
+                <a:solidFill>
+                  <a:schemeClr val="bg1"/>
+                </a:solidFill>
+              </a:rPr>
+              <a:t> : Player)&gt; </a:t>
+            </a:r>
+            <a:r>
+              <a:rPr lang="fr-FR" sz="1600" dirty="0" err="1">
+                <a:solidFill>
+                  <a:schemeClr val="bg1"/>
+                </a:solidFill>
+              </a:rPr>
+              <a:t>void</a:t>
+            </a:r>
+            <a:endParaRPr lang="fr-FR" sz="1600" dirty="0">
+              <a:solidFill>
+                <a:schemeClr val="bg1"/>
+              </a:solidFill>
+            </a:endParaRPr>
+          </a:p>
+        </p:txBody>
+      </p:sp>
+      <p:pic>
+        <p:nvPicPr>
+          <p:cNvPr id="2" name="Espace réservé du contenu 12">
+            <a:extLst>
+              <a:ext uri="{FF2B5EF4-FFF2-40B4-BE49-F238E27FC236}">
+                <a16:creationId xmlns:a16="http://schemas.microsoft.com/office/drawing/2014/main" id="{A46E19B0-FE7F-3810-FF5E-1A10263A250B}"/>
+              </a:ext>
+            </a:extLst>
+          </p:cNvPr>
+          <p:cNvPicPr>
+            <a:picLocks noChangeAspect="1"/>
+          </p:cNvPicPr>
+          <p:nvPr/>
+        </p:nvPicPr>
+        <p:blipFill rotWithShape="1">
+          <a:blip r:embed="rId3">
+            <a:extLst>
+              <a:ext uri="{28A0092B-C50C-407E-A947-70E740481C1C}">
+                <a14:useLocalDpi xmlns:a14="http://schemas.microsoft.com/office/drawing/2010/main" val="0"/>
+              </a:ext>
+            </a:extLst>
+          </a:blip>
+          <a:srcRect r="18494"/>
+          <a:stretch/>
+        </p:blipFill>
+        <p:spPr>
+          <a:xfrm>
+            <a:off x="10963473" y="5916271"/>
+            <a:ext cx="1228527" cy="844074"/>
+          </a:xfrm>
+          <a:prstGeom prst="rect">
+            <a:avLst/>
+          </a:prstGeom>
+        </p:spPr>
+      </p:pic>
+    </p:spTree>
+    <p:extLst>
+      <p:ext uri="{BB962C8B-B14F-4D97-AF65-F5344CB8AC3E}">
+        <p14:creationId xmlns:p14="http://schemas.microsoft.com/office/powerpoint/2010/main" val="2104535492"/>
       </p:ext>
     </p:extLst>
   </p:cSld>

--- a/caractéristiques_techniques.pptx
+++ b/caractéristiques_techniques.pptx
@@ -15,8 +15,9 @@
     <p:sldId id="267" r:id="rId9"/>
     <p:sldId id="258" r:id="rId10"/>
     <p:sldId id="262" r:id="rId11"/>
-    <p:sldId id="264" r:id="rId12"/>
-    <p:sldId id="265" r:id="rId13"/>
+    <p:sldId id="268" r:id="rId12"/>
+    <p:sldId id="264" r:id="rId13"/>
+    <p:sldId id="265" r:id="rId14"/>
   </p:sldIdLst>
   <p:sldSz cx="12192000" cy="6858000"/>
   <p:notesSz cx="6858000" cy="9144000"/>
@@ -270,7 +271,7 @@
           <a:p>
             <a:fld id="{9BC60C10-E03E-48A1-B538-E36935D0E394}" type="datetimeFigureOut">
               <a:rPr lang="fr-FR" smtClean="0"/>
-              <a:t>09/07/2023</a:t>
+              <a:t>10/07/2023</a:t>
             </a:fld>
             <a:endParaRPr lang="fr-FR"/>
           </a:p>
@@ -468,7 +469,7 @@
           <a:p>
             <a:fld id="{9BC60C10-E03E-48A1-B538-E36935D0E394}" type="datetimeFigureOut">
               <a:rPr lang="fr-FR" smtClean="0"/>
-              <a:t>09/07/2023</a:t>
+              <a:t>10/07/2023</a:t>
             </a:fld>
             <a:endParaRPr lang="fr-FR"/>
           </a:p>
@@ -676,7 +677,7 @@
           <a:p>
             <a:fld id="{9BC60C10-E03E-48A1-B538-E36935D0E394}" type="datetimeFigureOut">
               <a:rPr lang="fr-FR" smtClean="0"/>
-              <a:t>09/07/2023</a:t>
+              <a:t>10/07/2023</a:t>
             </a:fld>
             <a:endParaRPr lang="fr-FR"/>
           </a:p>
@@ -874,7 +875,7 @@
           <a:p>
             <a:fld id="{9BC60C10-E03E-48A1-B538-E36935D0E394}" type="datetimeFigureOut">
               <a:rPr lang="fr-FR" smtClean="0"/>
-              <a:t>09/07/2023</a:t>
+              <a:t>10/07/2023</a:t>
             </a:fld>
             <a:endParaRPr lang="fr-FR"/>
           </a:p>
@@ -1149,7 +1150,7 @@
           <a:p>
             <a:fld id="{9BC60C10-E03E-48A1-B538-E36935D0E394}" type="datetimeFigureOut">
               <a:rPr lang="fr-FR" smtClean="0"/>
-              <a:t>09/07/2023</a:t>
+              <a:t>10/07/2023</a:t>
             </a:fld>
             <a:endParaRPr lang="fr-FR"/>
           </a:p>
@@ -1414,7 +1415,7 @@
           <a:p>
             <a:fld id="{9BC60C10-E03E-48A1-B538-E36935D0E394}" type="datetimeFigureOut">
               <a:rPr lang="fr-FR" smtClean="0"/>
-              <a:t>09/07/2023</a:t>
+              <a:t>10/07/2023</a:t>
             </a:fld>
             <a:endParaRPr lang="fr-FR"/>
           </a:p>
@@ -1826,7 +1827,7 @@
           <a:p>
             <a:fld id="{9BC60C10-E03E-48A1-B538-E36935D0E394}" type="datetimeFigureOut">
               <a:rPr lang="fr-FR" smtClean="0"/>
-              <a:t>09/07/2023</a:t>
+              <a:t>10/07/2023</a:t>
             </a:fld>
             <a:endParaRPr lang="fr-FR"/>
           </a:p>
@@ -1967,7 +1968,7 @@
           <a:p>
             <a:fld id="{9BC60C10-E03E-48A1-B538-E36935D0E394}" type="datetimeFigureOut">
               <a:rPr lang="fr-FR" smtClean="0"/>
-              <a:t>09/07/2023</a:t>
+              <a:t>10/07/2023</a:t>
             </a:fld>
             <a:endParaRPr lang="fr-FR"/>
           </a:p>
@@ -2080,7 +2081,7 @@
           <a:p>
             <a:fld id="{9BC60C10-E03E-48A1-B538-E36935D0E394}" type="datetimeFigureOut">
               <a:rPr lang="fr-FR" smtClean="0"/>
-              <a:t>09/07/2023</a:t>
+              <a:t>10/07/2023</a:t>
             </a:fld>
             <a:endParaRPr lang="fr-FR"/>
           </a:p>
@@ -2391,7 +2392,7 @@
           <a:p>
             <a:fld id="{9BC60C10-E03E-48A1-B538-E36935D0E394}" type="datetimeFigureOut">
               <a:rPr lang="fr-FR" smtClean="0"/>
-              <a:t>09/07/2023</a:t>
+              <a:t>10/07/2023</a:t>
             </a:fld>
             <a:endParaRPr lang="fr-FR"/>
           </a:p>
@@ -2679,7 +2680,7 @@
           <a:p>
             <a:fld id="{9BC60C10-E03E-48A1-B538-E36935D0E394}" type="datetimeFigureOut">
               <a:rPr lang="fr-FR" smtClean="0"/>
-              <a:t>09/07/2023</a:t>
+              <a:t>10/07/2023</a:t>
             </a:fld>
             <a:endParaRPr lang="fr-FR"/>
           </a:p>
@@ -2920,7 +2921,7 @@
           <a:p>
             <a:fld id="{9BC60C10-E03E-48A1-B538-E36935D0E394}" type="datetimeFigureOut">
               <a:rPr lang="fr-FR" smtClean="0"/>
-              <a:t>09/07/2023</a:t>
+              <a:t>10/07/2023</a:t>
             </a:fld>
             <a:endParaRPr lang="fr-FR"/>
           </a:p>
@@ -3653,6 +3654,289 @@
       </p:grpSpPr>
       <p:pic>
         <p:nvPicPr>
+          <p:cNvPr id="4" name="Image 3">
+            <a:extLst>
+              <a:ext uri="{FF2B5EF4-FFF2-40B4-BE49-F238E27FC236}">
+                <a16:creationId xmlns:a16="http://schemas.microsoft.com/office/drawing/2014/main" id="{A1DFA657-F238-C649-490D-B62364C0734A}"/>
+              </a:ext>
+            </a:extLst>
+          </p:cNvPr>
+          <p:cNvPicPr>
+            <a:picLocks noChangeAspect="1"/>
+          </p:cNvPicPr>
+          <p:nvPr/>
+        </p:nvPicPr>
+        <p:blipFill>
+          <a:blip r:embed="rId2">
+            <a:extLst>
+              <a:ext uri="{28A0092B-C50C-407E-A947-70E740481C1C}">
+                <a14:useLocalDpi xmlns:a14="http://schemas.microsoft.com/office/drawing/2010/main" val="0"/>
+              </a:ext>
+            </a:extLst>
+          </a:blip>
+          <a:stretch>
+            <a:fillRect/>
+          </a:stretch>
+        </p:blipFill>
+        <p:spPr>
+          <a:xfrm>
+            <a:off x="-27214" y="-88777"/>
+            <a:ext cx="12246428" cy="7084381"/>
+          </a:xfrm>
+          <a:prstGeom prst="rect">
+            <a:avLst/>
+          </a:prstGeom>
+        </p:spPr>
+      </p:pic>
+      <p:sp>
+        <p:nvSpPr>
+          <p:cNvPr id="3" name="Espace réservé du contenu 2">
+            <a:extLst>
+              <a:ext uri="{FF2B5EF4-FFF2-40B4-BE49-F238E27FC236}">
+                <a16:creationId xmlns:a16="http://schemas.microsoft.com/office/drawing/2014/main" id="{B239F2B2-EA11-5297-3EBC-207D21FE3F25}"/>
+              </a:ext>
+            </a:extLst>
+          </p:cNvPr>
+          <p:cNvSpPr>
+            <a:spLocks noGrp="1"/>
+          </p:cNvSpPr>
+          <p:nvPr>
+            <p:ph idx="1"/>
+          </p:nvPr>
+        </p:nvSpPr>
+        <p:spPr>
+          <a:xfrm>
+            <a:off x="838200" y="0"/>
+            <a:ext cx="10515600" cy="6176963"/>
+          </a:xfrm>
+        </p:spPr>
+        <p:txBody>
+          <a:bodyPr>
+            <a:normAutofit/>
+          </a:bodyPr>
+          <a:lstStyle/>
+          <a:p>
+            <a:r>
+              <a:rPr lang="fr-FR" sz="1600" dirty="0">
+                <a:solidFill>
+                  <a:schemeClr val="bg1"/>
+                </a:solidFill>
+              </a:rPr>
+              <a:t>Fonction </a:t>
+            </a:r>
+            <a:r>
+              <a:rPr lang="fr-FR" sz="1600" dirty="0" err="1">
+                <a:solidFill>
+                  <a:schemeClr val="bg1"/>
+                </a:solidFill>
+              </a:rPr>
+              <a:t>check_winner_hand</a:t>
+            </a:r>
+            <a:r>
+              <a:rPr lang="fr-FR" sz="1600" dirty="0">
+                <a:solidFill>
+                  <a:schemeClr val="bg1"/>
+                </a:solidFill>
+              </a:rPr>
+              <a:t>()</a:t>
+            </a:r>
+          </a:p>
+          <a:p>
+            <a:pPr marL="0" indent="0">
+              <a:buNone/>
+            </a:pPr>
+            <a:r>
+              <a:rPr lang="fr-FR" sz="1600" dirty="0">
+                <a:solidFill>
+                  <a:schemeClr val="bg1"/>
+                </a:solidFill>
+              </a:rPr>
+              <a:t>Cette fonction prends un </a:t>
+            </a:r>
+            <a:r>
+              <a:rPr lang="fr-FR" sz="1600" dirty="0" err="1">
+                <a:solidFill>
+                  <a:schemeClr val="bg1"/>
+                </a:solidFill>
+              </a:rPr>
+              <a:t>board</a:t>
+            </a:r>
+            <a:r>
+              <a:rPr lang="fr-FR" sz="1600" dirty="0">
+                <a:solidFill>
+                  <a:schemeClr val="bg1"/>
+                </a:solidFill>
+              </a:rPr>
+              <a:t> et plusieurs mains et détermine la main gagnante,</a:t>
+            </a:r>
+          </a:p>
+          <a:p>
+            <a:pPr marL="0" indent="0">
+              <a:buNone/>
+            </a:pPr>
+            <a:endParaRPr lang="fr-FR" sz="1600" dirty="0">
+              <a:solidFill>
+                <a:schemeClr val="bg1"/>
+              </a:solidFill>
+            </a:endParaRPr>
+          </a:p>
+          <a:p>
+            <a:pPr marL="0" indent="0">
+              <a:buNone/>
+            </a:pPr>
+            <a:r>
+              <a:rPr lang="fr-FR" sz="1600" dirty="0">
+                <a:solidFill>
+                  <a:schemeClr val="bg1"/>
+                </a:solidFill>
+              </a:rPr>
+              <a:t>Args : (</a:t>
+            </a:r>
+            <a:r>
+              <a:rPr lang="fr-FR" sz="1600" dirty="0" err="1">
+                <a:solidFill>
+                  <a:schemeClr val="bg1"/>
+                </a:solidFill>
+              </a:rPr>
+              <a:t>board</a:t>
+            </a:r>
+            <a:r>
+              <a:rPr lang="fr-FR" sz="1600" dirty="0">
+                <a:solidFill>
+                  <a:schemeClr val="bg1"/>
+                </a:solidFill>
+              </a:rPr>
+              <a:t> : </a:t>
+            </a:r>
+            <a:r>
+              <a:rPr lang="fr-FR" sz="1600" dirty="0" err="1">
+                <a:solidFill>
+                  <a:schemeClr val="bg1"/>
+                </a:solidFill>
+              </a:rPr>
+              <a:t>Board</a:t>
+            </a:r>
+            <a:r>
+              <a:rPr lang="fr-FR" sz="1600" dirty="0">
+                <a:solidFill>
+                  <a:schemeClr val="bg1"/>
+                </a:solidFill>
+              </a:rPr>
+              <a:t>, hands : tuple(Hand))</a:t>
+            </a:r>
+          </a:p>
+          <a:p>
+            <a:pPr marL="0" indent="0">
+              <a:buNone/>
+            </a:pPr>
+            <a:r>
+              <a:rPr lang="fr-FR" sz="1600" dirty="0">
+                <a:solidFill>
+                  <a:schemeClr val="bg1"/>
+                </a:solidFill>
+              </a:rPr>
+              <a:t>return : hand : Hand </a:t>
+            </a:r>
+          </a:p>
+          <a:p>
+            <a:pPr marL="0" indent="0">
+              <a:buNone/>
+            </a:pPr>
+            <a:endParaRPr lang="fr-FR" sz="1600" dirty="0">
+              <a:solidFill>
+                <a:schemeClr val="bg1"/>
+              </a:solidFill>
+            </a:endParaRPr>
+          </a:p>
+          <a:p>
+            <a:pPr marL="0" indent="0">
+              <a:buNone/>
+            </a:pPr>
+            <a:endParaRPr lang="fr-FR" sz="1600" dirty="0">
+              <a:solidFill>
+                <a:schemeClr val="bg1"/>
+              </a:solidFill>
+            </a:endParaRPr>
+          </a:p>
+          <a:p>
+            <a:pPr marL="0" indent="0">
+              <a:buNone/>
+            </a:pPr>
+            <a:endParaRPr lang="fr-FR" sz="1600" dirty="0">
+              <a:solidFill>
+                <a:schemeClr val="bg1"/>
+              </a:solidFill>
+            </a:endParaRPr>
+          </a:p>
+        </p:txBody>
+      </p:sp>
+      <p:pic>
+        <p:nvPicPr>
+          <p:cNvPr id="5" name="Espace réservé du contenu 12">
+            <a:extLst>
+              <a:ext uri="{FF2B5EF4-FFF2-40B4-BE49-F238E27FC236}">
+                <a16:creationId xmlns:a16="http://schemas.microsoft.com/office/drawing/2014/main" id="{B6FAB6F0-6629-22C1-2F00-E0F9BBB50CE6}"/>
+              </a:ext>
+            </a:extLst>
+          </p:cNvPr>
+          <p:cNvPicPr>
+            <a:picLocks noChangeAspect="1"/>
+          </p:cNvPicPr>
+          <p:nvPr/>
+        </p:nvPicPr>
+        <p:blipFill rotWithShape="1">
+          <a:blip r:embed="rId3">
+            <a:extLst>
+              <a:ext uri="{28A0092B-C50C-407E-A947-70E740481C1C}">
+                <a14:useLocalDpi xmlns:a14="http://schemas.microsoft.com/office/drawing/2010/main" val="0"/>
+              </a:ext>
+            </a:extLst>
+          </a:blip>
+          <a:srcRect r="18494"/>
+          <a:stretch/>
+        </p:blipFill>
+        <p:spPr>
+          <a:xfrm>
+            <a:off x="10963473" y="5916271"/>
+            <a:ext cx="1228527" cy="844074"/>
+          </a:xfrm>
+          <a:prstGeom prst="rect">
+            <a:avLst/>
+          </a:prstGeom>
+        </p:spPr>
+      </p:pic>
+    </p:spTree>
+    <p:extLst>
+      <p:ext uri="{BB962C8B-B14F-4D97-AF65-F5344CB8AC3E}">
+        <p14:creationId xmlns:p14="http://schemas.microsoft.com/office/powerpoint/2010/main" val="3160334419"/>
+      </p:ext>
+    </p:extLst>
+  </p:cSld>
+  <p:clrMapOvr>
+    <a:masterClrMapping/>
+  </p:clrMapOvr>
+</p:sld>
+</file>
+
+<file path=ppt/slides/slide12.xml><?xml version="1.0" encoding="utf-8"?>
+<p:sld xmlns:a="http://schemas.openxmlformats.org/drawingml/2006/main" xmlns:r="http://schemas.openxmlformats.org/officeDocument/2006/relationships" xmlns:p="http://schemas.openxmlformats.org/presentationml/2006/main">
+  <p:cSld>
+    <p:spTree>
+      <p:nvGrpSpPr>
+        <p:cNvPr id="1" name=""/>
+        <p:cNvGrpSpPr/>
+        <p:nvPr/>
+      </p:nvGrpSpPr>
+      <p:grpSpPr>
+        <a:xfrm>
+          <a:off x="0" y="0"/>
+          <a:ext cx="0" cy="0"/>
+          <a:chOff x="0" y="0"/>
+          <a:chExt cx="0" cy="0"/>
+        </a:xfrm>
+      </p:grpSpPr>
+      <p:pic>
+        <p:nvPicPr>
           <p:cNvPr id="15" name="Image 14">
             <a:extLst>
               <a:ext uri="{FF2B5EF4-FFF2-40B4-BE49-F238E27FC236}">
@@ -3766,7 +4050,7 @@
 </p:sld>
 </file>
 
-<file path=ppt/slides/slide12.xml><?xml version="1.0" encoding="utf-8"?>
+<file path=ppt/slides/slide13.xml><?xml version="1.0" encoding="utf-8"?>
 <p:sld xmlns:a="http://schemas.openxmlformats.org/drawingml/2006/main" xmlns:r="http://schemas.openxmlformats.org/officeDocument/2006/relationships" xmlns:p="http://schemas.openxmlformats.org/presentationml/2006/main">
   <p:cSld>
     <p:spTree>
@@ -5090,6 +5374,27 @@
                 </a:solidFill>
               </a:rPr>
               <a:t>, instancié par main.</a:t>
+            </a:r>
+          </a:p>
+          <a:p>
+            <a:pPr marL="0" indent="0">
+              <a:buNone/>
+            </a:pPr>
+            <a:r>
+              <a:rPr lang="fr-FR" sz="1600" dirty="0" err="1">
+                <a:solidFill>
+                  <a:schemeClr val="bg1"/>
+                </a:solidFill>
+              </a:rPr>
+              <a:t>Board</a:t>
+            </a:r>
+            <a:r>
+              <a:rPr lang="fr-FR" sz="1600" dirty="0">
+                <a:solidFill>
+                  <a:schemeClr val="bg1"/>
+                </a:solidFill>
+              </a:rPr>
+              <a:t> &gt; représente les cartes visible par tous</a:t>
             </a:r>
           </a:p>
         </p:txBody>

--- a/caractéristiques_techniques.pptx
+++ b/caractéristiques_techniques.pptx
@@ -3852,6 +3852,109 @@
             <a:pPr marL="0" indent="0">
               <a:buNone/>
             </a:pPr>
+            <a:r>
+              <a:rPr lang="fr-FR" sz="1600" dirty="0">
+                <a:solidFill>
+                  <a:schemeClr val="bg1"/>
+                </a:solidFill>
+              </a:rPr>
+              <a:t>Fonction </a:t>
+            </a:r>
+            <a:r>
+              <a:rPr lang="fr-FR" sz="1600" dirty="0" err="1">
+                <a:solidFill>
+                  <a:schemeClr val="bg1"/>
+                </a:solidFill>
+              </a:rPr>
+              <a:t>combination_hand</a:t>
+            </a:r>
+            <a:r>
+              <a:rPr lang="fr-FR" sz="1600" dirty="0">
+                <a:solidFill>
+                  <a:schemeClr val="bg1"/>
+                </a:solidFill>
+              </a:rPr>
+              <a:t>(</a:t>
+            </a:r>
+            <a:r>
+              <a:rPr lang="fr-FR" sz="1600" dirty="0" err="1">
+                <a:solidFill>
+                  <a:schemeClr val="bg1"/>
+                </a:solidFill>
+              </a:rPr>
+              <a:t>board</a:t>
+            </a:r>
+            <a:r>
+              <a:rPr lang="fr-FR" sz="1600" dirty="0">
+                <a:solidFill>
+                  <a:schemeClr val="bg1"/>
+                </a:solidFill>
+              </a:rPr>
+              <a:t> : </a:t>
+            </a:r>
+            <a:r>
+              <a:rPr lang="fr-FR" sz="1600" dirty="0" err="1">
+                <a:solidFill>
+                  <a:schemeClr val="bg1"/>
+                </a:solidFill>
+              </a:rPr>
+              <a:t>Board</a:t>
+            </a:r>
+            <a:r>
+              <a:rPr lang="fr-FR" sz="1600" dirty="0">
+                <a:solidFill>
+                  <a:schemeClr val="bg1"/>
+                </a:solidFill>
+              </a:rPr>
+              <a:t>, hand : Hand)</a:t>
+            </a:r>
+          </a:p>
+          <a:p>
+            <a:pPr marL="0" indent="0">
+              <a:buNone/>
+            </a:pPr>
+            <a:r>
+              <a:rPr lang="fr-FR" sz="1600" dirty="0">
+                <a:solidFill>
+                  <a:schemeClr val="bg1"/>
+                </a:solidFill>
+              </a:rPr>
+              <a:t>Prends une main et un </a:t>
+            </a:r>
+            <a:r>
+              <a:rPr lang="fr-FR" sz="1600" dirty="0" err="1">
+                <a:solidFill>
+                  <a:schemeClr val="bg1"/>
+                </a:solidFill>
+              </a:rPr>
+              <a:t>board</a:t>
+            </a:r>
+            <a:r>
+              <a:rPr lang="fr-FR" sz="1600" dirty="0">
+                <a:solidFill>
+                  <a:schemeClr val="bg1"/>
+                </a:solidFill>
+              </a:rPr>
+              <a:t> et détermine la </a:t>
+            </a:r>
+            <a:r>
+              <a:rPr lang="fr-FR" sz="1600">
+                <a:solidFill>
+                  <a:schemeClr val="bg1"/>
+                </a:solidFill>
+              </a:rPr>
+              <a:t>combinaison associée</a:t>
+            </a:r>
+            <a:endParaRPr lang="fr-FR" sz="1600" dirty="0">
+              <a:solidFill>
+                <a:schemeClr val="bg1"/>
+              </a:solidFill>
+            </a:endParaRPr>
+          </a:p>
+          <a:p>
+            <a:pPr marL="0" indent="0">
+              <a:buNone/>
+            </a:pPr>
             <a:endParaRPr lang="fr-FR" sz="1600" dirty="0">
               <a:solidFill>
                 <a:schemeClr val="bg1"/>
@@ -5395,6 +5498,19 @@
                 </a:solidFill>
               </a:rPr>
               <a:t> &gt; représente les cartes visible par tous</a:t>
+            </a:r>
+          </a:p>
+          <a:p>
+            <a:pPr marL="0" indent="0">
+              <a:buNone/>
+            </a:pPr>
+            <a:r>
+              <a:rPr lang="fr-FR" sz="1600" dirty="0">
+                <a:solidFill>
+                  <a:schemeClr val="bg1"/>
+                </a:solidFill>
+              </a:rPr>
+              <a:t>Combination &gt; représente les différentes combinaisons possibles (quinte, paire …) </a:t>
             </a:r>
           </a:p>
         </p:txBody>
